--- a/Weather_vs_Crime.pptx
+++ b/Weather_vs_Crime.pptx
@@ -265,7 +265,7 @@
           <a:p>
             <a:fld id="{5CE88FEC-8408-4619-B5E6-DA13FC512FFF}" type="datetimeFigureOut">
               <a:rPr lang="en-US" smtClean="0"/>
-              <a:t>4/6/2019</a:t>
+              <a:t>4/7/2019</a:t>
             </a:fld>
             <a:endParaRPr lang="en-US"/>
           </a:p>
@@ -463,7 +463,7 @@
           <a:p>
             <a:fld id="{5CE88FEC-8408-4619-B5E6-DA13FC512FFF}" type="datetimeFigureOut">
               <a:rPr lang="en-US" smtClean="0"/>
-              <a:t>4/6/2019</a:t>
+              <a:t>4/7/2019</a:t>
             </a:fld>
             <a:endParaRPr lang="en-US"/>
           </a:p>
@@ -671,7 +671,7 @@
           <a:p>
             <a:fld id="{5CE88FEC-8408-4619-B5E6-DA13FC512FFF}" type="datetimeFigureOut">
               <a:rPr lang="en-US" smtClean="0"/>
-              <a:t>4/6/2019</a:t>
+              <a:t>4/7/2019</a:t>
             </a:fld>
             <a:endParaRPr lang="en-US"/>
           </a:p>
@@ -869,7 +869,7 @@
           <a:p>
             <a:fld id="{5CE88FEC-8408-4619-B5E6-DA13FC512FFF}" type="datetimeFigureOut">
               <a:rPr lang="en-US" smtClean="0"/>
-              <a:t>4/6/2019</a:t>
+              <a:t>4/7/2019</a:t>
             </a:fld>
             <a:endParaRPr lang="en-US"/>
           </a:p>
@@ -1144,7 +1144,7 @@
           <a:p>
             <a:fld id="{5CE88FEC-8408-4619-B5E6-DA13FC512FFF}" type="datetimeFigureOut">
               <a:rPr lang="en-US" smtClean="0"/>
-              <a:t>4/6/2019</a:t>
+              <a:t>4/7/2019</a:t>
             </a:fld>
             <a:endParaRPr lang="en-US"/>
           </a:p>
@@ -1409,7 +1409,7 @@
           <a:p>
             <a:fld id="{5CE88FEC-8408-4619-B5E6-DA13FC512FFF}" type="datetimeFigureOut">
               <a:rPr lang="en-US" smtClean="0"/>
-              <a:t>4/6/2019</a:t>
+              <a:t>4/7/2019</a:t>
             </a:fld>
             <a:endParaRPr lang="en-US"/>
           </a:p>
@@ -1821,7 +1821,7 @@
           <a:p>
             <a:fld id="{5CE88FEC-8408-4619-B5E6-DA13FC512FFF}" type="datetimeFigureOut">
               <a:rPr lang="en-US" smtClean="0"/>
-              <a:t>4/6/2019</a:t>
+              <a:t>4/7/2019</a:t>
             </a:fld>
             <a:endParaRPr lang="en-US"/>
           </a:p>
@@ -1962,7 +1962,7 @@
           <a:p>
             <a:fld id="{5CE88FEC-8408-4619-B5E6-DA13FC512FFF}" type="datetimeFigureOut">
               <a:rPr lang="en-US" smtClean="0"/>
-              <a:t>4/6/2019</a:t>
+              <a:t>4/7/2019</a:t>
             </a:fld>
             <a:endParaRPr lang="en-US"/>
           </a:p>
@@ -2075,7 +2075,7 @@
           <a:p>
             <a:fld id="{5CE88FEC-8408-4619-B5E6-DA13FC512FFF}" type="datetimeFigureOut">
               <a:rPr lang="en-US" smtClean="0"/>
-              <a:t>4/6/2019</a:t>
+              <a:t>4/7/2019</a:t>
             </a:fld>
             <a:endParaRPr lang="en-US"/>
           </a:p>
@@ -2386,7 +2386,7 @@
           <a:p>
             <a:fld id="{5CE88FEC-8408-4619-B5E6-DA13FC512FFF}" type="datetimeFigureOut">
               <a:rPr lang="en-US" smtClean="0"/>
-              <a:t>4/6/2019</a:t>
+              <a:t>4/7/2019</a:t>
             </a:fld>
             <a:endParaRPr lang="en-US"/>
           </a:p>
@@ -2674,7 +2674,7 @@
           <a:p>
             <a:fld id="{5CE88FEC-8408-4619-B5E6-DA13FC512FFF}" type="datetimeFigureOut">
               <a:rPr lang="en-US" smtClean="0"/>
-              <a:t>4/6/2019</a:t>
+              <a:t>4/7/2019</a:t>
             </a:fld>
             <a:endParaRPr lang="en-US"/>
           </a:p>
@@ -2915,7 +2915,7 @@
           <a:p>
             <a:fld id="{5CE88FEC-8408-4619-B5E6-DA13FC512FFF}" type="datetimeFigureOut">
               <a:rPr lang="en-US" smtClean="0"/>
-              <a:t>4/6/2019</a:t>
+              <a:t>4/7/2019</a:t>
             </a:fld>
             <a:endParaRPr lang="en-US"/>
           </a:p>
@@ -3870,7 +3870,12 @@
             <p:ph type="title"/>
           </p:nvPr>
         </p:nvSpPr>
-        <p:spPr/>
+        <p:spPr>
+          <a:xfrm>
+            <a:off x="839788" y="633478"/>
+            <a:ext cx="10515600" cy="1325563"/>
+          </a:xfrm>
+        </p:spPr>
         <p:txBody>
           <a:bodyPr/>
           <a:lstStyle/>
@@ -3900,7 +3905,7 @@
         </p:nvSpPr>
         <p:spPr>
           <a:xfrm>
-            <a:off x="839788" y="2257630"/>
+            <a:off x="839788" y="1939582"/>
             <a:ext cx="5157787" cy="823912"/>
           </a:xfrm>
         </p:spPr>
@@ -3933,7 +3938,7 @@
         </p:nvSpPr>
         <p:spPr>
           <a:xfrm>
-            <a:off x="839788" y="3081542"/>
+            <a:off x="839788" y="2912579"/>
             <a:ext cx="5157787" cy="3684588"/>
           </a:xfrm>
         </p:spPr>
@@ -3987,7 +3992,7 @@
         </p:nvSpPr>
         <p:spPr>
           <a:xfrm>
-            <a:off x="6172200" y="2257630"/>
+            <a:off x="6172200" y="1939582"/>
             <a:ext cx="5183188" cy="823912"/>
           </a:xfrm>
         </p:spPr>
@@ -4020,7 +4025,7 @@
         </p:nvSpPr>
         <p:spPr>
           <a:xfrm>
-            <a:off x="6172200" y="3081542"/>
+            <a:off x="6172200" y="2912579"/>
             <a:ext cx="5183188" cy="3684588"/>
           </a:xfrm>
         </p:spPr>
@@ -4112,19 +4117,19 @@
         </p:nvSpPr>
         <p:spPr>
           <a:xfrm>
-            <a:off x="4965430" y="629268"/>
-            <a:ext cx="6586491" cy="1286160"/>
+            <a:off x="4965430" y="629266"/>
+            <a:ext cx="6586491" cy="1676603"/>
           </a:xfrm>
         </p:spPr>
         <p:txBody>
-          <a:bodyPr vert="horz" lIns="91440" tIns="45720" rIns="91440" bIns="45720" rtlCol="0" anchor="b">
+          <a:bodyPr vert="horz" lIns="91440" tIns="45720" rIns="91440" bIns="45720" rtlCol="0" anchor="ctr">
             <a:normAutofit/>
           </a:bodyPr>
           <a:lstStyle/>
           <a:p>
             <a:r>
-              <a:rPr lang="en-US" sz="4100"/>
-              <a:t>The Data: Weather Exploration and Cleanup</a:t>
+              <a:rPr lang="en-US" sz="4400" dirty="0"/>
+              <a:t>The Data: Weather Exploration</a:t>
             </a:r>
           </a:p>
         </p:txBody>
@@ -4161,58 +4166,6 @@
           <a:effectLst/>
         </p:spPr>
       </p:pic>
-      <p:cxnSp>
-        <p:nvCxnSpPr>
-          <p:cNvPr id="12" name="Straight Connector 11">
-            <a:extLst>
-              <a:ext uri="{FF2B5EF4-FFF2-40B4-BE49-F238E27FC236}">
-                <a16:creationId xmlns:a16="http://schemas.microsoft.com/office/drawing/2014/main" id="{A7F400EE-A8A5-48AF-B4D6-291B52C6F0B0}"/>
-              </a:ext>
-              <a:ext uri="{C183D7F6-B498-43B3-948B-1728B52AA6E4}">
-                <adec:decorative xmlns:adec="http://schemas.microsoft.com/office/drawing/2017/decorative" val="1"/>
-              </a:ext>
-            </a:extLst>
-          </p:cNvPr>
-          <p:cNvCxnSpPr>
-            <a:cxnSpLocks noGrp="1" noRot="1" noChangeAspect="1" noMove="1" noResize="1" noEditPoints="1" noAdjustHandles="1" noChangeArrowheads="1" noChangeShapeType="1"/>
-          </p:cNvCxnSpPr>
-          <p:nvPr>
-            <p:extLst>
-              <p:ext uri="{386F3935-93C4-4BCD-93E2-E3B085C9AB24}">
-                <p16:designElem xmlns:p16="http://schemas.microsoft.com/office/powerpoint/2015/main" val="1"/>
-              </p:ext>
-            </p:extLst>
-          </p:nvPr>
-        </p:nvCxnSpPr>
-        <p:spPr>
-          <a:xfrm>
-            <a:off x="5080934" y="2115117"/>
-            <a:ext cx="6309360" cy="0"/>
-          </a:xfrm>
-          <a:prstGeom prst="line">
-            <a:avLst/>
-          </a:prstGeom>
-          <a:ln w="19050">
-            <a:solidFill>
-              <a:srgbClr val="4833E7"/>
-            </a:solidFill>
-          </a:ln>
-        </p:spPr>
-        <p:style>
-          <a:lnRef idx="1">
-            <a:schemeClr val="accent1"/>
-          </a:lnRef>
-          <a:fillRef idx="0">
-            <a:schemeClr val="accent1"/>
-          </a:fillRef>
-          <a:effectRef idx="0">
-            <a:schemeClr val="accent1"/>
-          </a:effectRef>
-          <a:fontRef idx="minor">
-            <a:schemeClr val="tx1"/>
-          </a:fontRef>
-        </p:style>
-      </p:cxnSp>
       <p:sp>
         <p:nvSpPr>
           <p:cNvPr id="3" name="Text Placeholder 2">
@@ -4245,7 +4198,7 @@
               <a:buFont typeface="Arial" panose="020B0604020202020204" pitchFamily="34" charset="0"/>
               <a:buChar char="•"/>
             </a:pPr>
-            <a:endParaRPr lang="en-US" sz="2000" dirty="0"/>
+            <a:endParaRPr lang="en-US" sz="2400" dirty="0"/>
           </a:p>
         </p:txBody>
       </p:sp>
@@ -4302,7 +4255,7 @@
           <a:p>
             <a:r>
               <a:rPr lang="en-US" dirty="0"/>
-              <a:t>The Data: Weather Exploration and Cleanup</a:t>
+              <a:t>The Data: Weather Cleanup</a:t>
             </a:r>
           </a:p>
         </p:txBody>
@@ -4410,7 +4363,7 @@
           <a:p>
             <a:r>
               <a:rPr lang="en-US" dirty="0"/>
-              <a:t>The Data: Crime Exploration and Cleanup</a:t>
+              <a:t>The Data: Crime Exploration</a:t>
             </a:r>
           </a:p>
         </p:txBody>
@@ -4461,7 +4414,7 @@
           <a:bodyPr/>
           <a:lstStyle/>
           <a:p>
-            <a:endParaRPr lang="en-US"/>
+            <a:endParaRPr lang="en-US" dirty="0"/>
           </a:p>
         </p:txBody>
       </p:sp>
@@ -4518,7 +4471,7 @@
           <a:p>
             <a:r>
               <a:rPr lang="en-US" dirty="0"/>
-              <a:t>The Data: Crime Exploration and Cleanup</a:t>
+              <a:t>The Data: Crime Cleanup</a:t>
             </a:r>
           </a:p>
         </p:txBody>
@@ -4569,7 +4522,7 @@
           <a:bodyPr/>
           <a:lstStyle/>
           <a:p>
-            <a:endParaRPr lang="en-US"/>
+            <a:endParaRPr lang="en-US" dirty="0"/>
           </a:p>
         </p:txBody>
       </p:sp>

--- a/Weather_vs_Crime.pptx
+++ b/Weather_vs_Crime.pptx
@@ -4255,61 +4255,103 @@
           <a:p>
             <a:r>
               <a:rPr lang="en-US" dirty="0"/>
-              <a:t>The Data: Weather Cleanup</a:t>
-            </a:r>
-          </a:p>
-        </p:txBody>
-      </p:sp>
-      <p:sp>
-        <p:nvSpPr>
-          <p:cNvPr id="6" name="Content Placeholder 5">
-            <a:extLst>
-              <a:ext uri="{FF2B5EF4-FFF2-40B4-BE49-F238E27FC236}">
-                <a16:creationId xmlns:a16="http://schemas.microsoft.com/office/drawing/2014/main" id="{EF17F9A0-68D6-49D5-99F9-D79EA4DE9AA8}"/>
-              </a:ext>
-            </a:extLst>
-          </p:cNvPr>
-          <p:cNvSpPr>
-            <a:spLocks noGrp="1"/>
-          </p:cNvSpPr>
+              <a:t>The Data: Weather Exploration</a:t>
+            </a:r>
+          </a:p>
+        </p:txBody>
+      </p:sp>
+      <p:sp>
+        <p:nvSpPr>
+          <p:cNvPr id="3" name="Text Placeholder 2">
+            <a:extLst>
+              <a:ext uri="{FF2B5EF4-FFF2-40B4-BE49-F238E27FC236}">
+                <a16:creationId xmlns:a16="http://schemas.microsoft.com/office/drawing/2014/main" id="{F2DEEDE5-5314-44F3-910B-4625C22F52B3}"/>
+              </a:ext>
+            </a:extLst>
+          </p:cNvPr>
+          <p:cNvSpPr>
+            <a:spLocks noGrp="1"/>
+          </p:cNvSpPr>
+          <p:nvPr>
+            <p:ph type="body" sz="half" idx="2"/>
+          </p:nvPr>
+        </p:nvSpPr>
+        <p:spPr/>
+        <p:txBody>
+          <a:bodyPr/>
+          <a:lstStyle/>
+          <a:p>
+            <a:pPr algn="ctr"/>
+            <a:endParaRPr lang="en-US" dirty="0"/>
+          </a:p>
+          <a:p>
+            <a:pPr algn="ctr"/>
+            <a:r>
+              <a:rPr lang="en-US" dirty="0"/>
+              <a:t>The Easiest Part!</a:t>
+            </a:r>
+          </a:p>
+          <a:p>
+            <a:pPr algn="ctr"/>
+            <a:endParaRPr lang="en-US" dirty="0"/>
+          </a:p>
+          <a:p>
+            <a:pPr marL="285750" indent="-285750">
+              <a:buFont typeface="Arial" panose="020B0604020202020204" pitchFamily="34" charset="0"/>
+              <a:buChar char="•"/>
+            </a:pPr>
+            <a:r>
+              <a:rPr lang="en-US" dirty="0"/>
+              <a:t>Load in the huge amounts of data</a:t>
+            </a:r>
+          </a:p>
+          <a:p>
+            <a:pPr marL="285750" indent="-285750">
+              <a:buFont typeface="Arial" panose="020B0604020202020204" pitchFamily="34" charset="0"/>
+              <a:buChar char="•"/>
+            </a:pPr>
+            <a:r>
+              <a:rPr lang="en-US" dirty="0"/>
+              <a:t>Extract the data we need</a:t>
+            </a:r>
+          </a:p>
+        </p:txBody>
+      </p:sp>
+      <p:pic>
+        <p:nvPicPr>
+          <p:cNvPr id="12" name="Content Placeholder 11">
+            <a:extLst>
+              <a:ext uri="{FF2B5EF4-FFF2-40B4-BE49-F238E27FC236}">
+                <a16:creationId xmlns:a16="http://schemas.microsoft.com/office/drawing/2014/main" id="{AC83D0E6-CD73-44AB-AAA0-953BA94866CE}"/>
+              </a:ext>
+            </a:extLst>
+          </p:cNvPr>
+          <p:cNvPicPr>
+            <a:picLocks noGrp="1" noChangeAspect="1"/>
+          </p:cNvPicPr>
           <p:nvPr>
             <p:ph idx="1"/>
           </p:nvPr>
-        </p:nvSpPr>
-        <p:spPr/>
-        <p:txBody>
-          <a:bodyPr/>
-          <a:lstStyle/>
-          <a:p>
-            <a:endParaRPr lang="en-US" dirty="0"/>
-          </a:p>
-        </p:txBody>
-      </p:sp>
-      <p:sp>
-        <p:nvSpPr>
-          <p:cNvPr id="3" name="Text Placeholder 2">
-            <a:extLst>
-              <a:ext uri="{FF2B5EF4-FFF2-40B4-BE49-F238E27FC236}">
-                <a16:creationId xmlns:a16="http://schemas.microsoft.com/office/drawing/2014/main" id="{F2DEEDE5-5314-44F3-910B-4625C22F52B3}"/>
-              </a:ext>
-            </a:extLst>
-          </p:cNvPr>
-          <p:cNvSpPr>
-            <a:spLocks noGrp="1"/>
-          </p:cNvSpPr>
-          <p:nvPr>
-            <p:ph type="body" sz="half" idx="2"/>
-          </p:nvPr>
-        </p:nvSpPr>
-        <p:spPr/>
-        <p:txBody>
-          <a:bodyPr/>
-          <a:lstStyle/>
-          <a:p>
-            <a:endParaRPr lang="en-US" dirty="0"/>
-          </a:p>
-        </p:txBody>
-      </p:sp>
+        </p:nvPicPr>
+        <p:blipFill>
+          <a:blip r:embed="rId2">
+            <a:extLst>
+              <a:ext uri="{28A0092B-C50C-407E-A947-70E740481C1C}">
+                <a14:useLocalDpi xmlns:a14="http://schemas.microsoft.com/office/drawing/2010/main" val="0"/>
+              </a:ext>
+            </a:extLst>
+          </a:blip>
+          <a:stretch>
+            <a:fillRect/>
+          </a:stretch>
+        </p:blipFill>
+        <p:spPr>
+          <a:xfrm>
+            <a:off x="4772025" y="858982"/>
+            <a:ext cx="7218218" cy="5777345"/>
+          </a:xfrm>
+        </p:spPr>
+      </p:pic>
     </p:spTree>
     <p:extLst>
       <p:ext uri="{BB962C8B-B14F-4D97-AF65-F5344CB8AC3E}">
@@ -4370,54 +4412,68 @@
       </p:sp>
       <p:sp>
         <p:nvSpPr>
-          <p:cNvPr id="8" name="Content Placeholder 7">
-            <a:extLst>
-              <a:ext uri="{FF2B5EF4-FFF2-40B4-BE49-F238E27FC236}">
-                <a16:creationId xmlns:a16="http://schemas.microsoft.com/office/drawing/2014/main" id="{6B171108-E888-44B3-A10F-8CFF8C051E34}"/>
-              </a:ext>
-            </a:extLst>
-          </p:cNvPr>
-          <p:cNvSpPr>
-            <a:spLocks noGrp="1"/>
-          </p:cNvSpPr>
+          <p:cNvPr id="9" name="Text Placeholder 8">
+            <a:extLst>
+              <a:ext uri="{FF2B5EF4-FFF2-40B4-BE49-F238E27FC236}">
+                <a16:creationId xmlns:a16="http://schemas.microsoft.com/office/drawing/2014/main" id="{2A5DCE34-3430-4E62-8A30-9AE926A8B029}"/>
+              </a:ext>
+            </a:extLst>
+          </p:cNvPr>
+          <p:cNvSpPr>
+            <a:spLocks noGrp="1"/>
+          </p:cNvSpPr>
+          <p:nvPr>
+            <p:ph type="body" sz="half" idx="2"/>
+          </p:nvPr>
+        </p:nvSpPr>
+        <p:spPr/>
+        <p:txBody>
+          <a:bodyPr/>
+          <a:lstStyle/>
+          <a:p>
+            <a:endParaRPr lang="en-US" dirty="0"/>
+          </a:p>
+          <a:p>
+            <a:pPr algn="ctr"/>
+            <a:endParaRPr lang="en-US" dirty="0"/>
+          </a:p>
+        </p:txBody>
+      </p:sp>
+      <p:pic>
+        <p:nvPicPr>
+          <p:cNvPr id="14" name="Content Placeholder 13">
+            <a:extLst>
+              <a:ext uri="{FF2B5EF4-FFF2-40B4-BE49-F238E27FC236}">
+                <a16:creationId xmlns:a16="http://schemas.microsoft.com/office/drawing/2014/main" id="{54C12D38-4A1F-497F-873B-139AB9E747CA}"/>
+              </a:ext>
+            </a:extLst>
+          </p:cNvPr>
+          <p:cNvPicPr>
+            <a:picLocks noGrp="1" noChangeAspect="1"/>
+          </p:cNvPicPr>
           <p:nvPr>
             <p:ph idx="1"/>
           </p:nvPr>
-        </p:nvSpPr>
-        <p:spPr/>
-        <p:txBody>
-          <a:bodyPr/>
-          <a:lstStyle/>
-          <a:p>
-            <a:endParaRPr lang="en-US"/>
-          </a:p>
-        </p:txBody>
-      </p:sp>
-      <p:sp>
-        <p:nvSpPr>
-          <p:cNvPr id="9" name="Text Placeholder 8">
-            <a:extLst>
-              <a:ext uri="{FF2B5EF4-FFF2-40B4-BE49-F238E27FC236}">
-                <a16:creationId xmlns:a16="http://schemas.microsoft.com/office/drawing/2014/main" id="{2A5DCE34-3430-4E62-8A30-9AE926A8B029}"/>
-              </a:ext>
-            </a:extLst>
-          </p:cNvPr>
-          <p:cNvSpPr>
-            <a:spLocks noGrp="1"/>
-          </p:cNvSpPr>
-          <p:nvPr>
-            <p:ph type="body" sz="half" idx="2"/>
-          </p:nvPr>
-        </p:nvSpPr>
-        <p:spPr/>
-        <p:txBody>
-          <a:bodyPr/>
-          <a:lstStyle/>
-          <a:p>
-            <a:endParaRPr lang="en-US" dirty="0"/>
-          </a:p>
-        </p:txBody>
-      </p:sp>
+        </p:nvPicPr>
+        <p:blipFill>
+          <a:blip r:embed="rId2">
+            <a:extLst>
+              <a:ext uri="{28A0092B-C50C-407E-A947-70E740481C1C}">
+                <a14:useLocalDpi xmlns:a14="http://schemas.microsoft.com/office/drawing/2010/main" val="0"/>
+              </a:ext>
+            </a:extLst>
+          </a:blip>
+          <a:stretch>
+            <a:fillRect/>
+          </a:stretch>
+        </p:blipFill>
+        <p:spPr>
+          <a:xfrm>
+            <a:off x="4935537" y="390525"/>
+            <a:ext cx="7034185" cy="6200775"/>
+          </a:xfrm>
+        </p:spPr>
+      </p:pic>
     </p:spTree>
     <p:extLst>
       <p:ext uri="{BB962C8B-B14F-4D97-AF65-F5344CB8AC3E}">
@@ -4478,54 +4534,68 @@
       </p:sp>
       <p:sp>
         <p:nvSpPr>
-          <p:cNvPr id="8" name="Content Placeholder 7">
-            <a:extLst>
-              <a:ext uri="{FF2B5EF4-FFF2-40B4-BE49-F238E27FC236}">
-                <a16:creationId xmlns:a16="http://schemas.microsoft.com/office/drawing/2014/main" id="{6B171108-E888-44B3-A10F-8CFF8C051E34}"/>
-              </a:ext>
-            </a:extLst>
-          </p:cNvPr>
-          <p:cNvSpPr>
-            <a:spLocks noGrp="1"/>
-          </p:cNvSpPr>
+          <p:cNvPr id="9" name="Text Placeholder 8">
+            <a:extLst>
+              <a:ext uri="{FF2B5EF4-FFF2-40B4-BE49-F238E27FC236}">
+                <a16:creationId xmlns:a16="http://schemas.microsoft.com/office/drawing/2014/main" id="{2A5DCE34-3430-4E62-8A30-9AE926A8B029}"/>
+              </a:ext>
+            </a:extLst>
+          </p:cNvPr>
+          <p:cNvSpPr>
+            <a:spLocks noGrp="1"/>
+          </p:cNvSpPr>
+          <p:nvPr>
+            <p:ph type="body" sz="half" idx="2"/>
+          </p:nvPr>
+        </p:nvSpPr>
+        <p:spPr/>
+        <p:txBody>
+          <a:bodyPr/>
+          <a:lstStyle/>
+          <a:p>
+            <a:endParaRPr lang="en-US" dirty="0"/>
+          </a:p>
+          <a:p>
+            <a:pPr algn="ctr"/>
+            <a:endParaRPr lang="en-US" dirty="0"/>
+          </a:p>
+        </p:txBody>
+      </p:sp>
+      <p:pic>
+        <p:nvPicPr>
+          <p:cNvPr id="11" name="Content Placeholder 10">
+            <a:extLst>
+              <a:ext uri="{FF2B5EF4-FFF2-40B4-BE49-F238E27FC236}">
+                <a16:creationId xmlns:a16="http://schemas.microsoft.com/office/drawing/2014/main" id="{E9173736-90D2-4BC5-B05C-7C6E3B47CCC8}"/>
+              </a:ext>
+            </a:extLst>
+          </p:cNvPr>
+          <p:cNvPicPr>
+            <a:picLocks noGrp="1" noChangeAspect="1"/>
+          </p:cNvPicPr>
           <p:nvPr>
             <p:ph idx="1"/>
           </p:nvPr>
-        </p:nvSpPr>
-        <p:spPr/>
-        <p:txBody>
-          <a:bodyPr/>
-          <a:lstStyle/>
-          <a:p>
-            <a:endParaRPr lang="en-US"/>
-          </a:p>
-        </p:txBody>
-      </p:sp>
-      <p:sp>
-        <p:nvSpPr>
-          <p:cNvPr id="9" name="Text Placeholder 8">
-            <a:extLst>
-              <a:ext uri="{FF2B5EF4-FFF2-40B4-BE49-F238E27FC236}">
-                <a16:creationId xmlns:a16="http://schemas.microsoft.com/office/drawing/2014/main" id="{2A5DCE34-3430-4E62-8A30-9AE926A8B029}"/>
-              </a:ext>
-            </a:extLst>
-          </p:cNvPr>
-          <p:cNvSpPr>
-            <a:spLocks noGrp="1"/>
-          </p:cNvSpPr>
-          <p:nvPr>
-            <p:ph type="body" sz="half" idx="2"/>
-          </p:nvPr>
-        </p:nvSpPr>
-        <p:spPr/>
-        <p:txBody>
-          <a:bodyPr/>
-          <a:lstStyle/>
-          <a:p>
-            <a:endParaRPr lang="en-US" dirty="0"/>
-          </a:p>
-        </p:txBody>
-      </p:sp>
+        </p:nvPicPr>
+        <p:blipFill>
+          <a:blip r:embed="rId2">
+            <a:extLst>
+              <a:ext uri="{28A0092B-C50C-407E-A947-70E740481C1C}">
+                <a14:useLocalDpi xmlns:a14="http://schemas.microsoft.com/office/drawing/2010/main" val="0"/>
+              </a:ext>
+            </a:extLst>
+          </a:blip>
+          <a:stretch>
+            <a:fillRect/>
+          </a:stretch>
+        </p:blipFill>
+        <p:spPr>
+          <a:xfrm>
+            <a:off x="4772025" y="1018538"/>
+            <a:ext cx="7443418" cy="5382262"/>
+          </a:xfrm>
+        </p:spPr>
+      </p:pic>
     </p:spTree>
     <p:extLst>
       <p:ext uri="{BB962C8B-B14F-4D97-AF65-F5344CB8AC3E}">

--- a/Weather_vs_Crime.pptx
+++ b/Weather_vs_Crime.pptx
@@ -12,6 +12,7 @@
     <p:sldId id="262" r:id="rId6"/>
     <p:sldId id="261" r:id="rId7"/>
     <p:sldId id="263" r:id="rId8"/>
+    <p:sldId id="264" r:id="rId9"/>
   </p:sldIdLst>
   <p:sldSz cx="12192000" cy="6858000"/>
   <p:notesSz cx="6858000" cy="9144000"/>
@@ -4609,6 +4610,220 @@
 </p:sld>
 </file>
 
+<file path=ppt/slides/slide8.xml><?xml version="1.0" encoding="utf-8"?>
+<p:sld xmlns:a="http://schemas.openxmlformats.org/drawingml/2006/main" xmlns:r="http://schemas.openxmlformats.org/officeDocument/2006/relationships" xmlns:p="http://schemas.openxmlformats.org/presentationml/2006/main">
+  <p:cSld>
+    <p:spTree>
+      <p:nvGrpSpPr>
+        <p:cNvPr id="1" name=""/>
+        <p:cNvGrpSpPr/>
+        <p:nvPr/>
+      </p:nvGrpSpPr>
+      <p:grpSpPr>
+        <a:xfrm>
+          <a:off x="0" y="0"/>
+          <a:ext cx="0" cy="0"/>
+          <a:chOff x="0" y="0"/>
+          <a:chExt cx="0" cy="0"/>
+        </a:xfrm>
+      </p:grpSpPr>
+      <p:sp>
+        <p:nvSpPr>
+          <p:cNvPr id="5" name="Title 4">
+            <a:extLst>
+              <a:ext uri="{FF2B5EF4-FFF2-40B4-BE49-F238E27FC236}">
+                <a16:creationId xmlns:a16="http://schemas.microsoft.com/office/drawing/2014/main" id="{59B8E2D4-05F5-442D-A308-9BFFCA665FEA}"/>
+              </a:ext>
+            </a:extLst>
+          </p:cNvPr>
+          <p:cNvSpPr>
+            <a:spLocks noGrp="1"/>
+          </p:cNvSpPr>
+          <p:nvPr>
+            <p:ph type="title"/>
+          </p:nvPr>
+        </p:nvSpPr>
+        <p:spPr/>
+        <p:txBody>
+          <a:bodyPr/>
+          <a:lstStyle/>
+          <a:p>
+            <a:r>
+              <a:rPr lang="en-US" dirty="0"/>
+              <a:t>Weather &amp; Crime: Pearson Correlation</a:t>
+            </a:r>
+          </a:p>
+        </p:txBody>
+      </p:sp>
+      <p:pic>
+        <p:nvPicPr>
+          <p:cNvPr id="10" name="Content Placeholder 9" descr="A screenshot of a cell phone&#10;&#10;Description automatically generated">
+            <a:extLst>
+              <a:ext uri="{FF2B5EF4-FFF2-40B4-BE49-F238E27FC236}">
+                <a16:creationId xmlns:a16="http://schemas.microsoft.com/office/drawing/2014/main" id="{28EBD97C-D6EE-4D1A-B609-010BAF7B0271}"/>
+              </a:ext>
+            </a:extLst>
+          </p:cNvPr>
+          <p:cNvPicPr>
+            <a:picLocks noGrp="1" noChangeAspect="1"/>
+          </p:cNvPicPr>
+          <p:nvPr>
+            <p:ph idx="1"/>
+          </p:nvPr>
+        </p:nvPicPr>
+        <p:blipFill>
+          <a:blip r:embed="rId2">
+            <a:extLst>
+              <a:ext uri="{28A0092B-C50C-407E-A947-70E740481C1C}">
+                <a14:useLocalDpi xmlns:a14="http://schemas.microsoft.com/office/drawing/2010/main" val="0"/>
+              </a:ext>
+            </a:extLst>
+          </a:blip>
+          <a:stretch>
+            <a:fillRect/>
+          </a:stretch>
+        </p:blipFill>
+        <p:spPr bwMode="auto">
+          <a:xfrm>
+            <a:off x="1814214" y="4010827"/>
+            <a:ext cx="3950208" cy="2504318"/>
+          </a:xfrm>
+          <a:prstGeom prst="rect">
+            <a:avLst/>
+          </a:prstGeom>
+          <a:noFill/>
+          <a:extLst>
+            <a:ext uri="{909E8E84-426E-40DD-AFC4-6F175D3DCCD1}">
+              <a14:hiddenFill xmlns:a14="http://schemas.microsoft.com/office/drawing/2010/main">
+                <a:solidFill>
+                  <a:srgbClr val="FFFFFF"/>
+                </a:solidFill>
+              </a14:hiddenFill>
+            </a:ext>
+          </a:extLst>
+        </p:spPr>
+      </p:pic>
+      <p:pic>
+        <p:nvPicPr>
+          <p:cNvPr id="12" name="Picture 11" descr="A screenshot of a cell phone&#10;&#10;Description automatically generated">
+            <a:extLst>
+              <a:ext uri="{FF2B5EF4-FFF2-40B4-BE49-F238E27FC236}">
+                <a16:creationId xmlns:a16="http://schemas.microsoft.com/office/drawing/2014/main" id="{21FD03E5-5087-4D94-A9CB-5C6613863959}"/>
+              </a:ext>
+            </a:extLst>
+          </p:cNvPr>
+          <p:cNvPicPr>
+            <a:picLocks noChangeAspect="1"/>
+          </p:cNvPicPr>
+          <p:nvPr/>
+        </p:nvPicPr>
+        <p:blipFill>
+          <a:blip r:embed="rId3">
+            <a:extLst>
+              <a:ext uri="{28A0092B-C50C-407E-A947-70E740481C1C}">
+                <a14:useLocalDpi xmlns:a14="http://schemas.microsoft.com/office/drawing/2010/main" val="0"/>
+              </a:ext>
+            </a:extLst>
+          </a:blip>
+          <a:stretch>
+            <a:fillRect/>
+          </a:stretch>
+        </p:blipFill>
+        <p:spPr>
+          <a:xfrm>
+            <a:off x="1785932" y="1396339"/>
+            <a:ext cx="3948717" cy="2546010"/>
+          </a:xfrm>
+          <a:prstGeom prst="rect">
+            <a:avLst/>
+          </a:prstGeom>
+        </p:spPr>
+      </p:pic>
+      <p:pic>
+        <p:nvPicPr>
+          <p:cNvPr id="14" name="Picture 13" descr="A screenshot of a cell phone&#10;&#10;Description automatically generated">
+            <a:extLst>
+              <a:ext uri="{FF2B5EF4-FFF2-40B4-BE49-F238E27FC236}">
+                <a16:creationId xmlns:a16="http://schemas.microsoft.com/office/drawing/2014/main" id="{4BD472A3-F767-4955-BDD6-D03F31412E6D}"/>
+              </a:ext>
+            </a:extLst>
+          </p:cNvPr>
+          <p:cNvPicPr>
+            <a:picLocks noChangeAspect="1"/>
+          </p:cNvPicPr>
+          <p:nvPr/>
+        </p:nvPicPr>
+        <p:blipFill>
+          <a:blip r:embed="rId4">
+            <a:extLst>
+              <a:ext uri="{28A0092B-C50C-407E-A947-70E740481C1C}">
+                <a14:useLocalDpi xmlns:a14="http://schemas.microsoft.com/office/drawing/2010/main" val="0"/>
+              </a:ext>
+            </a:extLst>
+          </a:blip>
+          <a:stretch>
+            <a:fillRect/>
+          </a:stretch>
+        </p:blipFill>
+        <p:spPr>
+          <a:xfrm>
+            <a:off x="6427579" y="3989500"/>
+            <a:ext cx="3950208" cy="2546972"/>
+          </a:xfrm>
+          <a:prstGeom prst="rect">
+            <a:avLst/>
+          </a:prstGeom>
+        </p:spPr>
+      </p:pic>
+      <p:pic>
+        <p:nvPicPr>
+          <p:cNvPr id="16" name="Picture 15" descr="A screenshot of a cell phone&#10;&#10;Description automatically generated">
+            <a:extLst>
+              <a:ext uri="{FF2B5EF4-FFF2-40B4-BE49-F238E27FC236}">
+                <a16:creationId xmlns:a16="http://schemas.microsoft.com/office/drawing/2014/main" id="{AFE2AD58-15EF-4F34-A700-692BED185970}"/>
+              </a:ext>
+            </a:extLst>
+          </p:cNvPr>
+          <p:cNvPicPr>
+            <a:picLocks noChangeAspect="1"/>
+          </p:cNvPicPr>
+          <p:nvPr/>
+        </p:nvPicPr>
+        <p:blipFill>
+          <a:blip r:embed="rId5">
+            <a:extLst>
+              <a:ext uri="{28A0092B-C50C-407E-A947-70E740481C1C}">
+                <a14:useLocalDpi xmlns:a14="http://schemas.microsoft.com/office/drawing/2010/main" val="0"/>
+              </a:ext>
+            </a:extLst>
+          </a:blip>
+          <a:stretch>
+            <a:fillRect/>
+          </a:stretch>
+        </p:blipFill>
+        <p:spPr>
+          <a:xfrm>
+            <a:off x="6457353" y="1396339"/>
+            <a:ext cx="3950208" cy="2546972"/>
+          </a:xfrm>
+          <a:prstGeom prst="rect">
+            <a:avLst/>
+          </a:prstGeom>
+        </p:spPr>
+      </p:pic>
+    </p:spTree>
+    <p:extLst>
+      <p:ext uri="{BB962C8B-B14F-4D97-AF65-F5344CB8AC3E}">
+        <p14:creationId xmlns:p14="http://schemas.microsoft.com/office/powerpoint/2010/main" val="918526572"/>
+      </p:ext>
+    </p:extLst>
+  </p:cSld>
+  <p:clrMapOvr>
+    <a:masterClrMapping/>
+  </p:clrMapOvr>
+</p:sld>
+</file>
+
 <file path=ppt/theme/theme1.xml><?xml version="1.0" encoding="utf-8"?>
 <a:theme xmlns:a="http://schemas.openxmlformats.org/drawingml/2006/main" name="Office Theme">
   <a:themeElements>

--- a/Weather_vs_Crime.pptx
+++ b/Weather_vs_Crime.pptx
@@ -9,10 +9,11 @@
     <p:sldId id="260" r:id="rId3"/>
     <p:sldId id="257" r:id="rId4"/>
     <p:sldId id="258" r:id="rId5"/>
-    <p:sldId id="262" r:id="rId6"/>
-    <p:sldId id="261" r:id="rId7"/>
-    <p:sldId id="263" r:id="rId8"/>
-    <p:sldId id="264" r:id="rId9"/>
+    <p:sldId id="265" r:id="rId6"/>
+    <p:sldId id="262" r:id="rId7"/>
+    <p:sldId id="261" r:id="rId8"/>
+    <p:sldId id="263" r:id="rId9"/>
+    <p:sldId id="264" r:id="rId10"/>
   </p:sldIdLst>
   <p:sldSz cx="12192000" cy="6858000"/>
   <p:notesSz cx="6858000" cy="9144000"/>
@@ -3724,7 +3725,7 @@
           <a:p>
             <a:r>
               <a:rPr lang="en-US" sz="2000" dirty="0"/>
-              <a:t>With a jump in avg. high temperature of as little as 10 degrees, crime will jump 5%.</a:t>
+              <a:t>Of the weather metrics looked at, temperature will have the strongest, positive correlation to crime.</a:t>
             </a:r>
           </a:p>
         </p:txBody>
@@ -4185,8 +4186,8 @@
         </p:nvSpPr>
         <p:spPr>
           <a:xfrm>
-            <a:off x="4965431" y="2438400"/>
-            <a:ext cx="6586489" cy="3785419"/>
+            <a:off x="4965431" y="2149642"/>
+            <a:ext cx="6586489" cy="4411579"/>
           </a:xfrm>
         </p:spPr>
         <p:txBody>
@@ -4196,6 +4197,89 @@
           <a:lstStyle/>
           <a:p>
             <a:pPr indent="-228600">
+              <a:buFont typeface="Arial" panose="020B0604020202020204" pitchFamily="34" charset="0"/>
+              <a:buChar char="•"/>
+            </a:pPr>
+            <a:r>
+              <a:rPr lang="en-US" sz="2400" dirty="0"/>
+              <a:t>JSON file provided easy handling of data</a:t>
+            </a:r>
+          </a:p>
+          <a:p>
+            <a:pPr lvl="1" indent="-228600">
+              <a:buFont typeface="Arial" panose="020B0604020202020204" pitchFamily="34" charset="0"/>
+              <a:buChar char="•"/>
+            </a:pPr>
+            <a:r>
+              <a:rPr lang="en-US" sz="2200" dirty="0"/>
+              <a:t>Feeling loopy</a:t>
+            </a:r>
+          </a:p>
+          <a:p>
+            <a:pPr indent="-228600">
+              <a:buFont typeface="Arial" panose="020B0604020202020204" pitchFamily="34" charset="0"/>
+              <a:buChar char="•"/>
+            </a:pPr>
+            <a:r>
+              <a:rPr lang="en-US" sz="2400" dirty="0"/>
+              <a:t>Date and Three weather metrics (Max Temp, Humidity, and Cloudiness)</a:t>
+            </a:r>
+          </a:p>
+          <a:p>
+            <a:pPr indent="-228600">
+              <a:buFont typeface="Arial" panose="020B0604020202020204" pitchFamily="34" charset="0"/>
+              <a:buChar char="•"/>
+            </a:pPr>
+            <a:endParaRPr lang="en-US" sz="2400" dirty="0"/>
+          </a:p>
+          <a:p>
+            <a:r>
+              <a:rPr lang="en-US" sz="2400" u="sng" dirty="0"/>
+              <a:t>Some Hiccups</a:t>
+            </a:r>
+          </a:p>
+          <a:p>
+            <a:pPr marL="342900" indent="-342900">
+              <a:buFont typeface="Arial" panose="020B0604020202020204" pitchFamily="34" charset="0"/>
+              <a:buChar char="•"/>
+            </a:pPr>
+            <a:r>
+              <a:rPr lang="en-US" sz="2400" dirty="0"/>
+              <a:t>JSON entries by the hour</a:t>
+            </a:r>
+          </a:p>
+          <a:p>
+            <a:pPr marL="342900" indent="-342900">
+              <a:buFont typeface="Arial" panose="020B0604020202020204" pitchFamily="34" charset="0"/>
+              <a:buChar char="•"/>
+            </a:pPr>
+            <a:r>
+              <a:rPr lang="en-US" sz="2400" dirty="0"/>
+              <a:t>Date was UNIX timestamp (1349096400)</a:t>
+            </a:r>
+          </a:p>
+          <a:p>
+            <a:pPr marL="342900" indent="-342900">
+              <a:buFont typeface="Arial" panose="020B0604020202020204" pitchFamily="34" charset="0"/>
+              <a:buChar char="•"/>
+            </a:pPr>
+            <a:r>
+              <a:rPr lang="en-US" sz="2400" dirty="0"/>
+              <a:t>Temperature in Kelvin, not Fahrenheit</a:t>
+            </a:r>
+          </a:p>
+          <a:p>
+            <a:pPr marL="342900" indent="-342900">
+              <a:buFont typeface="Arial" panose="020B0604020202020204" pitchFamily="34" charset="0"/>
+              <a:buChar char="•"/>
+            </a:pPr>
+            <a:r>
+              <a:rPr lang="en-US" sz="2400" dirty="0"/>
+              <a:t>Missing dates (8/8/2014-6/12/2015)</a:t>
+            </a:r>
+          </a:p>
+          <a:p>
+            <a:pPr marL="342900" indent="-342900">
               <a:buFont typeface="Arial" panose="020B0604020202020204" pitchFamily="34" charset="0"/>
               <a:buChar char="•"/>
             </a:pPr>
@@ -4238,7 +4322,7 @@
           <p:cNvPr id="2" name="Title 1">
             <a:extLst>
               <a:ext uri="{FF2B5EF4-FFF2-40B4-BE49-F238E27FC236}">
-                <a16:creationId xmlns:a16="http://schemas.microsoft.com/office/drawing/2014/main" id="{216623DB-C7C3-473B-83FB-CE84D12D595A}"/>
+                <a16:creationId xmlns:a16="http://schemas.microsoft.com/office/drawing/2014/main" id="{9EEBFED2-F8E6-4FD5-8CA9-DD41304B6863}"/>
               </a:ext>
             </a:extLst>
           </p:cNvPr>
@@ -4254,19 +4338,41 @@
           <a:bodyPr/>
           <a:lstStyle/>
           <a:p>
-            <a:r>
-              <a:rPr lang="en-US" dirty="0"/>
-              <a:t>The Data: Weather Exploration</a:t>
-            </a:r>
-          </a:p>
-        </p:txBody>
-      </p:sp>
-      <p:sp>
-        <p:nvSpPr>
-          <p:cNvPr id="3" name="Text Placeholder 2">
-            <a:extLst>
-              <a:ext uri="{FF2B5EF4-FFF2-40B4-BE49-F238E27FC236}">
-                <a16:creationId xmlns:a16="http://schemas.microsoft.com/office/drawing/2014/main" id="{F2DEEDE5-5314-44F3-910B-4625C22F52B3}"/>
+            <a:endParaRPr lang="en-US"/>
+          </a:p>
+        </p:txBody>
+      </p:sp>
+      <p:sp>
+        <p:nvSpPr>
+          <p:cNvPr id="3" name="Content Placeholder 2">
+            <a:extLst>
+              <a:ext uri="{FF2B5EF4-FFF2-40B4-BE49-F238E27FC236}">
+                <a16:creationId xmlns:a16="http://schemas.microsoft.com/office/drawing/2014/main" id="{30DC571F-F82A-4868-83A6-2D69B5F05EFC}"/>
+              </a:ext>
+            </a:extLst>
+          </p:cNvPr>
+          <p:cNvSpPr>
+            <a:spLocks noGrp="1"/>
+          </p:cNvSpPr>
+          <p:nvPr>
+            <p:ph idx="1"/>
+          </p:nvPr>
+        </p:nvSpPr>
+        <p:spPr/>
+        <p:txBody>
+          <a:bodyPr/>
+          <a:lstStyle/>
+          <a:p>
+            <a:endParaRPr lang="en-US"/>
+          </a:p>
+        </p:txBody>
+      </p:sp>
+      <p:sp>
+        <p:nvSpPr>
+          <p:cNvPr id="4" name="Text Placeholder 3">
+            <a:extLst>
+              <a:ext uri="{FF2B5EF4-FFF2-40B4-BE49-F238E27FC236}">
+                <a16:creationId xmlns:a16="http://schemas.microsoft.com/office/drawing/2014/main" id="{A1DD6B23-7497-4E87-A73E-4A74EE050079}"/>
               </a:ext>
             </a:extLst>
           </p:cNvPr>
@@ -4282,81 +4388,14 @@
           <a:bodyPr/>
           <a:lstStyle/>
           <a:p>
-            <a:pPr algn="ctr"/>
-            <a:endParaRPr lang="en-US" dirty="0"/>
-          </a:p>
-          <a:p>
-            <a:pPr algn="ctr"/>
-            <a:r>
-              <a:rPr lang="en-US" dirty="0"/>
-              <a:t>The Easiest Part!</a:t>
-            </a:r>
-          </a:p>
-          <a:p>
-            <a:pPr algn="ctr"/>
-            <a:endParaRPr lang="en-US" dirty="0"/>
-          </a:p>
-          <a:p>
-            <a:pPr marL="285750" indent="-285750">
-              <a:buFont typeface="Arial" panose="020B0604020202020204" pitchFamily="34" charset="0"/>
-              <a:buChar char="•"/>
-            </a:pPr>
-            <a:r>
-              <a:rPr lang="en-US" dirty="0"/>
-              <a:t>Load in the huge amounts of data</a:t>
-            </a:r>
-          </a:p>
-          <a:p>
-            <a:pPr marL="285750" indent="-285750">
-              <a:buFont typeface="Arial" panose="020B0604020202020204" pitchFamily="34" charset="0"/>
-              <a:buChar char="•"/>
-            </a:pPr>
-            <a:r>
-              <a:rPr lang="en-US" dirty="0"/>
-              <a:t>Extract the data we need</a:t>
-            </a:r>
-          </a:p>
-        </p:txBody>
-      </p:sp>
-      <p:pic>
-        <p:nvPicPr>
-          <p:cNvPr id="12" name="Content Placeholder 11">
-            <a:extLst>
-              <a:ext uri="{FF2B5EF4-FFF2-40B4-BE49-F238E27FC236}">
-                <a16:creationId xmlns:a16="http://schemas.microsoft.com/office/drawing/2014/main" id="{AC83D0E6-CD73-44AB-AAA0-953BA94866CE}"/>
-              </a:ext>
-            </a:extLst>
-          </p:cNvPr>
-          <p:cNvPicPr>
-            <a:picLocks noGrp="1" noChangeAspect="1"/>
-          </p:cNvPicPr>
-          <p:nvPr>
-            <p:ph idx="1"/>
-          </p:nvPr>
-        </p:nvPicPr>
-        <p:blipFill>
-          <a:blip r:embed="rId2">
-            <a:extLst>
-              <a:ext uri="{28A0092B-C50C-407E-A947-70E740481C1C}">
-                <a14:useLocalDpi xmlns:a14="http://schemas.microsoft.com/office/drawing/2010/main" val="0"/>
-              </a:ext>
-            </a:extLst>
-          </a:blip>
-          <a:stretch>
-            <a:fillRect/>
-          </a:stretch>
-        </p:blipFill>
-        <p:spPr>
-          <a:xfrm>
-            <a:off x="4772025" y="858982"/>
-            <a:ext cx="7218218" cy="5777345"/>
-          </a:xfrm>
-        </p:spPr>
-      </p:pic>
+            <a:endParaRPr lang="en-US"/>
+          </a:p>
+        </p:txBody>
+      </p:sp>
     </p:spTree>
     <p:extLst>
       <p:ext uri="{BB962C8B-B14F-4D97-AF65-F5344CB8AC3E}">
-        <p14:creationId xmlns:p14="http://schemas.microsoft.com/office/powerpoint/2010/main" val="1939522004"/>
+        <p14:creationId xmlns:p14="http://schemas.microsoft.com/office/powerpoint/2010/main" val="2874429364"/>
       </p:ext>
     </p:extLst>
   </p:cSld>
@@ -4385,10 +4424,10 @@
       </p:grpSpPr>
       <p:sp>
         <p:nvSpPr>
-          <p:cNvPr id="7" name="Title 6">
-            <a:extLst>
-              <a:ext uri="{FF2B5EF4-FFF2-40B4-BE49-F238E27FC236}">
-                <a16:creationId xmlns:a16="http://schemas.microsoft.com/office/drawing/2014/main" id="{E5886D5D-4559-4000-A1C0-2CB15F99BCF8}"/>
+          <p:cNvPr id="2" name="Title 1">
+            <a:extLst>
+              <a:ext uri="{FF2B5EF4-FFF2-40B4-BE49-F238E27FC236}">
+                <a16:creationId xmlns:a16="http://schemas.microsoft.com/office/drawing/2014/main" id="{216623DB-C7C3-473B-83FB-CE84D12D595A}"/>
               </a:ext>
             </a:extLst>
           </p:cNvPr>
@@ -4406,17 +4445,17 @@
           <a:p>
             <a:r>
               <a:rPr lang="en-US" dirty="0"/>
-              <a:t>The Data: Crime Exploration</a:t>
-            </a:r>
-          </a:p>
-        </p:txBody>
-      </p:sp>
-      <p:sp>
-        <p:nvSpPr>
-          <p:cNvPr id="9" name="Text Placeholder 8">
-            <a:extLst>
-              <a:ext uri="{FF2B5EF4-FFF2-40B4-BE49-F238E27FC236}">
-                <a16:creationId xmlns:a16="http://schemas.microsoft.com/office/drawing/2014/main" id="{2A5DCE34-3430-4E62-8A30-9AE926A8B029}"/>
+              <a:t>The Data: Weather Exploration</a:t>
+            </a:r>
+          </a:p>
+        </p:txBody>
+      </p:sp>
+      <p:sp>
+        <p:nvSpPr>
+          <p:cNvPr id="3" name="Text Placeholder 2">
+            <a:extLst>
+              <a:ext uri="{FF2B5EF4-FFF2-40B4-BE49-F238E27FC236}">
+                <a16:creationId xmlns:a16="http://schemas.microsoft.com/office/drawing/2014/main" id="{F2DEEDE5-5314-44F3-910B-4625C22F52B3}"/>
               </a:ext>
             </a:extLst>
           </p:cNvPr>
@@ -4431,21 +4470,49 @@
         <p:txBody>
           <a:bodyPr/>
           <a:lstStyle/>
-          <a:p>
-            <a:endParaRPr lang="en-US" dirty="0"/>
-          </a:p>
           <a:p>
             <a:pPr algn="ctr"/>
             <a:endParaRPr lang="en-US" dirty="0"/>
           </a:p>
+          <a:p>
+            <a:pPr algn="ctr"/>
+            <a:r>
+              <a:rPr lang="en-US" dirty="0"/>
+              <a:t>The Easiest Part!</a:t>
+            </a:r>
+          </a:p>
+          <a:p>
+            <a:pPr algn="ctr"/>
+            <a:endParaRPr lang="en-US" dirty="0"/>
+          </a:p>
+          <a:p>
+            <a:pPr marL="285750" indent="-285750">
+              <a:buFont typeface="Arial" panose="020B0604020202020204" pitchFamily="34" charset="0"/>
+              <a:buChar char="•"/>
+            </a:pPr>
+            <a:r>
+              <a:rPr lang="en-US" dirty="0"/>
+              <a:t>Load in the huge amounts of data</a:t>
+            </a:r>
+          </a:p>
+          <a:p>
+            <a:pPr marL="285750" indent="-285750">
+              <a:buFont typeface="Arial" panose="020B0604020202020204" pitchFamily="34" charset="0"/>
+              <a:buChar char="•"/>
+            </a:pPr>
+            <a:r>
+              <a:rPr lang="en-US" dirty="0"/>
+              <a:t>Extract the data we need</a:t>
+            </a:r>
+          </a:p>
         </p:txBody>
       </p:sp>
       <p:pic>
         <p:nvPicPr>
-          <p:cNvPr id="14" name="Content Placeholder 13">
-            <a:extLst>
-              <a:ext uri="{FF2B5EF4-FFF2-40B4-BE49-F238E27FC236}">
-                <a16:creationId xmlns:a16="http://schemas.microsoft.com/office/drawing/2014/main" id="{54C12D38-4A1F-497F-873B-139AB9E747CA}"/>
+          <p:cNvPr id="12" name="Content Placeholder 11">
+            <a:extLst>
+              <a:ext uri="{FF2B5EF4-FFF2-40B4-BE49-F238E27FC236}">
+                <a16:creationId xmlns:a16="http://schemas.microsoft.com/office/drawing/2014/main" id="{AC83D0E6-CD73-44AB-AAA0-953BA94866CE}"/>
               </a:ext>
             </a:extLst>
           </p:cNvPr>
@@ -4470,15 +4537,15 @@
         </p:blipFill>
         <p:spPr>
           <a:xfrm>
-            <a:off x="4935537" y="390525"/>
-            <a:ext cx="7034185" cy="6200775"/>
+            <a:off x="4772025" y="858982"/>
+            <a:ext cx="7218218" cy="5777345"/>
           </a:xfrm>
         </p:spPr>
       </p:pic>
     </p:spTree>
     <p:extLst>
       <p:ext uri="{BB962C8B-B14F-4D97-AF65-F5344CB8AC3E}">
-        <p14:creationId xmlns:p14="http://schemas.microsoft.com/office/powerpoint/2010/main" val="887106118"/>
+        <p14:creationId xmlns:p14="http://schemas.microsoft.com/office/powerpoint/2010/main" val="1939522004"/>
       </p:ext>
     </p:extLst>
   </p:cSld>
@@ -4528,6 +4595,128 @@
           <a:p>
             <a:r>
               <a:rPr lang="en-US" dirty="0"/>
+              <a:t>The Data: Crime Exploration</a:t>
+            </a:r>
+          </a:p>
+        </p:txBody>
+      </p:sp>
+      <p:sp>
+        <p:nvSpPr>
+          <p:cNvPr id="9" name="Text Placeholder 8">
+            <a:extLst>
+              <a:ext uri="{FF2B5EF4-FFF2-40B4-BE49-F238E27FC236}">
+                <a16:creationId xmlns:a16="http://schemas.microsoft.com/office/drawing/2014/main" id="{2A5DCE34-3430-4E62-8A30-9AE926A8B029}"/>
+              </a:ext>
+            </a:extLst>
+          </p:cNvPr>
+          <p:cNvSpPr>
+            <a:spLocks noGrp="1"/>
+          </p:cNvSpPr>
+          <p:nvPr>
+            <p:ph type="body" sz="half" idx="2"/>
+          </p:nvPr>
+        </p:nvSpPr>
+        <p:spPr/>
+        <p:txBody>
+          <a:bodyPr/>
+          <a:lstStyle/>
+          <a:p>
+            <a:endParaRPr lang="en-US" dirty="0"/>
+          </a:p>
+          <a:p>
+            <a:pPr algn="ctr"/>
+            <a:endParaRPr lang="en-US" dirty="0"/>
+          </a:p>
+        </p:txBody>
+      </p:sp>
+      <p:pic>
+        <p:nvPicPr>
+          <p:cNvPr id="14" name="Content Placeholder 13">
+            <a:extLst>
+              <a:ext uri="{FF2B5EF4-FFF2-40B4-BE49-F238E27FC236}">
+                <a16:creationId xmlns:a16="http://schemas.microsoft.com/office/drawing/2014/main" id="{54C12D38-4A1F-497F-873B-139AB9E747CA}"/>
+              </a:ext>
+            </a:extLst>
+          </p:cNvPr>
+          <p:cNvPicPr>
+            <a:picLocks noGrp="1" noChangeAspect="1"/>
+          </p:cNvPicPr>
+          <p:nvPr>
+            <p:ph idx="1"/>
+          </p:nvPr>
+        </p:nvPicPr>
+        <p:blipFill>
+          <a:blip r:embed="rId2">
+            <a:extLst>
+              <a:ext uri="{28A0092B-C50C-407E-A947-70E740481C1C}">
+                <a14:useLocalDpi xmlns:a14="http://schemas.microsoft.com/office/drawing/2010/main" val="0"/>
+              </a:ext>
+            </a:extLst>
+          </a:blip>
+          <a:stretch>
+            <a:fillRect/>
+          </a:stretch>
+        </p:blipFill>
+        <p:spPr>
+          <a:xfrm>
+            <a:off x="4935537" y="390525"/>
+            <a:ext cx="7034185" cy="6200775"/>
+          </a:xfrm>
+        </p:spPr>
+      </p:pic>
+    </p:spTree>
+    <p:extLst>
+      <p:ext uri="{BB962C8B-B14F-4D97-AF65-F5344CB8AC3E}">
+        <p14:creationId xmlns:p14="http://schemas.microsoft.com/office/powerpoint/2010/main" val="887106118"/>
+      </p:ext>
+    </p:extLst>
+  </p:cSld>
+  <p:clrMapOvr>
+    <a:masterClrMapping/>
+  </p:clrMapOvr>
+</p:sld>
+</file>
+
+<file path=ppt/slides/slide8.xml><?xml version="1.0" encoding="utf-8"?>
+<p:sld xmlns:a="http://schemas.openxmlformats.org/drawingml/2006/main" xmlns:r="http://schemas.openxmlformats.org/officeDocument/2006/relationships" xmlns:p="http://schemas.openxmlformats.org/presentationml/2006/main">
+  <p:cSld>
+    <p:spTree>
+      <p:nvGrpSpPr>
+        <p:cNvPr id="1" name=""/>
+        <p:cNvGrpSpPr/>
+        <p:nvPr/>
+      </p:nvGrpSpPr>
+      <p:grpSpPr>
+        <a:xfrm>
+          <a:off x="0" y="0"/>
+          <a:ext cx="0" cy="0"/>
+          <a:chOff x="0" y="0"/>
+          <a:chExt cx="0" cy="0"/>
+        </a:xfrm>
+      </p:grpSpPr>
+      <p:sp>
+        <p:nvSpPr>
+          <p:cNvPr id="7" name="Title 6">
+            <a:extLst>
+              <a:ext uri="{FF2B5EF4-FFF2-40B4-BE49-F238E27FC236}">
+                <a16:creationId xmlns:a16="http://schemas.microsoft.com/office/drawing/2014/main" id="{E5886D5D-4559-4000-A1C0-2CB15F99BCF8}"/>
+              </a:ext>
+            </a:extLst>
+          </p:cNvPr>
+          <p:cNvSpPr>
+            <a:spLocks noGrp="1"/>
+          </p:cNvSpPr>
+          <p:nvPr>
+            <p:ph type="title"/>
+          </p:nvPr>
+        </p:nvSpPr>
+        <p:spPr/>
+        <p:txBody>
+          <a:bodyPr/>
+          <a:lstStyle/>
+          <a:p>
+            <a:r>
+              <a:rPr lang="en-US" dirty="0"/>
               <a:t>The Data: Crime Cleanup</a:t>
             </a:r>
           </a:p>
@@ -4610,7 +4799,7 @@
 </p:sld>
 </file>
 
-<file path=ppt/slides/slide8.xml><?xml version="1.0" encoding="utf-8"?>
+<file path=ppt/slides/slide9.xml><?xml version="1.0" encoding="utf-8"?>
 <p:sld xmlns:a="http://schemas.openxmlformats.org/drawingml/2006/main" xmlns:r="http://schemas.openxmlformats.org/officeDocument/2006/relationships" xmlns:p="http://schemas.openxmlformats.org/presentationml/2006/main">
   <p:cSld>
     <p:spTree>

--- a/Weather_vs_Crime.pptx
+++ b/Weather_vs_Crime.pptx
@@ -13,7 +13,8 @@
     <p:sldId id="262" r:id="rId7"/>
     <p:sldId id="261" r:id="rId8"/>
     <p:sldId id="263" r:id="rId9"/>
-    <p:sldId id="264" r:id="rId10"/>
+    <p:sldId id="266" r:id="rId10"/>
+    <p:sldId id="264" r:id="rId11"/>
   </p:sldIdLst>
   <p:sldSz cx="12192000" cy="6858000"/>
   <p:notesSz cx="6858000" cy="9144000"/>
@@ -3630,6 +3631,324 @@
 </p:sld>
 </file>
 
+<file path=ppt/slides/slide10.xml><?xml version="1.0" encoding="utf-8"?>
+<p:sld xmlns:a="http://schemas.openxmlformats.org/drawingml/2006/main" xmlns:r="http://schemas.openxmlformats.org/officeDocument/2006/relationships" xmlns:p="http://schemas.openxmlformats.org/presentationml/2006/main">
+  <p:cSld>
+    <p:spTree>
+      <p:nvGrpSpPr>
+        <p:cNvPr id="1" name=""/>
+        <p:cNvGrpSpPr/>
+        <p:nvPr/>
+      </p:nvGrpSpPr>
+      <p:grpSpPr>
+        <a:xfrm>
+          <a:off x="0" y="0"/>
+          <a:ext cx="0" cy="0"/>
+          <a:chOff x="0" y="0"/>
+          <a:chExt cx="0" cy="0"/>
+        </a:xfrm>
+      </p:grpSpPr>
+      <p:sp>
+        <p:nvSpPr>
+          <p:cNvPr id="5" name="Title 4">
+            <a:extLst>
+              <a:ext uri="{FF2B5EF4-FFF2-40B4-BE49-F238E27FC236}">
+                <a16:creationId xmlns:a16="http://schemas.microsoft.com/office/drawing/2014/main" id="{59B8E2D4-05F5-442D-A308-9BFFCA665FEA}"/>
+              </a:ext>
+            </a:extLst>
+          </p:cNvPr>
+          <p:cNvSpPr>
+            <a:spLocks noGrp="1"/>
+          </p:cNvSpPr>
+          <p:nvPr>
+            <p:ph type="title"/>
+          </p:nvPr>
+        </p:nvSpPr>
+        <p:spPr/>
+        <p:txBody>
+          <a:bodyPr/>
+          <a:lstStyle/>
+          <a:p>
+            <a:r>
+              <a:rPr lang="en-US" dirty="0"/>
+              <a:t>Weather &amp; Crime: Pearson Correlation</a:t>
+            </a:r>
+          </a:p>
+        </p:txBody>
+      </p:sp>
+      <p:pic>
+        <p:nvPicPr>
+          <p:cNvPr id="10" name="Content Placeholder 9" descr="A screenshot of a cell phone&#10;&#10;Description automatically generated">
+            <a:extLst>
+              <a:ext uri="{FF2B5EF4-FFF2-40B4-BE49-F238E27FC236}">
+                <a16:creationId xmlns:a16="http://schemas.microsoft.com/office/drawing/2014/main" id="{28EBD97C-D6EE-4D1A-B609-010BAF7B0271}"/>
+              </a:ext>
+            </a:extLst>
+          </p:cNvPr>
+          <p:cNvPicPr>
+            <a:picLocks noGrp="1" noChangeAspect="1"/>
+          </p:cNvPicPr>
+          <p:nvPr>
+            <p:ph idx="1"/>
+          </p:nvPr>
+        </p:nvPicPr>
+        <p:blipFill>
+          <a:blip r:embed="rId2">
+            <a:extLst>
+              <a:ext uri="{28A0092B-C50C-407E-A947-70E740481C1C}">
+                <a14:useLocalDpi xmlns:a14="http://schemas.microsoft.com/office/drawing/2010/main" val="0"/>
+              </a:ext>
+            </a:extLst>
+          </a:blip>
+          <a:stretch>
+            <a:fillRect/>
+          </a:stretch>
+        </p:blipFill>
+        <p:spPr bwMode="auto">
+          <a:xfrm>
+            <a:off x="851691" y="4010827"/>
+            <a:ext cx="3950208" cy="2504318"/>
+          </a:xfrm>
+          <a:prstGeom prst="rect">
+            <a:avLst/>
+          </a:prstGeom>
+          <a:noFill/>
+          <a:extLst>
+            <a:ext uri="{909E8E84-426E-40DD-AFC4-6F175D3DCCD1}">
+              <a14:hiddenFill xmlns:a14="http://schemas.microsoft.com/office/drawing/2010/main">
+                <a:solidFill>
+                  <a:srgbClr val="FFFFFF"/>
+                </a:solidFill>
+              </a14:hiddenFill>
+            </a:ext>
+          </a:extLst>
+        </p:spPr>
+      </p:pic>
+      <p:pic>
+        <p:nvPicPr>
+          <p:cNvPr id="12" name="Picture 11" descr="A screenshot of a cell phone&#10;&#10;Description automatically generated">
+            <a:extLst>
+              <a:ext uri="{FF2B5EF4-FFF2-40B4-BE49-F238E27FC236}">
+                <a16:creationId xmlns:a16="http://schemas.microsoft.com/office/drawing/2014/main" id="{21FD03E5-5087-4D94-A9CB-5C6613863959}"/>
+              </a:ext>
+            </a:extLst>
+          </p:cNvPr>
+          <p:cNvPicPr>
+            <a:picLocks noChangeAspect="1"/>
+          </p:cNvPicPr>
+          <p:nvPr/>
+        </p:nvPicPr>
+        <p:blipFill>
+          <a:blip r:embed="rId3">
+            <a:extLst>
+              <a:ext uri="{28A0092B-C50C-407E-A947-70E740481C1C}">
+                <a14:useLocalDpi xmlns:a14="http://schemas.microsoft.com/office/drawing/2010/main" val="0"/>
+              </a:ext>
+            </a:extLst>
+          </a:blip>
+          <a:stretch>
+            <a:fillRect/>
+          </a:stretch>
+        </p:blipFill>
+        <p:spPr>
+          <a:xfrm>
+            <a:off x="775280" y="1396339"/>
+            <a:ext cx="3948717" cy="2546010"/>
+          </a:xfrm>
+          <a:prstGeom prst="rect">
+            <a:avLst/>
+          </a:prstGeom>
+        </p:spPr>
+      </p:pic>
+      <p:pic>
+        <p:nvPicPr>
+          <p:cNvPr id="14" name="Picture 13" descr="A screenshot of a cell phone&#10;&#10;Description automatically generated">
+            <a:extLst>
+              <a:ext uri="{FF2B5EF4-FFF2-40B4-BE49-F238E27FC236}">
+                <a16:creationId xmlns:a16="http://schemas.microsoft.com/office/drawing/2014/main" id="{4BD472A3-F767-4955-BDD6-D03F31412E6D}"/>
+              </a:ext>
+            </a:extLst>
+          </p:cNvPr>
+          <p:cNvPicPr>
+            <a:picLocks noChangeAspect="1"/>
+          </p:cNvPicPr>
+          <p:nvPr/>
+        </p:nvPicPr>
+        <p:blipFill>
+          <a:blip r:embed="rId4">
+            <a:extLst>
+              <a:ext uri="{28A0092B-C50C-407E-A947-70E740481C1C}">
+                <a14:useLocalDpi xmlns:a14="http://schemas.microsoft.com/office/drawing/2010/main" val="0"/>
+              </a:ext>
+            </a:extLst>
+          </a:blip>
+          <a:stretch>
+            <a:fillRect/>
+          </a:stretch>
+        </p:blipFill>
+        <p:spPr>
+          <a:xfrm>
+            <a:off x="6427579" y="3989500"/>
+            <a:ext cx="3950208" cy="2546972"/>
+          </a:xfrm>
+          <a:prstGeom prst="rect">
+            <a:avLst/>
+          </a:prstGeom>
+        </p:spPr>
+      </p:pic>
+      <p:pic>
+        <p:nvPicPr>
+          <p:cNvPr id="16" name="Picture 15" descr="A screenshot of a cell phone&#10;&#10;Description automatically generated">
+            <a:extLst>
+              <a:ext uri="{FF2B5EF4-FFF2-40B4-BE49-F238E27FC236}">
+                <a16:creationId xmlns:a16="http://schemas.microsoft.com/office/drawing/2014/main" id="{AFE2AD58-15EF-4F34-A700-692BED185970}"/>
+              </a:ext>
+            </a:extLst>
+          </p:cNvPr>
+          <p:cNvPicPr>
+            <a:picLocks noChangeAspect="1"/>
+          </p:cNvPicPr>
+          <p:nvPr/>
+        </p:nvPicPr>
+        <p:blipFill>
+          <a:blip r:embed="rId5">
+            <a:extLst>
+              <a:ext uri="{28A0092B-C50C-407E-A947-70E740481C1C}">
+                <a14:useLocalDpi xmlns:a14="http://schemas.microsoft.com/office/drawing/2010/main" val="0"/>
+              </a:ext>
+            </a:extLst>
+          </a:blip>
+          <a:stretch>
+            <a:fillRect/>
+          </a:stretch>
+        </p:blipFill>
+        <p:spPr>
+          <a:xfrm>
+            <a:off x="6457353" y="1396339"/>
+            <a:ext cx="3950208" cy="2546972"/>
+          </a:xfrm>
+          <a:prstGeom prst="rect">
+            <a:avLst/>
+          </a:prstGeom>
+        </p:spPr>
+      </p:pic>
+      <p:sp>
+        <p:nvSpPr>
+          <p:cNvPr id="2" name="Rectangle 1">
+            <a:extLst>
+              <a:ext uri="{FF2B5EF4-FFF2-40B4-BE49-F238E27FC236}">
+                <a16:creationId xmlns:a16="http://schemas.microsoft.com/office/drawing/2014/main" id="{1FAF19C5-B19C-4514-BBCA-BAD50C3E0AE5}"/>
+              </a:ext>
+            </a:extLst>
+          </p:cNvPr>
+          <p:cNvSpPr/>
+          <p:nvPr/>
+        </p:nvSpPr>
+        <p:spPr>
+          <a:xfrm>
+            <a:off x="1491916" y="5678905"/>
+            <a:ext cx="930442" cy="813970"/>
+          </a:xfrm>
+          <a:prstGeom prst="rect">
+            <a:avLst/>
+          </a:prstGeom>
+          <a:noFill/>
+          <a:ln>
+            <a:solidFill>
+              <a:srgbClr val="00B050"/>
+            </a:solidFill>
+          </a:ln>
+        </p:spPr>
+        <p:style>
+          <a:lnRef idx="2">
+            <a:schemeClr val="accent1">
+              <a:shade val="50000"/>
+            </a:schemeClr>
+          </a:lnRef>
+          <a:fillRef idx="1">
+            <a:schemeClr val="accent1"/>
+          </a:fillRef>
+          <a:effectRef idx="0">
+            <a:schemeClr val="accent1"/>
+          </a:effectRef>
+          <a:fontRef idx="minor">
+            <a:schemeClr val="lt1"/>
+          </a:fontRef>
+        </p:style>
+        <p:txBody>
+          <a:bodyPr rtlCol="0" anchor="ctr"/>
+          <a:lstStyle/>
+          <a:p>
+            <a:pPr algn="ctr"/>
+            <a:endParaRPr lang="en-US"/>
+          </a:p>
+        </p:txBody>
+      </p:sp>
+      <p:sp>
+        <p:nvSpPr>
+          <p:cNvPr id="8" name="Rectangle 7">
+            <a:extLst>
+              <a:ext uri="{FF2B5EF4-FFF2-40B4-BE49-F238E27FC236}">
+                <a16:creationId xmlns:a16="http://schemas.microsoft.com/office/drawing/2014/main" id="{7A044601-02DC-4946-AF23-89180C0AD10D}"/>
+              </a:ext>
+            </a:extLst>
+          </p:cNvPr>
+          <p:cNvSpPr/>
+          <p:nvPr/>
+        </p:nvSpPr>
+        <p:spPr>
+          <a:xfrm>
+            <a:off x="3360821" y="4135530"/>
+            <a:ext cx="930442" cy="813970"/>
+          </a:xfrm>
+          <a:prstGeom prst="rect">
+            <a:avLst/>
+          </a:prstGeom>
+          <a:noFill/>
+          <a:ln>
+            <a:solidFill>
+              <a:srgbClr val="00B050"/>
+            </a:solidFill>
+          </a:ln>
+        </p:spPr>
+        <p:style>
+          <a:lnRef idx="2">
+            <a:schemeClr val="accent1">
+              <a:shade val="50000"/>
+            </a:schemeClr>
+          </a:lnRef>
+          <a:fillRef idx="1">
+            <a:schemeClr val="accent1"/>
+          </a:fillRef>
+          <a:effectRef idx="0">
+            <a:schemeClr val="accent1"/>
+          </a:effectRef>
+          <a:fontRef idx="minor">
+            <a:schemeClr val="lt1"/>
+          </a:fontRef>
+        </p:style>
+        <p:txBody>
+          <a:bodyPr rtlCol="0" anchor="ctr"/>
+          <a:lstStyle/>
+          <a:p>
+            <a:pPr algn="ctr"/>
+            <a:endParaRPr lang="en-US"/>
+          </a:p>
+        </p:txBody>
+      </p:sp>
+    </p:spTree>
+    <p:extLst>
+      <p:ext uri="{BB962C8B-B14F-4D97-AF65-F5344CB8AC3E}">
+        <p14:creationId xmlns:p14="http://schemas.microsoft.com/office/powerpoint/2010/main" val="918526572"/>
+      </p:ext>
+    </p:extLst>
+  </p:cSld>
+  <p:clrMapOvr>
+    <a:masterClrMapping/>
+  </p:clrMapOvr>
+</p:sld>
+</file>
+
 <file path=ppt/slides/slide2.xml><?xml version="1.0" encoding="utf-8"?>
 <p:sld xmlns:a="http://schemas.openxmlformats.org/drawingml/2006/main" xmlns:r="http://schemas.openxmlformats.org/officeDocument/2006/relationships" xmlns:p="http://schemas.openxmlformats.org/presentationml/2006/main">
   <p:cSld>
@@ -4245,7 +4564,7 @@
             </a:pPr>
             <a:r>
               <a:rPr lang="en-US" sz="2400" dirty="0"/>
-              <a:t>JSON entries by the hour</a:t>
+              <a:t>Date was UNIX timestamp (1349096400)</a:t>
             </a:r>
           </a:p>
           <a:p>
@@ -4255,7 +4574,7 @@
             </a:pPr>
             <a:r>
               <a:rPr lang="en-US" sz="2400" dirty="0"/>
-              <a:t>Date was UNIX timestamp (1349096400)</a:t>
+              <a:t>JSON entries by the hour</a:t>
             </a:r>
           </a:p>
           <a:p>
@@ -4335,35 +4654,15 @@
         </p:nvSpPr>
         <p:spPr/>
         <p:txBody>
-          <a:bodyPr/>
-          <a:lstStyle/>
-          <a:p>
-            <a:endParaRPr lang="en-US"/>
-          </a:p>
-        </p:txBody>
-      </p:sp>
-      <p:sp>
-        <p:nvSpPr>
-          <p:cNvPr id="3" name="Content Placeholder 2">
-            <a:extLst>
-              <a:ext uri="{FF2B5EF4-FFF2-40B4-BE49-F238E27FC236}">
-                <a16:creationId xmlns:a16="http://schemas.microsoft.com/office/drawing/2014/main" id="{30DC571F-F82A-4868-83A6-2D69B5F05EFC}"/>
-              </a:ext>
-            </a:extLst>
-          </p:cNvPr>
-          <p:cNvSpPr>
-            <a:spLocks noGrp="1"/>
-          </p:cNvSpPr>
-          <p:nvPr>
-            <p:ph idx="1"/>
-          </p:nvPr>
-        </p:nvSpPr>
-        <p:spPr/>
-        <p:txBody>
-          <a:bodyPr/>
-          <a:lstStyle/>
-          <a:p>
-            <a:endParaRPr lang="en-US"/>
+          <a:bodyPr>
+            <a:normAutofit fontScale="90000"/>
+          </a:bodyPr>
+          <a:lstStyle/>
+          <a:p>
+            <a:r>
+              <a:rPr lang="en-US" sz="4400" dirty="0"/>
+              <a:t>The Data: Weather Cleanup</a:t>
+            </a:r>
           </a:p>
         </p:txBody>
       </p:sp>
@@ -4383,15 +4682,475 @@
             <p:ph type="body" sz="half" idx="2"/>
           </p:nvPr>
         </p:nvSpPr>
-        <p:spPr/>
-        <p:txBody>
-          <a:bodyPr/>
-          <a:lstStyle/>
-          <a:p>
-            <a:endParaRPr lang="en-US"/>
-          </a:p>
-        </p:txBody>
-      </p:sp>
+        <p:spPr>
+          <a:xfrm>
+            <a:off x="839788" y="2057400"/>
+            <a:ext cx="10512424" cy="3811588"/>
+          </a:xfrm>
+        </p:spPr>
+        <p:txBody>
+          <a:bodyPr numCol="3">
+            <a:normAutofit/>
+          </a:bodyPr>
+          <a:lstStyle/>
+          <a:p>
+            <a:pPr>
+              <a:lnSpc>
+                <a:spcPct val="250000"/>
+              </a:lnSpc>
+            </a:pPr>
+            <a:r>
+              <a:rPr lang="en-US" sz="2000" dirty="0"/>
+              <a:t>UNIX timestamp</a:t>
+            </a:r>
+          </a:p>
+          <a:p>
+            <a:pPr>
+              <a:lnSpc>
+                <a:spcPct val="250000"/>
+              </a:lnSpc>
+            </a:pPr>
+            <a:r>
+              <a:rPr lang="en-US" sz="2000" dirty="0"/>
+              <a:t>Hourly JSON entries</a:t>
+            </a:r>
+          </a:p>
+          <a:p>
+            <a:pPr>
+              <a:lnSpc>
+                <a:spcPct val="250000"/>
+              </a:lnSpc>
+            </a:pPr>
+            <a:r>
+              <a:rPr lang="en-US" sz="2000" dirty="0"/>
+              <a:t>Temperature in Kelvin</a:t>
+            </a:r>
+          </a:p>
+          <a:p>
+            <a:pPr>
+              <a:lnSpc>
+                <a:spcPct val="250000"/>
+              </a:lnSpc>
+            </a:pPr>
+            <a:r>
+              <a:rPr lang="en-US" sz="2000" dirty="0"/>
+              <a:t>Missing dates</a:t>
+            </a:r>
+          </a:p>
+          <a:p>
+            <a:pPr>
+              <a:lnSpc>
+                <a:spcPct val="250000"/>
+              </a:lnSpc>
+            </a:pPr>
+            <a:r>
+              <a:rPr lang="en-US" sz="2000" dirty="0"/>
+              <a:t>pd.to_datetime function</a:t>
+            </a:r>
+          </a:p>
+          <a:p>
+            <a:pPr>
+              <a:lnSpc>
+                <a:spcPct val="250000"/>
+              </a:lnSpc>
+            </a:pPr>
+            <a:r>
+              <a:rPr lang="en-US" sz="2000" dirty="0"/>
+              <a:t>dt.date function</a:t>
+            </a:r>
+          </a:p>
+          <a:p>
+            <a:pPr>
+              <a:lnSpc>
+                <a:spcPct val="250000"/>
+              </a:lnSpc>
+            </a:pPr>
+            <a:r>
+              <a:rPr lang="en-US" sz="2000" dirty="0"/>
+              <a:t>pyt.k2f function</a:t>
+            </a:r>
+          </a:p>
+          <a:p>
+            <a:pPr>
+              <a:lnSpc>
+                <a:spcPct val="250000"/>
+              </a:lnSpc>
+            </a:pPr>
+            <a:r>
+              <a:rPr lang="en-US" sz="2000" dirty="0"/>
+              <a:t>dropna after merging</a:t>
+            </a:r>
+          </a:p>
+          <a:p>
+            <a:pPr>
+              <a:lnSpc>
+                <a:spcPct val="250000"/>
+              </a:lnSpc>
+              <a:spcBef>
+                <a:spcPts val="1900"/>
+              </a:spcBef>
+            </a:pPr>
+            <a:r>
+              <a:rPr lang="en-US" sz="1800" dirty="0"/>
+              <a:t>1349096400 to 2012-10-01 13:00:00</a:t>
+            </a:r>
+          </a:p>
+          <a:p>
+            <a:pPr>
+              <a:lnSpc>
+                <a:spcPct val="250000"/>
+              </a:lnSpc>
+              <a:spcBef>
+                <a:spcPts val="1900"/>
+              </a:spcBef>
+            </a:pPr>
+            <a:r>
+              <a:rPr lang="en-US" sz="1800" dirty="0"/>
+              <a:t>Take only y/m/d then .mean</a:t>
+            </a:r>
+          </a:p>
+          <a:p>
+            <a:pPr>
+              <a:lnSpc>
+                <a:spcPct val="250000"/>
+              </a:lnSpc>
+              <a:spcBef>
+                <a:spcPts val="1900"/>
+              </a:spcBef>
+            </a:pPr>
+            <a:r>
+              <a:rPr lang="en-US" sz="1800" dirty="0"/>
+              <a:t>287.59 K to  57.97 F</a:t>
+            </a:r>
+          </a:p>
+          <a:p>
+            <a:pPr>
+              <a:lnSpc>
+                <a:spcPct val="250000"/>
+              </a:lnSpc>
+              <a:spcBef>
+                <a:spcPts val="1900"/>
+              </a:spcBef>
+            </a:pPr>
+            <a:r>
+              <a:rPr lang="en-US" sz="1800" dirty="0"/>
+              <a:t>Avoid skewed data</a:t>
+            </a:r>
+          </a:p>
+        </p:txBody>
+      </p:sp>
+      <p:cxnSp>
+        <p:nvCxnSpPr>
+          <p:cNvPr id="11" name="Straight Arrow Connector 10">
+            <a:extLst>
+              <a:ext uri="{FF2B5EF4-FFF2-40B4-BE49-F238E27FC236}">
+                <a16:creationId xmlns:a16="http://schemas.microsoft.com/office/drawing/2014/main" id="{5758008C-CC42-40A2-997D-94D7BA669EB2}"/>
+              </a:ext>
+            </a:extLst>
+          </p:cNvPr>
+          <p:cNvCxnSpPr/>
+          <p:nvPr/>
+        </p:nvCxnSpPr>
+        <p:spPr>
+          <a:xfrm>
+            <a:off x="2695074" y="2614863"/>
+            <a:ext cx="1475873" cy="0"/>
+          </a:xfrm>
+          <a:prstGeom prst="straightConnector1">
+            <a:avLst/>
+          </a:prstGeom>
+          <a:ln>
+            <a:tailEnd type="triangle"/>
+          </a:ln>
+        </p:spPr>
+        <p:style>
+          <a:lnRef idx="1">
+            <a:schemeClr val="accent1"/>
+          </a:lnRef>
+          <a:fillRef idx="0">
+            <a:schemeClr val="accent1"/>
+          </a:fillRef>
+          <a:effectRef idx="0">
+            <a:schemeClr val="accent1"/>
+          </a:effectRef>
+          <a:fontRef idx="minor">
+            <a:schemeClr val="tx1"/>
+          </a:fontRef>
+        </p:style>
+      </p:cxnSp>
+      <p:cxnSp>
+        <p:nvCxnSpPr>
+          <p:cNvPr id="13" name="Straight Arrow Connector 12">
+            <a:extLst>
+              <a:ext uri="{FF2B5EF4-FFF2-40B4-BE49-F238E27FC236}">
+                <a16:creationId xmlns:a16="http://schemas.microsoft.com/office/drawing/2014/main" id="{A125C3D3-5280-4A39-ABDD-EE7A0DB9FC81}"/>
+              </a:ext>
+            </a:extLst>
+          </p:cNvPr>
+          <p:cNvCxnSpPr/>
+          <p:nvPr/>
+        </p:nvCxnSpPr>
+        <p:spPr>
+          <a:xfrm>
+            <a:off x="3080084" y="3429000"/>
+            <a:ext cx="1219200" cy="0"/>
+          </a:xfrm>
+          <a:prstGeom prst="straightConnector1">
+            <a:avLst/>
+          </a:prstGeom>
+          <a:ln>
+            <a:tailEnd type="triangle"/>
+          </a:ln>
+        </p:spPr>
+        <p:style>
+          <a:lnRef idx="1">
+            <a:schemeClr val="accent1"/>
+          </a:lnRef>
+          <a:fillRef idx="0">
+            <a:schemeClr val="accent1"/>
+          </a:fillRef>
+          <a:effectRef idx="0">
+            <a:schemeClr val="accent1"/>
+          </a:effectRef>
+          <a:fontRef idx="minor">
+            <a:schemeClr val="tx1"/>
+          </a:fontRef>
+        </p:style>
+      </p:cxnSp>
+      <p:cxnSp>
+        <p:nvCxnSpPr>
+          <p:cNvPr id="15" name="Straight Arrow Connector 14">
+            <a:extLst>
+              <a:ext uri="{FF2B5EF4-FFF2-40B4-BE49-F238E27FC236}">
+                <a16:creationId xmlns:a16="http://schemas.microsoft.com/office/drawing/2014/main" id="{11DB2720-BB7A-4490-9D25-AA46388B5192}"/>
+              </a:ext>
+            </a:extLst>
+          </p:cNvPr>
+          <p:cNvCxnSpPr/>
+          <p:nvPr/>
+        </p:nvCxnSpPr>
+        <p:spPr>
+          <a:xfrm>
+            <a:off x="3384884" y="4395537"/>
+            <a:ext cx="786063" cy="0"/>
+          </a:xfrm>
+          <a:prstGeom prst="straightConnector1">
+            <a:avLst/>
+          </a:prstGeom>
+          <a:ln>
+            <a:tailEnd type="triangle"/>
+          </a:ln>
+        </p:spPr>
+        <p:style>
+          <a:lnRef idx="1">
+            <a:schemeClr val="accent1"/>
+          </a:lnRef>
+          <a:fillRef idx="0">
+            <a:schemeClr val="accent1"/>
+          </a:fillRef>
+          <a:effectRef idx="0">
+            <a:schemeClr val="accent1"/>
+          </a:effectRef>
+          <a:fontRef idx="minor">
+            <a:schemeClr val="tx1"/>
+          </a:fontRef>
+        </p:style>
+      </p:cxnSp>
+      <p:cxnSp>
+        <p:nvCxnSpPr>
+          <p:cNvPr id="17" name="Straight Arrow Connector 16">
+            <a:extLst>
+              <a:ext uri="{FF2B5EF4-FFF2-40B4-BE49-F238E27FC236}">
+                <a16:creationId xmlns:a16="http://schemas.microsoft.com/office/drawing/2014/main" id="{BC6CE767-A027-4D0E-9D39-F8F7296A6FA4}"/>
+              </a:ext>
+            </a:extLst>
+          </p:cNvPr>
+          <p:cNvCxnSpPr/>
+          <p:nvPr/>
+        </p:nvCxnSpPr>
+        <p:spPr>
+          <a:xfrm>
+            <a:off x="2695074" y="5309937"/>
+            <a:ext cx="1475873" cy="0"/>
+          </a:xfrm>
+          <a:prstGeom prst="straightConnector1">
+            <a:avLst/>
+          </a:prstGeom>
+          <a:ln>
+            <a:tailEnd type="triangle"/>
+          </a:ln>
+        </p:spPr>
+        <p:style>
+          <a:lnRef idx="1">
+            <a:schemeClr val="accent1"/>
+          </a:lnRef>
+          <a:fillRef idx="0">
+            <a:schemeClr val="accent1"/>
+          </a:fillRef>
+          <a:effectRef idx="0">
+            <a:schemeClr val="accent1"/>
+          </a:effectRef>
+          <a:fontRef idx="minor">
+            <a:schemeClr val="tx1"/>
+          </a:fontRef>
+        </p:style>
+      </p:cxnSp>
+      <p:cxnSp>
+        <p:nvCxnSpPr>
+          <p:cNvPr id="19" name="Straight Arrow Connector 18">
+            <a:extLst>
+              <a:ext uri="{FF2B5EF4-FFF2-40B4-BE49-F238E27FC236}">
+                <a16:creationId xmlns:a16="http://schemas.microsoft.com/office/drawing/2014/main" id="{B32EB21B-543F-4765-A2FE-69B2A2DF16D1}"/>
+              </a:ext>
+            </a:extLst>
+          </p:cNvPr>
+          <p:cNvCxnSpPr/>
+          <p:nvPr/>
+        </p:nvCxnSpPr>
+        <p:spPr>
+          <a:xfrm>
+            <a:off x="7042484" y="2614863"/>
+            <a:ext cx="609600" cy="0"/>
+          </a:xfrm>
+          <a:prstGeom prst="straightConnector1">
+            <a:avLst/>
+          </a:prstGeom>
+          <a:ln>
+            <a:tailEnd type="triangle"/>
+          </a:ln>
+        </p:spPr>
+        <p:style>
+          <a:lnRef idx="1">
+            <a:schemeClr val="accent1"/>
+          </a:lnRef>
+          <a:fillRef idx="0">
+            <a:schemeClr val="accent1"/>
+          </a:fillRef>
+          <a:effectRef idx="0">
+            <a:schemeClr val="accent1"/>
+          </a:effectRef>
+          <a:fontRef idx="minor">
+            <a:schemeClr val="tx1"/>
+          </a:fontRef>
+        </p:style>
+      </p:cxnSp>
+      <p:cxnSp>
+        <p:nvCxnSpPr>
+          <p:cNvPr id="21" name="Straight Arrow Connector 20">
+            <a:extLst>
+              <a:ext uri="{FF2B5EF4-FFF2-40B4-BE49-F238E27FC236}">
+                <a16:creationId xmlns:a16="http://schemas.microsoft.com/office/drawing/2014/main" id="{452F23B0-E9D8-46D6-A623-29D4997BD6B4}"/>
+              </a:ext>
+            </a:extLst>
+          </p:cNvPr>
+          <p:cNvCxnSpPr/>
+          <p:nvPr/>
+        </p:nvCxnSpPr>
+        <p:spPr>
+          <a:xfrm>
+            <a:off x="6224337" y="3429000"/>
+            <a:ext cx="1411705" cy="0"/>
+          </a:xfrm>
+          <a:prstGeom prst="straightConnector1">
+            <a:avLst/>
+          </a:prstGeom>
+          <a:ln>
+            <a:tailEnd type="triangle"/>
+          </a:ln>
+        </p:spPr>
+        <p:style>
+          <a:lnRef idx="1">
+            <a:schemeClr val="accent1"/>
+          </a:lnRef>
+          <a:fillRef idx="0">
+            <a:schemeClr val="accent1"/>
+          </a:fillRef>
+          <a:effectRef idx="0">
+            <a:schemeClr val="accent1"/>
+          </a:effectRef>
+          <a:fontRef idx="minor">
+            <a:schemeClr val="tx1"/>
+          </a:fontRef>
+        </p:style>
+      </p:cxnSp>
+      <p:cxnSp>
+        <p:nvCxnSpPr>
+          <p:cNvPr id="23" name="Straight Arrow Connector 22">
+            <a:extLst>
+              <a:ext uri="{FF2B5EF4-FFF2-40B4-BE49-F238E27FC236}">
+                <a16:creationId xmlns:a16="http://schemas.microsoft.com/office/drawing/2014/main" id="{981FDE0E-93B7-401E-BFE2-B50036C485DE}"/>
+              </a:ext>
+            </a:extLst>
+          </p:cNvPr>
+          <p:cNvCxnSpPr/>
+          <p:nvPr/>
+        </p:nvCxnSpPr>
+        <p:spPr>
+          <a:xfrm>
+            <a:off x="6096000" y="4395537"/>
+            <a:ext cx="1556084" cy="0"/>
+          </a:xfrm>
+          <a:prstGeom prst="straightConnector1">
+            <a:avLst/>
+          </a:prstGeom>
+          <a:ln>
+            <a:tailEnd type="triangle"/>
+          </a:ln>
+        </p:spPr>
+        <p:style>
+          <a:lnRef idx="1">
+            <a:schemeClr val="accent1"/>
+          </a:lnRef>
+          <a:fillRef idx="0">
+            <a:schemeClr val="accent1"/>
+          </a:fillRef>
+          <a:effectRef idx="0">
+            <a:schemeClr val="accent1"/>
+          </a:effectRef>
+          <a:fontRef idx="minor">
+            <a:schemeClr val="tx1"/>
+          </a:fontRef>
+        </p:style>
+      </p:cxnSp>
+      <p:cxnSp>
+        <p:nvCxnSpPr>
+          <p:cNvPr id="25" name="Straight Arrow Connector 24">
+            <a:extLst>
+              <a:ext uri="{FF2B5EF4-FFF2-40B4-BE49-F238E27FC236}">
+                <a16:creationId xmlns:a16="http://schemas.microsoft.com/office/drawing/2014/main" id="{FB9A7820-1C37-4AB3-9C69-D626D4A56831}"/>
+              </a:ext>
+            </a:extLst>
+          </p:cNvPr>
+          <p:cNvCxnSpPr/>
+          <p:nvPr/>
+        </p:nvCxnSpPr>
+        <p:spPr>
+          <a:xfrm>
+            <a:off x="6705600" y="5309937"/>
+            <a:ext cx="946484" cy="0"/>
+          </a:xfrm>
+          <a:prstGeom prst="straightConnector1">
+            <a:avLst/>
+          </a:prstGeom>
+          <a:ln>
+            <a:tailEnd type="triangle"/>
+          </a:ln>
+        </p:spPr>
+        <p:style>
+          <a:lnRef idx="1">
+            <a:schemeClr val="accent1"/>
+          </a:lnRef>
+          <a:fillRef idx="0">
+            <a:schemeClr val="accent1"/>
+          </a:fillRef>
+          <a:effectRef idx="0">
+            <a:schemeClr val="accent1"/>
+          </a:effectRef>
+          <a:fontRef idx="minor">
+            <a:schemeClr val="tx1"/>
+          </a:fontRef>
+        </p:style>
+      </p:cxnSp>
     </p:spTree>
     <p:extLst>
       <p:ext uri="{BB962C8B-B14F-4D97-AF65-F5344CB8AC3E}">
@@ -4802,6 +5561,14 @@
 <file path=ppt/slides/slide9.xml><?xml version="1.0" encoding="utf-8"?>
 <p:sld xmlns:a="http://schemas.openxmlformats.org/drawingml/2006/main" xmlns:r="http://schemas.openxmlformats.org/officeDocument/2006/relationships" xmlns:p="http://schemas.openxmlformats.org/presentationml/2006/main">
   <p:cSld>
+    <p:bg>
+      <p:bgPr>
+        <a:solidFill>
+          <a:schemeClr val="bg1"/>
+        </a:solidFill>
+        <a:effectLst/>
+      </p:bgPr>
+    </p:bg>
     <p:spTree>
       <p:nvGrpSpPr>
         <p:cNvPr id="1" name=""/>
@@ -4818,10 +5585,10 @@
       </p:grpSpPr>
       <p:sp>
         <p:nvSpPr>
-          <p:cNvPr id="5" name="Title 4">
-            <a:extLst>
-              <a:ext uri="{FF2B5EF4-FFF2-40B4-BE49-F238E27FC236}">
-                <a16:creationId xmlns:a16="http://schemas.microsoft.com/office/drawing/2014/main" id="{59B8E2D4-05F5-442D-A308-9BFFCA665FEA}"/>
+          <p:cNvPr id="2" name="Title 1">
+            <a:extLst>
+              <a:ext uri="{FF2B5EF4-FFF2-40B4-BE49-F238E27FC236}">
+                <a16:creationId xmlns:a16="http://schemas.microsoft.com/office/drawing/2014/main" id="{E2CC25A0-0C14-4445-BD5B-6CDFB4E3C066}"/>
               </a:ext>
             </a:extLst>
           </p:cNvPr>
@@ -4832,33 +5599,93 @@
             <p:ph type="title"/>
           </p:nvPr>
         </p:nvSpPr>
-        <p:spPr/>
-        <p:txBody>
-          <a:bodyPr/>
-          <a:lstStyle/>
-          <a:p>
-            <a:r>
-              <a:rPr lang="en-US" dirty="0"/>
-              <a:t>Weather &amp; Crime: Pearson Correlation</a:t>
-            </a:r>
-          </a:p>
-        </p:txBody>
-      </p:sp>
+        <p:spPr>
+          <a:xfrm>
+            <a:off x="960100" y="978102"/>
+            <a:ext cx="10588434" cy="1062644"/>
+          </a:xfrm>
+        </p:spPr>
+        <p:txBody>
+          <a:bodyPr vert="horz" lIns="91440" tIns="45720" rIns="91440" bIns="45720" rtlCol="0" anchor="b">
+            <a:normAutofit/>
+          </a:bodyPr>
+          <a:lstStyle/>
+          <a:p>
+            <a:r>
+              <a:rPr lang="en-US" sz="4400"/>
+              <a:t>Statistical Analysis: Pearson Correlation</a:t>
+            </a:r>
+          </a:p>
+        </p:txBody>
+      </p:sp>
+      <p:cxnSp>
+        <p:nvCxnSpPr>
+          <p:cNvPr id="135" name="Straight Connector 134">
+            <a:extLst>
+              <a:ext uri="{FF2B5EF4-FFF2-40B4-BE49-F238E27FC236}">
+                <a16:creationId xmlns:a16="http://schemas.microsoft.com/office/drawing/2014/main" id="{39B7FDC9-F0CE-43A7-9F2A-83DD09DC3453}"/>
+              </a:ext>
+              <a:ext uri="{C183D7F6-B498-43B3-948B-1728B52AA6E4}">
+                <adec:decorative xmlns:adec="http://schemas.microsoft.com/office/drawing/2017/decorative" val="1"/>
+              </a:ext>
+            </a:extLst>
+          </p:cNvPr>
+          <p:cNvCxnSpPr>
+            <a:cxnSpLocks noGrp="1" noRot="1" noChangeAspect="1" noMove="1" noResize="1" noEditPoints="1" noAdjustHandles="1" noChangeArrowheads="1" noChangeShapeType="1"/>
+          </p:cNvCxnSpPr>
+          <p:nvPr>
+            <p:extLst>
+              <p:ext uri="{386F3935-93C4-4BCD-93E2-E3B085C9AB24}">
+                <p16:designElem xmlns:p16="http://schemas.microsoft.com/office/powerpoint/2015/main" val="1"/>
+              </p:ext>
+            </p:extLst>
+          </p:nvPr>
+        </p:nvCxnSpPr>
+        <p:spPr>
+          <a:xfrm>
+            <a:off x="1047624" y="2265037"/>
+            <a:ext cx="10125012" cy="0"/>
+          </a:xfrm>
+          <a:prstGeom prst="line">
+            <a:avLst/>
+          </a:prstGeom>
+          <a:ln w="15875">
+            <a:solidFill>
+              <a:schemeClr val="tx1">
+                <a:lumMod val="65000"/>
+                <a:lumOff val="35000"/>
+              </a:schemeClr>
+            </a:solidFill>
+          </a:ln>
+        </p:spPr>
+        <p:style>
+          <a:lnRef idx="1">
+            <a:schemeClr val="accent1"/>
+          </a:lnRef>
+          <a:fillRef idx="0">
+            <a:schemeClr val="accent1"/>
+          </a:fillRef>
+          <a:effectRef idx="0">
+            <a:schemeClr val="accent1"/>
+          </a:effectRef>
+          <a:fontRef idx="minor">
+            <a:schemeClr val="tx1"/>
+          </a:fontRef>
+        </p:style>
+      </p:cxnSp>
       <p:pic>
         <p:nvPicPr>
-          <p:cNvPr id="10" name="Content Placeholder 9" descr="A screenshot of a cell phone&#10;&#10;Description automatically generated">
-            <a:extLst>
-              <a:ext uri="{FF2B5EF4-FFF2-40B4-BE49-F238E27FC236}">
-                <a16:creationId xmlns:a16="http://schemas.microsoft.com/office/drawing/2014/main" id="{28EBD97C-D6EE-4D1A-B609-010BAF7B0271}"/>
+          <p:cNvPr id="2050" name="Picture 2" descr="Correlation">
+            <a:extLst>
+              <a:ext uri="{FF2B5EF4-FFF2-40B4-BE49-F238E27FC236}">
+                <a16:creationId xmlns:a16="http://schemas.microsoft.com/office/drawing/2014/main" id="{929CC62D-025D-4821-B5A3-976EC7E6FFC5}"/>
               </a:ext>
             </a:extLst>
           </p:cNvPr>
           <p:cNvPicPr>
-            <a:picLocks noGrp="1" noChangeAspect="1"/>
+            <a:picLocks noChangeAspect="1" noChangeArrowheads="1"/>
           </p:cNvPicPr>
-          <p:nvPr>
-            <p:ph idx="1"/>
-          </p:nvPr>
+          <p:nvPr/>
         </p:nvPicPr>
         <p:blipFill>
           <a:blip r:embed="rId2">
@@ -4874,8 +5701,8 @@
         </p:blipFill>
         <p:spPr bwMode="auto">
           <a:xfrm>
-            <a:off x="1814214" y="4010827"/>
-            <a:ext cx="3950208" cy="2504318"/>
+            <a:off x="1114023" y="3483454"/>
+            <a:ext cx="3366480" cy="1355008"/>
           </a:xfrm>
           <a:prstGeom prst="rect">
             <a:avLst/>
@@ -4892,118 +5719,73 @@
           </a:extLst>
         </p:spPr>
       </p:pic>
-      <p:pic>
-        <p:nvPicPr>
-          <p:cNvPr id="12" name="Picture 11" descr="A screenshot of a cell phone&#10;&#10;Description automatically generated">
-            <a:extLst>
-              <a:ext uri="{FF2B5EF4-FFF2-40B4-BE49-F238E27FC236}">
-                <a16:creationId xmlns:a16="http://schemas.microsoft.com/office/drawing/2014/main" id="{21FD03E5-5087-4D94-A9CB-5C6613863959}"/>
-              </a:ext>
-            </a:extLst>
-          </p:cNvPr>
-          <p:cNvPicPr>
-            <a:picLocks noChangeAspect="1"/>
-          </p:cNvPicPr>
-          <p:nvPr/>
-        </p:nvPicPr>
-        <p:blipFill>
-          <a:blip r:embed="rId3">
-            <a:extLst>
-              <a:ext uri="{28A0092B-C50C-407E-A947-70E740481C1C}">
-                <a14:useLocalDpi xmlns:a14="http://schemas.microsoft.com/office/drawing/2010/main" val="0"/>
-              </a:ext>
-            </a:extLst>
-          </a:blip>
-          <a:stretch>
-            <a:fillRect/>
-          </a:stretch>
-        </p:blipFill>
+      <p:sp>
+        <p:nvSpPr>
+          <p:cNvPr id="4" name="Text Placeholder 3">
+            <a:extLst>
+              <a:ext uri="{FF2B5EF4-FFF2-40B4-BE49-F238E27FC236}">
+                <a16:creationId xmlns:a16="http://schemas.microsoft.com/office/drawing/2014/main" id="{03F646AD-70CA-4FC9-A261-F9883EF7EE82}"/>
+              </a:ext>
+            </a:extLst>
+          </p:cNvPr>
+          <p:cNvSpPr>
+            <a:spLocks noGrp="1"/>
+          </p:cNvSpPr>
+          <p:nvPr>
+            <p:ph type="body" sz="half" idx="2"/>
+          </p:nvPr>
+        </p:nvSpPr>
         <p:spPr>
           <a:xfrm>
-            <a:off x="1785932" y="1396339"/>
-            <a:ext cx="3948717" cy="2546010"/>
-          </a:xfrm>
-          <a:prstGeom prst="rect">
-            <a:avLst/>
-          </a:prstGeom>
-        </p:spPr>
-      </p:pic>
-      <p:pic>
-        <p:nvPicPr>
-          <p:cNvPr id="14" name="Picture 13" descr="A screenshot of a cell phone&#10;&#10;Description automatically generated">
-            <a:extLst>
-              <a:ext uri="{FF2B5EF4-FFF2-40B4-BE49-F238E27FC236}">
-                <a16:creationId xmlns:a16="http://schemas.microsoft.com/office/drawing/2014/main" id="{4BD472A3-F767-4955-BDD6-D03F31412E6D}"/>
-              </a:ext>
-            </a:extLst>
-          </p:cNvPr>
-          <p:cNvPicPr>
-            <a:picLocks noChangeAspect="1"/>
-          </p:cNvPicPr>
-          <p:nvPr/>
-        </p:nvPicPr>
-        <p:blipFill>
-          <a:blip r:embed="rId4">
-            <a:extLst>
-              <a:ext uri="{28A0092B-C50C-407E-A947-70E740481C1C}">
-                <a14:useLocalDpi xmlns:a14="http://schemas.microsoft.com/office/drawing/2010/main" val="0"/>
-              </a:ext>
-            </a:extLst>
-          </a:blip>
-          <a:stretch>
-            <a:fillRect/>
-          </a:stretch>
-        </p:blipFill>
-        <p:spPr>
-          <a:xfrm>
-            <a:off x="6427579" y="3989500"/>
-            <a:ext cx="3950208" cy="2546972"/>
-          </a:xfrm>
-          <a:prstGeom prst="rect">
-            <a:avLst/>
-          </a:prstGeom>
-        </p:spPr>
-      </p:pic>
-      <p:pic>
-        <p:nvPicPr>
-          <p:cNvPr id="16" name="Picture 15" descr="A screenshot of a cell phone&#10;&#10;Description automatically generated">
-            <a:extLst>
-              <a:ext uri="{FF2B5EF4-FFF2-40B4-BE49-F238E27FC236}">
-                <a16:creationId xmlns:a16="http://schemas.microsoft.com/office/drawing/2014/main" id="{AFE2AD58-15EF-4F34-A700-692BED185970}"/>
-              </a:ext>
-            </a:extLst>
-          </p:cNvPr>
-          <p:cNvPicPr>
-            <a:picLocks noChangeAspect="1"/>
-          </p:cNvPicPr>
-          <p:nvPr/>
-        </p:nvPicPr>
-        <p:blipFill>
-          <a:blip r:embed="rId5">
-            <a:extLst>
-              <a:ext uri="{28A0092B-C50C-407E-A947-70E740481C1C}">
-                <a14:useLocalDpi xmlns:a14="http://schemas.microsoft.com/office/drawing/2010/main" val="0"/>
-              </a:ext>
-            </a:extLst>
-          </a:blip>
-          <a:stretch>
-            <a:fillRect/>
-          </a:stretch>
-        </p:blipFill>
-        <p:spPr>
-          <a:xfrm>
-            <a:off x="6457353" y="1396339"/>
-            <a:ext cx="3950208" cy="2546972"/>
-          </a:xfrm>
-          <a:prstGeom prst="rect">
-            <a:avLst/>
-          </a:prstGeom>
-        </p:spPr>
-      </p:pic>
+            <a:off x="4955354" y="3354785"/>
+            <a:ext cx="6282169" cy="3215749"/>
+          </a:xfrm>
+        </p:spPr>
+        <p:txBody>
+          <a:bodyPr vert="horz" lIns="91440" tIns="45720" rIns="91440" bIns="45720" rtlCol="0">
+            <a:normAutofit/>
+          </a:bodyPr>
+          <a:lstStyle/>
+          <a:p>
+            <a:pPr indent="-228600">
+              <a:buFont typeface="Arial" panose="020B0604020202020204" pitchFamily="34" charset="0"/>
+              <a:buChar char="•"/>
+            </a:pPr>
+            <a:r>
+              <a:rPr lang="en-US" sz="2400" b="1" dirty="0"/>
+              <a:t>correlation coefficient</a:t>
+            </a:r>
+            <a:r>
+              <a:rPr lang="en-US" sz="2400" dirty="0"/>
+              <a:t> is a measure of the strength of the linear relationship between two variables.</a:t>
+            </a:r>
+          </a:p>
+          <a:p>
+            <a:pPr marL="285750" indent="-228600">
+              <a:buFont typeface="Arial" panose="020B0604020202020204" pitchFamily="34" charset="0"/>
+              <a:buChar char="•"/>
+            </a:pPr>
+            <a:r>
+              <a:rPr lang="en-US" sz="2400" dirty="0"/>
+              <a:t>A perfect positive linear relationship, r = 1.</a:t>
+            </a:r>
+          </a:p>
+          <a:p>
+            <a:pPr marL="285750" indent="-228600">
+              <a:buFont typeface="Arial" panose="020B0604020202020204" pitchFamily="34" charset="0"/>
+              <a:buChar char="•"/>
+            </a:pPr>
+            <a:r>
+              <a:rPr lang="en-US" sz="2400" dirty="0"/>
+              <a:t>A perfect negative linear relationship, r = -1.</a:t>
+            </a:r>
+          </a:p>
+        </p:txBody>
+      </p:sp>
     </p:spTree>
     <p:extLst>
       <p:ext uri="{BB962C8B-B14F-4D97-AF65-F5344CB8AC3E}">
-        <p14:creationId xmlns:p14="http://schemas.microsoft.com/office/powerpoint/2010/main" val="918526572"/>
+        <p14:creationId xmlns:p14="http://schemas.microsoft.com/office/powerpoint/2010/main" val="921853661"/>
       </p:ext>
     </p:extLst>
   </p:cSld>

--- a/Weather_vs_Crime.pptx
+++ b/Weather_vs_Crime.pptx
@@ -268,7 +268,7 @@
           <a:p>
             <a:fld id="{5CE88FEC-8408-4619-B5E6-DA13FC512FFF}" type="datetimeFigureOut">
               <a:rPr lang="en-US" smtClean="0"/>
-              <a:t>4/7/2019</a:t>
+              <a:t>4/8/2019</a:t>
             </a:fld>
             <a:endParaRPr lang="en-US"/>
           </a:p>
@@ -466,7 +466,7 @@
           <a:p>
             <a:fld id="{5CE88FEC-8408-4619-B5E6-DA13FC512FFF}" type="datetimeFigureOut">
               <a:rPr lang="en-US" smtClean="0"/>
-              <a:t>4/7/2019</a:t>
+              <a:t>4/8/2019</a:t>
             </a:fld>
             <a:endParaRPr lang="en-US"/>
           </a:p>
@@ -674,7 +674,7 @@
           <a:p>
             <a:fld id="{5CE88FEC-8408-4619-B5E6-DA13FC512FFF}" type="datetimeFigureOut">
               <a:rPr lang="en-US" smtClean="0"/>
-              <a:t>4/7/2019</a:t>
+              <a:t>4/8/2019</a:t>
             </a:fld>
             <a:endParaRPr lang="en-US"/>
           </a:p>
@@ -872,7 +872,7 @@
           <a:p>
             <a:fld id="{5CE88FEC-8408-4619-B5E6-DA13FC512FFF}" type="datetimeFigureOut">
               <a:rPr lang="en-US" smtClean="0"/>
-              <a:t>4/7/2019</a:t>
+              <a:t>4/8/2019</a:t>
             </a:fld>
             <a:endParaRPr lang="en-US"/>
           </a:p>
@@ -1147,7 +1147,7 @@
           <a:p>
             <a:fld id="{5CE88FEC-8408-4619-B5E6-DA13FC512FFF}" type="datetimeFigureOut">
               <a:rPr lang="en-US" smtClean="0"/>
-              <a:t>4/7/2019</a:t>
+              <a:t>4/8/2019</a:t>
             </a:fld>
             <a:endParaRPr lang="en-US"/>
           </a:p>
@@ -1412,7 +1412,7 @@
           <a:p>
             <a:fld id="{5CE88FEC-8408-4619-B5E6-DA13FC512FFF}" type="datetimeFigureOut">
               <a:rPr lang="en-US" smtClean="0"/>
-              <a:t>4/7/2019</a:t>
+              <a:t>4/8/2019</a:t>
             </a:fld>
             <a:endParaRPr lang="en-US"/>
           </a:p>
@@ -1824,7 +1824,7 @@
           <a:p>
             <a:fld id="{5CE88FEC-8408-4619-B5E6-DA13FC512FFF}" type="datetimeFigureOut">
               <a:rPr lang="en-US" smtClean="0"/>
-              <a:t>4/7/2019</a:t>
+              <a:t>4/8/2019</a:t>
             </a:fld>
             <a:endParaRPr lang="en-US"/>
           </a:p>
@@ -1965,7 +1965,7 @@
           <a:p>
             <a:fld id="{5CE88FEC-8408-4619-B5E6-DA13FC512FFF}" type="datetimeFigureOut">
               <a:rPr lang="en-US" smtClean="0"/>
-              <a:t>4/7/2019</a:t>
+              <a:t>4/8/2019</a:t>
             </a:fld>
             <a:endParaRPr lang="en-US"/>
           </a:p>
@@ -2078,7 +2078,7 @@
           <a:p>
             <a:fld id="{5CE88FEC-8408-4619-B5E6-DA13FC512FFF}" type="datetimeFigureOut">
               <a:rPr lang="en-US" smtClean="0"/>
-              <a:t>4/7/2019</a:t>
+              <a:t>4/8/2019</a:t>
             </a:fld>
             <a:endParaRPr lang="en-US"/>
           </a:p>
@@ -2389,7 +2389,7 @@
           <a:p>
             <a:fld id="{5CE88FEC-8408-4619-B5E6-DA13FC512FFF}" type="datetimeFigureOut">
               <a:rPr lang="en-US" smtClean="0"/>
-              <a:t>4/7/2019</a:t>
+              <a:t>4/8/2019</a:t>
             </a:fld>
             <a:endParaRPr lang="en-US"/>
           </a:p>
@@ -2677,7 +2677,7 @@
           <a:p>
             <a:fld id="{5CE88FEC-8408-4619-B5E6-DA13FC512FFF}" type="datetimeFigureOut">
               <a:rPr lang="en-US" smtClean="0"/>
-              <a:t>4/7/2019</a:t>
+              <a:t>4/8/2019</a:t>
             </a:fld>
             <a:endParaRPr lang="en-US"/>
           </a:p>
@@ -2918,7 +2918,7 @@
           <a:p>
             <a:fld id="{5CE88FEC-8408-4619-B5E6-DA13FC512FFF}" type="datetimeFigureOut">
               <a:rPr lang="en-US" smtClean="0"/>
-              <a:t>4/7/2019</a:t>
+              <a:t>4/8/2019</a:t>
             </a:fld>
             <a:endParaRPr lang="en-US"/>
           </a:p>
@@ -3507,7 +3507,15 @@
           <a:p>
             <a:r>
               <a:rPr lang="en-US" sz="5800" dirty="0"/>
-              <a:t>On Weather and its Affects on Chicago Crime</a:t>
+              <a:t>On Weather and </a:t>
+            </a:r>
+            <a:r>
+              <a:rPr lang="en-US" sz="5800"/>
+              <a:t>its Effects </a:t>
+            </a:r>
+            <a:r>
+              <a:rPr lang="en-US" sz="5800" dirty="0"/>
+              <a:t>on Chicago Crime</a:t>
             </a:r>
           </a:p>
         </p:txBody>

--- a/Weather_vs_Crime.pptx
+++ b/Weather_vs_Crime.pptx
@@ -5615,13 +5615,13 @@
         </p:spPr>
         <p:txBody>
           <a:bodyPr vert="horz" lIns="91440" tIns="45720" rIns="91440" bIns="45720" rtlCol="0" anchor="b">
-            <a:normAutofit/>
+            <a:normAutofit fontScale="90000"/>
           </a:bodyPr>
           <a:lstStyle/>
           <a:p>
             <a:r>
-              <a:rPr lang="en-US" sz="4400"/>
-              <a:t>Statistical Analysis: Pearson Correlation</a:t>
+              <a:rPr lang="en-US" sz="4400" dirty="0"/>
+              <a:t>Statistical Analysis: Pearson Correlation Coefficient</a:t>
             </a:r>
           </a:p>
         </p:txBody>

--- a/Weather_vs_Crime.pptx
+++ b/Weather_vs_Crime.pptx
@@ -10,11 +10,12 @@
     <p:sldId id="257" r:id="rId4"/>
     <p:sldId id="258" r:id="rId5"/>
     <p:sldId id="265" r:id="rId6"/>
-    <p:sldId id="262" r:id="rId7"/>
+    <p:sldId id="267" r:id="rId7"/>
     <p:sldId id="261" r:id="rId8"/>
     <p:sldId id="263" r:id="rId9"/>
-    <p:sldId id="266" r:id="rId10"/>
-    <p:sldId id="264" r:id="rId11"/>
+    <p:sldId id="268" r:id="rId10"/>
+    <p:sldId id="266" r:id="rId11"/>
+    <p:sldId id="264" r:id="rId12"/>
   </p:sldIdLst>
   <p:sldSz cx="12192000" cy="6858000"/>
   <p:notesSz cx="6858000" cy="9144000"/>
@@ -3642,6 +3643,243 @@
 <file path=ppt/slides/slide10.xml><?xml version="1.0" encoding="utf-8"?>
 <p:sld xmlns:a="http://schemas.openxmlformats.org/drawingml/2006/main" xmlns:r="http://schemas.openxmlformats.org/officeDocument/2006/relationships" xmlns:p="http://schemas.openxmlformats.org/presentationml/2006/main">
   <p:cSld>
+    <p:bg>
+      <p:bgPr>
+        <a:solidFill>
+          <a:schemeClr val="bg1"/>
+        </a:solidFill>
+        <a:effectLst/>
+      </p:bgPr>
+    </p:bg>
+    <p:spTree>
+      <p:nvGrpSpPr>
+        <p:cNvPr id="1" name=""/>
+        <p:cNvGrpSpPr/>
+        <p:nvPr/>
+      </p:nvGrpSpPr>
+      <p:grpSpPr>
+        <a:xfrm>
+          <a:off x="0" y="0"/>
+          <a:ext cx="0" cy="0"/>
+          <a:chOff x="0" y="0"/>
+          <a:chExt cx="0" cy="0"/>
+        </a:xfrm>
+      </p:grpSpPr>
+      <p:sp>
+        <p:nvSpPr>
+          <p:cNvPr id="2" name="Title 1">
+            <a:extLst>
+              <a:ext uri="{FF2B5EF4-FFF2-40B4-BE49-F238E27FC236}">
+                <a16:creationId xmlns:a16="http://schemas.microsoft.com/office/drawing/2014/main" id="{E2CC25A0-0C14-4445-BD5B-6CDFB4E3C066}"/>
+              </a:ext>
+            </a:extLst>
+          </p:cNvPr>
+          <p:cNvSpPr>
+            <a:spLocks noGrp="1"/>
+          </p:cNvSpPr>
+          <p:nvPr>
+            <p:ph type="title"/>
+          </p:nvPr>
+        </p:nvSpPr>
+        <p:spPr>
+          <a:xfrm>
+            <a:off x="960100" y="978102"/>
+            <a:ext cx="10588434" cy="1062644"/>
+          </a:xfrm>
+        </p:spPr>
+        <p:txBody>
+          <a:bodyPr vert="horz" lIns="91440" tIns="45720" rIns="91440" bIns="45720" rtlCol="0" anchor="b">
+            <a:normAutofit fontScale="90000"/>
+          </a:bodyPr>
+          <a:lstStyle/>
+          <a:p>
+            <a:r>
+              <a:rPr lang="en-US" sz="4400" dirty="0"/>
+              <a:t>Statistical Analysis: Pearson Correlation Coefficient</a:t>
+            </a:r>
+          </a:p>
+        </p:txBody>
+      </p:sp>
+      <p:cxnSp>
+        <p:nvCxnSpPr>
+          <p:cNvPr id="135" name="Straight Connector 134">
+            <a:extLst>
+              <a:ext uri="{FF2B5EF4-FFF2-40B4-BE49-F238E27FC236}">
+                <a16:creationId xmlns:a16="http://schemas.microsoft.com/office/drawing/2014/main" id="{39B7FDC9-F0CE-43A7-9F2A-83DD09DC3453}"/>
+              </a:ext>
+              <a:ext uri="{C183D7F6-B498-43B3-948B-1728B52AA6E4}">
+                <adec:decorative xmlns:adec="http://schemas.microsoft.com/office/drawing/2017/decorative" val="1"/>
+              </a:ext>
+            </a:extLst>
+          </p:cNvPr>
+          <p:cNvCxnSpPr>
+            <a:cxnSpLocks noGrp="1" noRot="1" noChangeAspect="1" noMove="1" noResize="1" noEditPoints="1" noAdjustHandles="1" noChangeArrowheads="1" noChangeShapeType="1"/>
+          </p:cNvCxnSpPr>
+          <p:nvPr>
+            <p:extLst>
+              <p:ext uri="{386F3935-93C4-4BCD-93E2-E3B085C9AB24}">
+                <p16:designElem xmlns:p16="http://schemas.microsoft.com/office/powerpoint/2015/main" val="1"/>
+              </p:ext>
+            </p:extLst>
+          </p:nvPr>
+        </p:nvCxnSpPr>
+        <p:spPr>
+          <a:xfrm>
+            <a:off x="1047624" y="2265037"/>
+            <a:ext cx="10125012" cy="0"/>
+          </a:xfrm>
+          <a:prstGeom prst="line">
+            <a:avLst/>
+          </a:prstGeom>
+          <a:ln w="15875">
+            <a:solidFill>
+              <a:schemeClr val="tx1">
+                <a:lumMod val="65000"/>
+                <a:lumOff val="35000"/>
+              </a:schemeClr>
+            </a:solidFill>
+          </a:ln>
+        </p:spPr>
+        <p:style>
+          <a:lnRef idx="1">
+            <a:schemeClr val="accent1"/>
+          </a:lnRef>
+          <a:fillRef idx="0">
+            <a:schemeClr val="accent1"/>
+          </a:fillRef>
+          <a:effectRef idx="0">
+            <a:schemeClr val="accent1"/>
+          </a:effectRef>
+          <a:fontRef idx="minor">
+            <a:schemeClr val="tx1"/>
+          </a:fontRef>
+        </p:style>
+      </p:cxnSp>
+      <p:pic>
+        <p:nvPicPr>
+          <p:cNvPr id="2050" name="Picture 2" descr="Correlation">
+            <a:extLst>
+              <a:ext uri="{FF2B5EF4-FFF2-40B4-BE49-F238E27FC236}">
+                <a16:creationId xmlns:a16="http://schemas.microsoft.com/office/drawing/2014/main" id="{929CC62D-025D-4821-B5A3-976EC7E6FFC5}"/>
+              </a:ext>
+            </a:extLst>
+          </p:cNvPr>
+          <p:cNvPicPr>
+            <a:picLocks noChangeAspect="1" noChangeArrowheads="1"/>
+          </p:cNvPicPr>
+          <p:nvPr/>
+        </p:nvPicPr>
+        <p:blipFill>
+          <a:blip r:embed="rId2">
+            <a:extLst>
+              <a:ext uri="{28A0092B-C50C-407E-A947-70E740481C1C}">
+                <a14:useLocalDpi xmlns:a14="http://schemas.microsoft.com/office/drawing/2010/main" val="0"/>
+              </a:ext>
+            </a:extLst>
+          </a:blip>
+          <a:stretch>
+            <a:fillRect/>
+          </a:stretch>
+        </p:blipFill>
+        <p:spPr bwMode="auto">
+          <a:xfrm>
+            <a:off x="1114023" y="3483454"/>
+            <a:ext cx="3366480" cy="1355008"/>
+          </a:xfrm>
+          <a:prstGeom prst="rect">
+            <a:avLst/>
+          </a:prstGeom>
+          <a:noFill/>
+          <a:extLst>
+            <a:ext uri="{909E8E84-426E-40DD-AFC4-6F175D3DCCD1}">
+              <a14:hiddenFill xmlns:a14="http://schemas.microsoft.com/office/drawing/2010/main">
+                <a:solidFill>
+                  <a:srgbClr val="FFFFFF"/>
+                </a:solidFill>
+              </a14:hiddenFill>
+            </a:ext>
+          </a:extLst>
+        </p:spPr>
+      </p:pic>
+      <p:sp>
+        <p:nvSpPr>
+          <p:cNvPr id="4" name="Text Placeholder 3">
+            <a:extLst>
+              <a:ext uri="{FF2B5EF4-FFF2-40B4-BE49-F238E27FC236}">
+                <a16:creationId xmlns:a16="http://schemas.microsoft.com/office/drawing/2014/main" id="{03F646AD-70CA-4FC9-A261-F9883EF7EE82}"/>
+              </a:ext>
+            </a:extLst>
+          </p:cNvPr>
+          <p:cNvSpPr>
+            <a:spLocks noGrp="1"/>
+          </p:cNvSpPr>
+          <p:nvPr>
+            <p:ph type="body" sz="half" idx="2"/>
+          </p:nvPr>
+        </p:nvSpPr>
+        <p:spPr>
+          <a:xfrm>
+            <a:off x="4955354" y="3354785"/>
+            <a:ext cx="6282169" cy="3215749"/>
+          </a:xfrm>
+        </p:spPr>
+        <p:txBody>
+          <a:bodyPr vert="horz" lIns="91440" tIns="45720" rIns="91440" bIns="45720" rtlCol="0">
+            <a:normAutofit/>
+          </a:bodyPr>
+          <a:lstStyle/>
+          <a:p>
+            <a:pPr indent="-228600">
+              <a:buFont typeface="Arial" panose="020B0604020202020204" pitchFamily="34" charset="0"/>
+              <a:buChar char="•"/>
+            </a:pPr>
+            <a:r>
+              <a:rPr lang="en-US" sz="2400" b="1" dirty="0"/>
+              <a:t>correlation coefficient</a:t>
+            </a:r>
+            <a:r>
+              <a:rPr lang="en-US" sz="2400" dirty="0"/>
+              <a:t> is a measure of the strength of the linear relationship between two variables.</a:t>
+            </a:r>
+          </a:p>
+          <a:p>
+            <a:pPr marL="285750" indent="-228600">
+              <a:buFont typeface="Arial" panose="020B0604020202020204" pitchFamily="34" charset="0"/>
+              <a:buChar char="•"/>
+            </a:pPr>
+            <a:r>
+              <a:rPr lang="en-US" sz="2400" dirty="0"/>
+              <a:t>A perfect positive linear relationship, r = 1.</a:t>
+            </a:r>
+          </a:p>
+          <a:p>
+            <a:pPr marL="285750" indent="-228600">
+              <a:buFont typeface="Arial" panose="020B0604020202020204" pitchFamily="34" charset="0"/>
+              <a:buChar char="•"/>
+            </a:pPr>
+            <a:r>
+              <a:rPr lang="en-US" sz="2400" dirty="0"/>
+              <a:t>A perfect negative linear relationship, r = -1.</a:t>
+            </a:r>
+          </a:p>
+        </p:txBody>
+      </p:sp>
+    </p:spTree>
+    <p:extLst>
+      <p:ext uri="{BB962C8B-B14F-4D97-AF65-F5344CB8AC3E}">
+        <p14:creationId xmlns:p14="http://schemas.microsoft.com/office/powerpoint/2010/main" val="921853661"/>
+      </p:ext>
+    </p:extLst>
+  </p:cSld>
+  <p:clrMapOvr>
+    <a:masterClrMapping/>
+  </p:clrMapOvr>
+</p:sld>
+</file>
+
+<file path=ppt/slides/slide11.xml><?xml version="1.0" encoding="utf-8"?>
+<p:sld xmlns:a="http://schemas.openxmlformats.org/drawingml/2006/main" xmlns:r="http://schemas.openxmlformats.org/officeDocument/2006/relationships" xmlns:p="http://schemas.openxmlformats.org/presentationml/2006/main">
+  <p:cSld>
     <p:spTree>
       <p:nvGrpSpPr>
         <p:cNvPr id="1" name=""/>
@@ -5205,14 +5443,26 @@
             <p:ph type="title"/>
           </p:nvPr>
         </p:nvSpPr>
-        <p:spPr/>
+        <p:spPr>
+          <a:xfrm>
+            <a:off x="152400" y="457200"/>
+            <a:ext cx="4287115" cy="1133404"/>
+          </a:xfrm>
+        </p:spPr>
         <p:txBody>
           <a:bodyPr/>
           <a:lstStyle/>
           <a:p>
             <a:r>
-              <a:rPr lang="en-US" dirty="0"/>
-              <a:t>The Data: Weather Exploration</a:t>
+              <a:rPr lang="en-US" b="1" dirty="0"/>
+              <a:t>The Data:</a:t>
+            </a:r>
+            <a:br>
+              <a:rPr lang="en-US" b="1" dirty="0"/>
+            </a:br>
+            <a:r>
+              <a:rPr lang="en-US" b="1" dirty="0"/>
+              <a:t>	Crime Exploration</a:t>
             </a:r>
           </a:p>
         </p:txBody>
@@ -5233,7 +5483,12 @@
             <p:ph type="body" sz="half" idx="2"/>
           </p:nvPr>
         </p:nvSpPr>
-        <p:spPr/>
+        <p:spPr>
+          <a:xfrm>
+            <a:off x="329838" y="1896738"/>
+            <a:ext cx="3932237" cy="2424546"/>
+          </a:xfrm>
+        </p:spPr>
         <p:txBody>
           <a:bodyPr/>
           <a:lstStyle/>
@@ -5269,17 +5524,17 @@
             </a:pPr>
             <a:r>
               <a:rPr lang="en-US" dirty="0"/>
-              <a:t>Extract the data we need</a:t>
+              <a:t>Extract the general data we need</a:t>
             </a:r>
           </a:p>
         </p:txBody>
       </p:sp>
       <p:pic>
         <p:nvPicPr>
-          <p:cNvPr id="12" name="Content Placeholder 11">
-            <a:extLst>
-              <a:ext uri="{FF2B5EF4-FFF2-40B4-BE49-F238E27FC236}">
-                <a16:creationId xmlns:a16="http://schemas.microsoft.com/office/drawing/2014/main" id="{AC83D0E6-CD73-44AB-AAA0-953BA94866CE}"/>
+          <p:cNvPr id="7" name="Content Placeholder 6">
+            <a:extLst>
+              <a:ext uri="{FF2B5EF4-FFF2-40B4-BE49-F238E27FC236}">
+                <a16:creationId xmlns:a16="http://schemas.microsoft.com/office/drawing/2014/main" id="{3477568D-50A8-4D9F-9ECA-94295F34AE14}"/>
               </a:ext>
             </a:extLst>
           </p:cNvPr>
@@ -5304,15 +5559,51 @@
         </p:blipFill>
         <p:spPr>
           <a:xfrm>
-            <a:off x="4772025" y="858982"/>
-            <a:ext cx="7218218" cy="5777345"/>
-          </a:xfrm>
+            <a:off x="4439515" y="439882"/>
+            <a:ext cx="7408043" cy="5805055"/>
+          </a:xfrm>
+        </p:spPr>
+      </p:pic>
+      <p:pic>
+        <p:nvPicPr>
+          <p:cNvPr id="9" name="Picture 8">
+            <a:extLst>
+              <a:ext uri="{FF2B5EF4-FFF2-40B4-BE49-F238E27FC236}">
+                <a16:creationId xmlns:a16="http://schemas.microsoft.com/office/drawing/2014/main" id="{0A3B7524-A97B-4747-A0FA-B31CD6D4C1E0}"/>
+              </a:ext>
+            </a:extLst>
+          </p:cNvPr>
+          <p:cNvPicPr>
+            <a:picLocks noChangeAspect="1"/>
+          </p:cNvPicPr>
+          <p:nvPr/>
+        </p:nvPicPr>
+        <p:blipFill>
+          <a:blip r:embed="rId3">
+            <a:extLst>
+              <a:ext uri="{28A0092B-C50C-407E-A947-70E740481C1C}">
+                <a14:useLocalDpi xmlns:a14="http://schemas.microsoft.com/office/drawing/2010/main" val="0"/>
+              </a:ext>
+            </a:extLst>
+          </a:blip>
+          <a:stretch>
+            <a:fillRect/>
+          </a:stretch>
+        </p:blipFill>
+        <p:spPr>
+          <a:xfrm>
+            <a:off x="507277" y="4627418"/>
+            <a:ext cx="7245209" cy="2091242"/>
+          </a:xfrm>
+          <a:prstGeom prst="rect">
+            <a:avLst/>
+          </a:prstGeom>
         </p:spPr>
       </p:pic>
     </p:spTree>
     <p:extLst>
       <p:ext uri="{BB962C8B-B14F-4D97-AF65-F5344CB8AC3E}">
-        <p14:creationId xmlns:p14="http://schemas.microsoft.com/office/powerpoint/2010/main" val="1939522004"/>
+        <p14:creationId xmlns:p14="http://schemas.microsoft.com/office/powerpoint/2010/main" val="2847961132"/>
       </p:ext>
     </p:extLst>
   </p:cSld>
@@ -5355,43 +5646,140 @@
             <p:ph type="title"/>
           </p:nvPr>
         </p:nvSpPr>
-        <p:spPr/>
+        <p:spPr>
+          <a:xfrm>
+            <a:off x="327170" y="1017443"/>
+            <a:ext cx="3932237" cy="1033030"/>
+          </a:xfrm>
+        </p:spPr>
         <p:txBody>
           <a:bodyPr/>
           <a:lstStyle/>
           <a:p>
             <a:r>
+              <a:rPr lang="en-US" b="1" dirty="0"/>
+              <a:t>The Data: </a:t>
+            </a:r>
+            <a:br>
+              <a:rPr lang="en-US" b="1" dirty="0"/>
+            </a:br>
+            <a:r>
+              <a:rPr lang="en-US" b="1" dirty="0"/>
+              <a:t>	Crime Cleanup</a:t>
+            </a:r>
+          </a:p>
+        </p:txBody>
+      </p:sp>
+      <p:sp>
+        <p:nvSpPr>
+          <p:cNvPr id="9" name="Text Placeholder 8">
+            <a:extLst>
+              <a:ext uri="{FF2B5EF4-FFF2-40B4-BE49-F238E27FC236}">
+                <a16:creationId xmlns:a16="http://schemas.microsoft.com/office/drawing/2014/main" id="{2A5DCE34-3430-4E62-8A30-9AE926A8B029}"/>
+              </a:ext>
+            </a:extLst>
+          </p:cNvPr>
+          <p:cNvSpPr>
+            <a:spLocks noGrp="1"/>
+          </p:cNvSpPr>
+          <p:nvPr>
+            <p:ph type="body" sz="half" idx="2"/>
+          </p:nvPr>
+        </p:nvSpPr>
+        <p:spPr>
+          <a:xfrm>
+            <a:off x="327170" y="1855642"/>
+            <a:ext cx="3932237" cy="4735657"/>
+          </a:xfrm>
+        </p:spPr>
+        <p:txBody>
+          <a:bodyPr>
+            <a:normAutofit lnSpcReduction="10000"/>
+          </a:bodyPr>
+          <a:lstStyle/>
+          <a:p>
+            <a:endParaRPr lang="en-US" dirty="0"/>
+          </a:p>
+          <a:p>
+            <a:pPr marL="285750" indent="-285750">
+              <a:buFont typeface="Arial" panose="020B0604020202020204" pitchFamily="34" charset="0"/>
+              <a:buChar char="•"/>
+            </a:pPr>
+            <a:r>
               <a:rPr lang="en-US" dirty="0"/>
-              <a:t>The Data: Crime Exploration</a:t>
-            </a:r>
-          </a:p>
-        </p:txBody>
-      </p:sp>
-      <p:sp>
-        <p:nvSpPr>
-          <p:cNvPr id="9" name="Text Placeholder 8">
-            <a:extLst>
-              <a:ext uri="{FF2B5EF4-FFF2-40B4-BE49-F238E27FC236}">
-                <a16:creationId xmlns:a16="http://schemas.microsoft.com/office/drawing/2014/main" id="{2A5DCE34-3430-4E62-8A30-9AE926A8B029}"/>
-              </a:ext>
-            </a:extLst>
-          </p:cNvPr>
-          <p:cNvSpPr>
-            <a:spLocks noGrp="1"/>
-          </p:cNvSpPr>
-          <p:nvPr>
-            <p:ph type="body" sz="half" idx="2"/>
-          </p:nvPr>
-        </p:nvSpPr>
-        <p:spPr/>
-        <p:txBody>
-          <a:bodyPr/>
-          <a:lstStyle/>
-          <a:p>
+              <a:t>First we pulled the specific crime we wanted to look at and saved the date of each reported incident</a:t>
+            </a:r>
+          </a:p>
+          <a:p>
+            <a:pPr marL="285750" indent="-285750">
+              <a:buFont typeface="Arial" panose="020B0604020202020204" pitchFamily="34" charset="0"/>
+              <a:buChar char="•"/>
+            </a:pPr>
+            <a:r>
+              <a:rPr lang="en-US" dirty="0"/>
+              <a:t>Looking ahead, we format the date so it can be mergeable with </a:t>
+            </a:r>
+            <a:r>
+              <a:rPr lang="en-US" dirty="0" err="1"/>
+              <a:t>OpenWeatherMap</a:t>
+            </a:r>
+            <a:r>
+              <a:rPr lang="en-US" dirty="0"/>
+              <a:t> data</a:t>
+            </a:r>
+          </a:p>
+          <a:p>
+            <a:pPr marL="285750" indent="-285750">
+              <a:buFont typeface="Arial" panose="020B0604020202020204" pitchFamily="34" charset="0"/>
+              <a:buChar char="•"/>
+            </a:pPr>
+            <a:r>
+              <a:rPr lang="en-US" dirty="0"/>
+              <a:t>Next we sort by date to make it easier to look at</a:t>
+            </a:r>
+          </a:p>
+          <a:p>
+            <a:pPr marL="285750" indent="-285750">
+              <a:buFont typeface="Arial" panose="020B0604020202020204" pitchFamily="34" charset="0"/>
+              <a:buChar char="•"/>
+            </a:pPr>
+            <a:r>
+              <a:rPr lang="en-US" dirty="0"/>
+              <a:t>Then we value count the dates to get the number of reported incidents per date</a:t>
+            </a:r>
+          </a:p>
+          <a:p>
+            <a:pPr marL="285750" indent="-285750">
+              <a:buFont typeface="Arial" panose="020B0604020202020204" pitchFamily="34" charset="0"/>
+              <a:buChar char="•"/>
+            </a:pPr>
+            <a:r>
+              <a:rPr lang="en-US" dirty="0"/>
+              <a:t>Now we set the Date to be the index and drop any duplicate sets of dates and reported incidents</a:t>
+            </a:r>
+          </a:p>
+          <a:p>
+            <a:pPr marL="285750" indent="-285750">
+              <a:buFont typeface="Arial" panose="020B0604020202020204" pitchFamily="34" charset="0"/>
+              <a:buChar char="•"/>
+            </a:pPr>
+            <a:r>
+              <a:rPr lang="en-US" dirty="0"/>
+              <a:t>Finally we have clean data for each crime for each of the last 5 years. We create all the data for five years into one. Repeat for each specific crime we want to explore.</a:t>
+            </a:r>
+          </a:p>
+          <a:p>
+            <a:pPr marL="285750" indent="-285750">
+              <a:buFont typeface="Arial" panose="020B0604020202020204" pitchFamily="34" charset="0"/>
+              <a:buChar char="•"/>
+            </a:pPr>
             <a:endParaRPr lang="en-US" dirty="0"/>
           </a:p>
           <a:p>
-            <a:pPr algn="ctr"/>
+            <a:pPr marL="285750" indent="-285750">
+              <a:buFont typeface="Arial" panose="020B0604020202020204" pitchFamily="34" charset="0"/>
+              <a:buChar char="•"/>
+            </a:pPr>
             <a:endParaRPr lang="en-US" dirty="0"/>
           </a:p>
         </p:txBody>
@@ -5429,6 +5817,42 @@
             <a:off x="4935537" y="390525"/>
             <a:ext cx="7034185" cy="6200775"/>
           </a:xfrm>
+        </p:spPr>
+      </p:pic>
+      <p:pic>
+        <p:nvPicPr>
+          <p:cNvPr id="3" name="Picture 2">
+            <a:extLst>
+              <a:ext uri="{FF2B5EF4-FFF2-40B4-BE49-F238E27FC236}">
+                <a16:creationId xmlns:a16="http://schemas.microsoft.com/office/drawing/2014/main" id="{F2B6D52D-EE0D-4D81-B09F-C3CD23077972}"/>
+              </a:ext>
+            </a:extLst>
+          </p:cNvPr>
+          <p:cNvPicPr>
+            <a:picLocks noChangeAspect="1"/>
+          </p:cNvPicPr>
+          <p:nvPr/>
+        </p:nvPicPr>
+        <p:blipFill>
+          <a:blip r:embed="rId3">
+            <a:extLst>
+              <a:ext uri="{28A0092B-C50C-407E-A947-70E740481C1C}">
+                <a14:useLocalDpi xmlns:a14="http://schemas.microsoft.com/office/drawing/2010/main" val="0"/>
+              </a:ext>
+            </a:extLst>
+          </a:blip>
+          <a:stretch>
+            <a:fillRect/>
+          </a:stretch>
+        </p:blipFill>
+        <p:spPr>
+          <a:xfrm>
+            <a:off x="2293288" y="169285"/>
+            <a:ext cx="2426085" cy="1364673"/>
+          </a:xfrm>
+          <a:prstGeom prst="rect">
+            <a:avLst/>
+          </a:prstGeom>
         </p:spPr>
       </p:pic>
     </p:spTree>
@@ -5477,14 +5901,26 @@
             <p:ph type="title"/>
           </p:nvPr>
         </p:nvSpPr>
-        <p:spPr/>
+        <p:spPr>
+          <a:xfrm>
+            <a:off x="110836" y="457200"/>
+            <a:ext cx="4239491" cy="1219200"/>
+          </a:xfrm>
+        </p:spPr>
         <p:txBody>
           <a:bodyPr/>
           <a:lstStyle/>
           <a:p>
             <a:r>
-              <a:rPr lang="en-US" dirty="0"/>
-              <a:t>The Data: Crime Cleanup</a:t>
+              <a:rPr lang="en-US" b="1" dirty="0"/>
+              <a:t>The Data: </a:t>
+            </a:r>
+            <a:br>
+              <a:rPr lang="en-US" b="1" dirty="0"/>
+            </a:br>
+            <a:r>
+              <a:rPr lang="en-US" b="1" dirty="0"/>
+              <a:t>	Merging Weather</a:t>
             </a:r>
           </a:p>
         </p:txBody>
@@ -5505,7 +5941,12 @@
             <p:ph type="body" sz="half" idx="2"/>
           </p:nvPr>
         </p:nvSpPr>
-        <p:spPr/>
+        <p:spPr>
+          <a:xfrm>
+            <a:off x="110836" y="2015836"/>
+            <a:ext cx="3932237" cy="4745181"/>
+          </a:xfrm>
+        </p:spPr>
         <p:txBody>
           <a:bodyPr/>
           <a:lstStyle/>
@@ -5513,17 +5954,16 @@
             <a:endParaRPr lang="en-US" dirty="0"/>
           </a:p>
           <a:p>
-            <a:pPr algn="ctr"/>
             <a:endParaRPr lang="en-US" dirty="0"/>
           </a:p>
         </p:txBody>
       </p:sp>
       <p:pic>
         <p:nvPicPr>
-          <p:cNvPr id="11" name="Content Placeholder 10">
-            <a:extLst>
-              <a:ext uri="{FF2B5EF4-FFF2-40B4-BE49-F238E27FC236}">
-                <a16:creationId xmlns:a16="http://schemas.microsoft.com/office/drawing/2014/main" id="{E9173736-90D2-4BC5-B05C-7C6E3B47CCC8}"/>
+          <p:cNvPr id="20" name="Content Placeholder 19">
+            <a:extLst>
+              <a:ext uri="{FF2B5EF4-FFF2-40B4-BE49-F238E27FC236}">
+                <a16:creationId xmlns:a16="http://schemas.microsoft.com/office/drawing/2014/main" id="{9B7E5B89-8343-4B08-8923-A9B26051BF7A}"/>
               </a:ext>
             </a:extLst>
           </p:cNvPr>
@@ -5548,11 +5988,142 @@
         </p:blipFill>
         <p:spPr>
           <a:xfrm>
-            <a:off x="4772025" y="1018538"/>
-            <a:ext cx="7443418" cy="5382262"/>
+            <a:off x="4420158" y="457200"/>
+            <a:ext cx="7536826" cy="6118945"/>
           </a:xfrm>
         </p:spPr>
       </p:pic>
+      <p:pic>
+        <p:nvPicPr>
+          <p:cNvPr id="22" name="Picture 21">
+            <a:extLst>
+              <a:ext uri="{FF2B5EF4-FFF2-40B4-BE49-F238E27FC236}">
+                <a16:creationId xmlns:a16="http://schemas.microsoft.com/office/drawing/2014/main" id="{5DE5E06A-11E0-453D-A84D-D6280A2135E2}"/>
+              </a:ext>
+            </a:extLst>
+          </p:cNvPr>
+          <p:cNvPicPr>
+            <a:picLocks noChangeAspect="1"/>
+          </p:cNvPicPr>
+          <p:nvPr/>
+        </p:nvPicPr>
+        <p:blipFill>
+          <a:blip r:embed="rId3">
+            <a:extLst>
+              <a:ext uri="{28A0092B-C50C-407E-A947-70E740481C1C}">
+                <a14:useLocalDpi xmlns:a14="http://schemas.microsoft.com/office/drawing/2010/main" val="0"/>
+              </a:ext>
+            </a:extLst>
+          </a:blip>
+          <a:stretch>
+            <a:fillRect/>
+          </a:stretch>
+        </p:blipFill>
+        <p:spPr>
+          <a:xfrm>
+            <a:off x="4112903" y="0"/>
+            <a:ext cx="3728771" cy="6858000"/>
+          </a:xfrm>
+          <a:prstGeom prst="rect">
+            <a:avLst/>
+          </a:prstGeom>
+        </p:spPr>
+      </p:pic>
+      <p:sp>
+        <p:nvSpPr>
+          <p:cNvPr id="3" name="TextBox 2">
+            <a:extLst>
+              <a:ext uri="{FF2B5EF4-FFF2-40B4-BE49-F238E27FC236}">
+                <a16:creationId xmlns:a16="http://schemas.microsoft.com/office/drawing/2014/main" id="{92E407DC-1D82-4769-88A6-2D60E1835E0B}"/>
+              </a:ext>
+            </a:extLst>
+          </p:cNvPr>
+          <p:cNvSpPr txBox="1"/>
+          <p:nvPr/>
+        </p:nvSpPr>
+        <p:spPr>
+          <a:xfrm>
+            <a:off x="110837" y="2133600"/>
+            <a:ext cx="3932236" cy="3293209"/>
+          </a:xfrm>
+          <a:prstGeom prst="rect">
+            <a:avLst/>
+          </a:prstGeom>
+          <a:noFill/>
+        </p:spPr>
+        <p:txBody>
+          <a:bodyPr wrap="square" rtlCol="0">
+            <a:spAutoFit/>
+          </a:bodyPr>
+          <a:lstStyle/>
+          <a:p>
+            <a:pPr marL="285750" indent="-285750">
+              <a:buFont typeface="Arial" panose="020B0604020202020204" pitchFamily="34" charset="0"/>
+              <a:buChar char="•"/>
+            </a:pPr>
+            <a:endParaRPr lang="en-US" sz="1600" dirty="0"/>
+          </a:p>
+          <a:p>
+            <a:pPr marL="285750" indent="-285750">
+              <a:buFont typeface="Arial" panose="020B0604020202020204" pitchFamily="34" charset="0"/>
+              <a:buChar char="•"/>
+            </a:pPr>
+            <a:r>
+              <a:rPr lang="en-US" sz="1600" dirty="0"/>
+              <a:t>We merge the weather file into each crime/year file on date because we can easily filter out any dates without a reported incident for that crime</a:t>
+            </a:r>
+          </a:p>
+          <a:p>
+            <a:pPr marL="285750" indent="-285750">
+              <a:buFont typeface="Arial" panose="020B0604020202020204" pitchFamily="34" charset="0"/>
+              <a:buChar char="•"/>
+            </a:pPr>
+            <a:endParaRPr lang="en-US" sz="1600" dirty="0"/>
+          </a:p>
+          <a:p>
+            <a:pPr marL="285750" indent="-285750">
+              <a:buFont typeface="Arial" panose="020B0604020202020204" pitchFamily="34" charset="0"/>
+              <a:buChar char="•"/>
+            </a:pPr>
+            <a:r>
+              <a:rPr lang="en-US" sz="1600" dirty="0"/>
+              <a:t>We count up all the </a:t>
+            </a:r>
+            <a:r>
+              <a:rPr lang="en-US" sz="1600" dirty="0" err="1"/>
+              <a:t>NaN</a:t>
+            </a:r>
+            <a:r>
+              <a:rPr lang="en-US" sz="1600" dirty="0"/>
+              <a:t> values and record it and then drop all of them</a:t>
+            </a:r>
+          </a:p>
+          <a:p>
+            <a:pPr marL="285750" indent="-285750">
+              <a:buFont typeface="Arial" panose="020B0604020202020204" pitchFamily="34" charset="0"/>
+              <a:buChar char="•"/>
+            </a:pPr>
+            <a:endParaRPr lang="en-US" sz="1600" dirty="0"/>
+          </a:p>
+          <a:p>
+            <a:pPr marL="285750" indent="-285750">
+              <a:buFont typeface="Arial" panose="020B0604020202020204" pitchFamily="34" charset="0"/>
+              <a:buChar char="•"/>
+            </a:pPr>
+            <a:r>
+              <a:rPr lang="en-US" sz="1600" dirty="0"/>
+              <a:t>We reconfigure the Year column into an integer so the years don’t read with a .0 in our visualizations</a:t>
+            </a:r>
+          </a:p>
+          <a:p>
+            <a:pPr marL="285750" indent="-285750">
+              <a:buFont typeface="Arial" panose="020B0604020202020204" pitchFamily="34" charset="0"/>
+              <a:buChar char="•"/>
+            </a:pPr>
+            <a:endParaRPr lang="en-US" sz="1600" dirty="0"/>
+          </a:p>
+        </p:txBody>
+      </p:sp>
     </p:spTree>
     <p:extLst>
       <p:ext uri="{BB962C8B-B14F-4D97-AF65-F5344CB8AC3E}">
@@ -5569,14 +6140,6 @@
 <file path=ppt/slides/slide9.xml><?xml version="1.0" encoding="utf-8"?>
 <p:sld xmlns:a="http://schemas.openxmlformats.org/drawingml/2006/main" xmlns:r="http://schemas.openxmlformats.org/officeDocument/2006/relationships" xmlns:p="http://schemas.openxmlformats.org/presentationml/2006/main">
   <p:cSld>
-    <p:bg>
-      <p:bgPr>
-        <a:solidFill>
-          <a:schemeClr val="bg1"/>
-        </a:solidFill>
-        <a:effectLst/>
-      </p:bgPr>
-    </p:bg>
     <p:spTree>
       <p:nvGrpSpPr>
         <p:cNvPr id="1" name=""/>
@@ -5596,7 +6159,7 @@
           <p:cNvPr id="2" name="Title 1">
             <a:extLst>
               <a:ext uri="{FF2B5EF4-FFF2-40B4-BE49-F238E27FC236}">
-                <a16:creationId xmlns:a16="http://schemas.microsoft.com/office/drawing/2014/main" id="{E2CC25A0-0C14-4445-BD5B-6CDFB4E3C066}"/>
+                <a16:creationId xmlns:a16="http://schemas.microsoft.com/office/drawing/2014/main" id="{87EC6C27-80F3-41A2-BDB7-FCB0A6C5159C}"/>
               </a:ext>
             </a:extLst>
           </p:cNvPr>
@@ -5609,89 +6172,203 @@
         </p:nvSpPr>
         <p:spPr>
           <a:xfrm>
-            <a:off x="960100" y="978102"/>
-            <a:ext cx="10588434" cy="1062644"/>
-          </a:xfrm>
-        </p:spPr>
-        <p:txBody>
-          <a:bodyPr vert="horz" lIns="91440" tIns="45720" rIns="91440" bIns="45720" rtlCol="0" anchor="b">
-            <a:normAutofit fontScale="90000"/>
+            <a:off x="221673" y="457200"/>
+            <a:ext cx="4765963" cy="1219200"/>
+          </a:xfrm>
+        </p:spPr>
+        <p:txBody>
+          <a:bodyPr/>
+          <a:lstStyle/>
+          <a:p>
+            <a:r>
+              <a:rPr lang="en-US" b="1" dirty="0"/>
+              <a:t>The Data:</a:t>
+            </a:r>
+            <a:br>
+              <a:rPr lang="en-US" b="1" dirty="0"/>
+            </a:br>
+            <a:r>
+              <a:rPr lang="en-US" b="1" dirty="0"/>
+              <a:t>	Problems and Insights</a:t>
+            </a:r>
+          </a:p>
+        </p:txBody>
+      </p:sp>
+      <p:sp>
+        <p:nvSpPr>
+          <p:cNvPr id="3" name="Content Placeholder 2">
+            <a:extLst>
+              <a:ext uri="{FF2B5EF4-FFF2-40B4-BE49-F238E27FC236}">
+                <a16:creationId xmlns:a16="http://schemas.microsoft.com/office/drawing/2014/main" id="{E81A5821-1548-4C46-B229-D6CB1A9E358F}"/>
+              </a:ext>
+            </a:extLst>
+          </p:cNvPr>
+          <p:cNvSpPr>
+            <a:spLocks noGrp="1"/>
+          </p:cNvSpPr>
+          <p:nvPr>
+            <p:ph idx="1"/>
+          </p:nvPr>
+        </p:nvSpPr>
+        <p:spPr>
+          <a:xfrm>
+            <a:off x="6096000" y="2078182"/>
+            <a:ext cx="5637211" cy="2466109"/>
+          </a:xfrm>
+        </p:spPr>
+        <p:txBody>
+          <a:bodyPr>
+            <a:normAutofit lnSpcReduction="10000"/>
           </a:bodyPr>
           <a:lstStyle/>
           <a:p>
-            <a:r>
-              <a:rPr lang="en-US" sz="4400" dirty="0"/>
-              <a:t>Statistical Analysis: Pearson Correlation Coefficient</a:t>
-            </a:r>
-          </a:p>
-        </p:txBody>
-      </p:sp>
-      <p:cxnSp>
-        <p:nvCxnSpPr>
-          <p:cNvPr id="135" name="Straight Connector 134">
-            <a:extLst>
-              <a:ext uri="{FF2B5EF4-FFF2-40B4-BE49-F238E27FC236}">
-                <a16:creationId xmlns:a16="http://schemas.microsoft.com/office/drawing/2014/main" id="{39B7FDC9-F0CE-43A7-9F2A-83DD09DC3453}"/>
-              </a:ext>
-              <a:ext uri="{C183D7F6-B498-43B3-948B-1728B52AA6E4}">
-                <adec:decorative xmlns:adec="http://schemas.microsoft.com/office/drawing/2017/decorative" val="1"/>
-              </a:ext>
-            </a:extLst>
-          </p:cNvPr>
-          <p:cNvCxnSpPr>
-            <a:cxnSpLocks noGrp="1" noRot="1" noChangeAspect="1" noMove="1" noResize="1" noEditPoints="1" noAdjustHandles="1" noChangeArrowheads="1" noChangeShapeType="1"/>
-          </p:cNvCxnSpPr>
-          <p:nvPr>
-            <p:extLst>
-              <p:ext uri="{386F3935-93C4-4BCD-93E2-E3B085C9AB24}">
-                <p16:designElem xmlns:p16="http://schemas.microsoft.com/office/powerpoint/2015/main" val="1"/>
-              </p:ext>
-            </p:extLst>
-          </p:nvPr>
-        </p:nvCxnSpPr>
-        <p:spPr>
-          <a:xfrm>
-            <a:off x="1047624" y="2265037"/>
-            <a:ext cx="10125012" cy="0"/>
-          </a:xfrm>
-          <a:prstGeom prst="line">
-            <a:avLst/>
-          </a:prstGeom>
-          <a:ln w="15875">
-            <a:solidFill>
-              <a:schemeClr val="tx1">
-                <a:lumMod val="65000"/>
-                <a:lumOff val="35000"/>
-              </a:schemeClr>
-            </a:solidFill>
-          </a:ln>
-        </p:spPr>
-        <p:style>
-          <a:lnRef idx="1">
-            <a:schemeClr val="accent1"/>
-          </a:lnRef>
-          <a:fillRef idx="0">
-            <a:schemeClr val="accent1"/>
-          </a:fillRef>
-          <a:effectRef idx="0">
-            <a:schemeClr val="accent1"/>
-          </a:effectRef>
-          <a:fontRef idx="minor">
-            <a:schemeClr val="tx1"/>
-          </a:fontRef>
-        </p:style>
-      </p:cxnSp>
+            <a:pPr marL="0" indent="0" algn="ctr">
+              <a:buNone/>
+            </a:pPr>
+            <a:endParaRPr lang="en-US" sz="1600" i="1" dirty="0"/>
+          </a:p>
+          <a:p>
+            <a:pPr marL="0" indent="0" algn="ctr">
+              <a:buNone/>
+            </a:pPr>
+            <a:r>
+              <a:rPr lang="en-US" sz="1600" dirty="0"/>
+              <a:t>Insights</a:t>
+            </a:r>
+          </a:p>
+          <a:p>
+            <a:r>
+              <a:rPr lang="en-US" sz="1600" dirty="0"/>
+              <a:t>One insight we had was that there was so much data, we had a lot of visualization and comparison choices that we could choose from</a:t>
+            </a:r>
+          </a:p>
+          <a:p>
+            <a:r>
+              <a:rPr lang="en-US" sz="1600" dirty="0"/>
+              <a:t>Another insight we had was that when people are working on a project together, placement of some code pertaining to make things  visually appealing matters because of the overlap.</a:t>
+            </a:r>
+          </a:p>
+          <a:p>
+            <a:pPr lvl="1"/>
+            <a:r>
+              <a:rPr lang="en-US" sz="1400" dirty="0"/>
+              <a:t>E.g. code taking out .0 from the end of the Year worked better later down the code ladder than where it originally was</a:t>
+            </a:r>
+          </a:p>
+          <a:p>
+            <a:endParaRPr lang="en-US" sz="1600" dirty="0"/>
+          </a:p>
+        </p:txBody>
+      </p:sp>
+      <p:sp>
+        <p:nvSpPr>
+          <p:cNvPr id="4" name="Text Placeholder 3">
+            <a:extLst>
+              <a:ext uri="{FF2B5EF4-FFF2-40B4-BE49-F238E27FC236}">
+                <a16:creationId xmlns:a16="http://schemas.microsoft.com/office/drawing/2014/main" id="{DE9E7986-FDDB-474C-B84A-BB5610955629}"/>
+              </a:ext>
+            </a:extLst>
+          </p:cNvPr>
+          <p:cNvSpPr>
+            <a:spLocks noGrp="1"/>
+          </p:cNvSpPr>
+          <p:nvPr>
+            <p:ph type="body" sz="half" idx="2"/>
+          </p:nvPr>
+        </p:nvSpPr>
+        <p:spPr>
+          <a:xfrm>
+            <a:off x="360217" y="2078182"/>
+            <a:ext cx="5237018" cy="4539240"/>
+          </a:xfrm>
+        </p:spPr>
+        <p:txBody>
+          <a:bodyPr>
+            <a:normAutofit/>
+          </a:bodyPr>
+          <a:lstStyle/>
+          <a:p>
+            <a:pPr algn="ctr"/>
+            <a:r>
+              <a:rPr lang="en-US" dirty="0"/>
+              <a:t>Problems</a:t>
+            </a:r>
+          </a:p>
+          <a:p>
+            <a:pPr marL="285750" indent="-285750">
+              <a:buFont typeface="Arial" panose="020B0604020202020204" pitchFamily="34" charset="0"/>
+              <a:buChar char="•"/>
+            </a:pPr>
+            <a:r>
+              <a:rPr lang="en-US" dirty="0"/>
+              <a:t>Our issues we didn’t foresee during data cleanup mostly had to do with breaking down the data enough to be able to use for visualization. In a plethora of provided data, there are still lots of bridges to be built inbetween them to get seemingly easy information.</a:t>
+            </a:r>
+          </a:p>
+          <a:p>
+            <a:pPr marL="742950" lvl="1" indent="-285750">
+              <a:buFont typeface="Arial" panose="020B0604020202020204" pitchFamily="34" charset="0"/>
+              <a:buChar char="•"/>
+            </a:pPr>
+            <a:r>
+              <a:rPr lang="en-US" dirty="0"/>
+              <a:t>One of the easier examples of this getting the combined number of reported incidents for a specified crime per date</a:t>
+            </a:r>
+          </a:p>
+          <a:p>
+            <a:pPr marL="742950" lvl="1" indent="-285750">
+              <a:buFont typeface="Arial" panose="020B0604020202020204" pitchFamily="34" charset="0"/>
+              <a:buChar char="•"/>
+            </a:pPr>
+            <a:r>
+              <a:rPr lang="en-US" dirty="0"/>
+              <a:t>Another example is breaking down the Date into Month, Day and Year so grouping and visualization wasn’t limited to one specific variable (YYYY/MM/DD)</a:t>
+            </a:r>
+          </a:p>
+          <a:p>
+            <a:pPr marL="742950" lvl="1" indent="-285750">
+              <a:buFont typeface="Arial" panose="020B0604020202020204" pitchFamily="34" charset="0"/>
+              <a:buChar char="•"/>
+            </a:pPr>
+            <a:endParaRPr lang="en-US" dirty="0"/>
+          </a:p>
+          <a:p>
+            <a:pPr marL="285750" indent="-285750">
+              <a:buFont typeface="Arial" panose="020B0604020202020204" pitchFamily="34" charset="0"/>
+              <a:buChar char="•"/>
+            </a:pPr>
+            <a:r>
+              <a:rPr lang="en-US" dirty="0"/>
+              <a:t>Another issue we had was missing data from </a:t>
+            </a:r>
+            <a:r>
+              <a:rPr lang="en-US" dirty="0" err="1"/>
+              <a:t>OpenWeatherMap</a:t>
+            </a:r>
+            <a:endParaRPr lang="en-US" dirty="0"/>
+          </a:p>
+          <a:p>
+            <a:pPr marL="742950" lvl="1" indent="-285750">
+              <a:buFont typeface="Arial" panose="020B0604020202020204" pitchFamily="34" charset="0"/>
+              <a:buChar char="•"/>
+            </a:pPr>
+            <a:r>
+              <a:rPr lang="en-US" dirty="0"/>
+              <a:t>There was a large gap of missing weather data that made us drop all crime incidents between 08-2014 to 06-2015</a:t>
+            </a:r>
+          </a:p>
+        </p:txBody>
+      </p:sp>
       <p:pic>
         <p:nvPicPr>
-          <p:cNvPr id="2050" name="Picture 2" descr="Correlation">
-            <a:extLst>
-              <a:ext uri="{FF2B5EF4-FFF2-40B4-BE49-F238E27FC236}">
-                <a16:creationId xmlns:a16="http://schemas.microsoft.com/office/drawing/2014/main" id="{929CC62D-025D-4821-B5A3-976EC7E6FFC5}"/>
+          <p:cNvPr id="6" name="Picture 5">
+            <a:extLst>
+              <a:ext uri="{FF2B5EF4-FFF2-40B4-BE49-F238E27FC236}">
+                <a16:creationId xmlns:a16="http://schemas.microsoft.com/office/drawing/2014/main" id="{F7905BD5-BC57-4B0A-8D15-5EF62FDC9476}"/>
               </a:ext>
             </a:extLst>
           </p:cNvPr>
           <p:cNvPicPr>
-            <a:picLocks noChangeAspect="1" noChangeArrowheads="1"/>
+            <a:picLocks noChangeAspect="1"/>
           </p:cNvPicPr>
           <p:nvPr/>
         </p:nvPicPr>
@@ -5707,93 +6384,82 @@
             <a:fillRect/>
           </a:stretch>
         </p:blipFill>
-        <p:spPr bwMode="auto">
-          <a:xfrm>
-            <a:off x="1114023" y="3483454"/>
-            <a:ext cx="3366480" cy="1355008"/>
+        <p:spPr>
+          <a:xfrm>
+            <a:off x="6096000" y="138547"/>
+            <a:ext cx="5637212" cy="2078182"/>
+          </a:xfrm>
+          <a:prstGeom prst="rect">
+            <a:avLst/>
+          </a:prstGeom>
+        </p:spPr>
+      </p:pic>
+      <p:sp>
+        <p:nvSpPr>
+          <p:cNvPr id="7" name="TextBox 6">
+            <a:extLst>
+              <a:ext uri="{FF2B5EF4-FFF2-40B4-BE49-F238E27FC236}">
+                <a16:creationId xmlns:a16="http://schemas.microsoft.com/office/drawing/2014/main" id="{074FDC2A-B5EB-4B8B-9F42-EB80B6D0D17C}"/>
+              </a:ext>
+            </a:extLst>
+          </p:cNvPr>
+          <p:cNvSpPr txBox="1"/>
+          <p:nvPr/>
+        </p:nvSpPr>
+        <p:spPr>
+          <a:xfrm>
+            <a:off x="6096000" y="4689764"/>
+            <a:ext cx="5595644" cy="1538883"/>
           </a:xfrm>
           <a:prstGeom prst="rect">
             <a:avLst/>
           </a:prstGeom>
           <a:noFill/>
-          <a:extLst>
-            <a:ext uri="{909E8E84-426E-40DD-AFC4-6F175D3DCCD1}">
-              <a14:hiddenFill xmlns:a14="http://schemas.microsoft.com/office/drawing/2010/main">
-                <a:solidFill>
-                  <a:srgbClr val="FFFFFF"/>
-                </a:solidFill>
-              </a14:hiddenFill>
-            </a:ext>
-          </a:extLst>
-        </p:spPr>
-      </p:pic>
-      <p:sp>
-        <p:nvSpPr>
-          <p:cNvPr id="4" name="Text Placeholder 3">
-            <a:extLst>
-              <a:ext uri="{FF2B5EF4-FFF2-40B4-BE49-F238E27FC236}">
-                <a16:creationId xmlns:a16="http://schemas.microsoft.com/office/drawing/2014/main" id="{03F646AD-70CA-4FC9-A261-F9883EF7EE82}"/>
-              </a:ext>
-            </a:extLst>
-          </p:cNvPr>
-          <p:cNvSpPr>
-            <a:spLocks noGrp="1"/>
-          </p:cNvSpPr>
-          <p:nvPr>
-            <p:ph type="body" sz="half" idx="2"/>
-          </p:nvPr>
-        </p:nvSpPr>
-        <p:spPr>
-          <a:xfrm>
-            <a:off x="4955354" y="3354785"/>
-            <a:ext cx="6282169" cy="3215749"/>
-          </a:xfrm>
-        </p:spPr>
-        <p:txBody>
-          <a:bodyPr vert="horz" lIns="91440" tIns="45720" rIns="91440" bIns="45720" rtlCol="0">
-            <a:normAutofit/>
+        </p:spPr>
+        <p:txBody>
+          <a:bodyPr wrap="square" rtlCol="0">
+            <a:spAutoFit/>
           </a:bodyPr>
           <a:lstStyle/>
           <a:p>
-            <a:pPr indent="-228600">
+            <a:pPr algn="ctr"/>
+            <a:r>
+              <a:rPr lang="en-US" sz="1600" dirty="0"/>
+              <a:t>If I had two more weeks…</a:t>
+            </a:r>
+          </a:p>
+          <a:p>
+            <a:pPr algn="ctr"/>
+            <a:endParaRPr lang="en-US" dirty="0"/>
+          </a:p>
+          <a:p>
+            <a:pPr marL="285750" indent="-285750">
               <a:buFont typeface="Arial" panose="020B0604020202020204" pitchFamily="34" charset="0"/>
               <a:buChar char="•"/>
             </a:pPr>
             <a:r>
-              <a:rPr lang="en-US" sz="2400" b="1" dirty="0"/>
-              <a:t>correlation coefficient</a:t>
-            </a:r>
-            <a:r>
-              <a:rPr lang="en-US" sz="2400" dirty="0"/>
-              <a:t> is a measure of the strength of the linear relationship between two variables.</a:t>
-            </a:r>
-          </a:p>
-          <a:p>
-            <a:pPr marL="285750" indent="-228600">
+              <a:rPr lang="en-US" sz="1400" dirty="0"/>
+              <a:t>I think if I could research how to manipulate file and variable names, I could probably loop datamining CPD crime based </a:t>
+            </a:r>
+            <a:r>
+              <a:rPr lang="en-US" sz="1400"/>
+              <a:t>on the year of the csv file</a:t>
+            </a:r>
+            <a:endParaRPr lang="en-US" sz="1400" dirty="0"/>
+          </a:p>
+          <a:p>
+            <a:pPr marL="285750" indent="-285750">
               <a:buFont typeface="Arial" panose="020B0604020202020204" pitchFamily="34" charset="0"/>
               <a:buChar char="•"/>
             </a:pPr>
-            <a:r>
-              <a:rPr lang="en-US" sz="2400" dirty="0"/>
-              <a:t>A perfect positive linear relationship, r = 1.</a:t>
-            </a:r>
-          </a:p>
-          <a:p>
-            <a:pPr marL="285750" indent="-228600">
-              <a:buFont typeface="Arial" panose="020B0604020202020204" pitchFamily="34" charset="0"/>
-              <a:buChar char="•"/>
-            </a:pPr>
-            <a:r>
-              <a:rPr lang="en-US" sz="2400" dirty="0"/>
-              <a:t>A perfect negative linear relationship, r = -1.</a:t>
-            </a:r>
+            <a:endParaRPr lang="en-US" dirty="0"/>
           </a:p>
         </p:txBody>
       </p:sp>
     </p:spTree>
     <p:extLst>
       <p:ext uri="{BB962C8B-B14F-4D97-AF65-F5344CB8AC3E}">
-        <p14:creationId xmlns:p14="http://schemas.microsoft.com/office/powerpoint/2010/main" val="921853661"/>
+        <p14:creationId xmlns:p14="http://schemas.microsoft.com/office/powerpoint/2010/main" val="2875973886"/>
       </p:ext>
     </p:extLst>
   </p:cSld>

--- a/Weather_vs_Crime.pptx
+++ b/Weather_vs_Crime.pptx
@@ -14,8 +14,12 @@
     <p:sldId id="261" r:id="rId8"/>
     <p:sldId id="263" r:id="rId9"/>
     <p:sldId id="268" r:id="rId10"/>
-    <p:sldId id="266" r:id="rId11"/>
-    <p:sldId id="264" r:id="rId12"/>
+    <p:sldId id="269" r:id="rId11"/>
+    <p:sldId id="270" r:id="rId12"/>
+    <p:sldId id="271" r:id="rId13"/>
+    <p:sldId id="266" r:id="rId14"/>
+    <p:sldId id="264" r:id="rId15"/>
+    <p:sldId id="272" r:id="rId16"/>
   </p:sldIdLst>
   <p:sldSz cx="12192000" cy="6858000"/>
   <p:notesSz cx="6858000" cy="9144000"/>
@@ -3667,6 +3671,981 @@
       </p:grpSpPr>
       <p:sp>
         <p:nvSpPr>
+          <p:cNvPr id="11" name="Rectangle 10">
+            <a:extLst>
+              <a:ext uri="{FF2B5EF4-FFF2-40B4-BE49-F238E27FC236}">
+                <a16:creationId xmlns:a16="http://schemas.microsoft.com/office/drawing/2014/main" id="{867D4867-5BA7-4462-B2F6-A23F4A622AA7}"/>
+              </a:ext>
+              <a:ext uri="{C183D7F6-B498-43B3-948B-1728B52AA6E4}">
+                <adec:decorative xmlns:adec="http://schemas.microsoft.com/office/drawing/2017/decorative" val="1"/>
+              </a:ext>
+            </a:extLst>
+          </p:cNvPr>
+          <p:cNvSpPr>
+            <a:spLocks noGrp="1" noRot="1" noChangeAspect="1" noMove="1" noResize="1" noEditPoints="1" noAdjustHandles="1" noChangeArrowheads="1" noChangeShapeType="1" noTextEdit="1"/>
+          </p:cNvSpPr>
+          <p:nvPr>
+            <p:extLst>
+              <p:ext uri="{386F3935-93C4-4BCD-93E2-E3B085C9AB24}">
+                <p16:designElem xmlns:p16="http://schemas.microsoft.com/office/powerpoint/2015/main" val="1"/>
+              </p:ext>
+            </p:extLst>
+          </p:nvPr>
+        </p:nvSpPr>
+        <p:spPr>
+          <a:xfrm>
+            <a:off x="0" y="0"/>
+            <a:ext cx="4654296" cy="6858000"/>
+          </a:xfrm>
+          <a:prstGeom prst="rect">
+            <a:avLst/>
+          </a:prstGeom>
+          <a:solidFill>
+            <a:schemeClr val="tx1">
+              <a:lumMod val="75000"/>
+              <a:lumOff val="25000"/>
+            </a:schemeClr>
+          </a:solidFill>
+          <a:ln>
+            <a:noFill/>
+          </a:ln>
+        </p:spPr>
+        <p:style>
+          <a:lnRef idx="0">
+            <a:scrgbClr r="0" g="0" b="0"/>
+          </a:lnRef>
+          <a:fillRef idx="0">
+            <a:scrgbClr r="0" g="0" b="0"/>
+          </a:fillRef>
+          <a:effectRef idx="0">
+            <a:scrgbClr r="0" g="0" b="0"/>
+          </a:effectRef>
+          <a:fontRef idx="minor">
+            <a:schemeClr val="lt1"/>
+          </a:fontRef>
+        </p:style>
+        <p:txBody>
+          <a:bodyPr rtlCol="0" anchor="ctr"/>
+          <a:lstStyle/>
+          <a:p>
+            <a:pPr algn="ctr"/>
+            <a:endParaRPr lang="en-US"/>
+          </a:p>
+        </p:txBody>
+      </p:sp>
+      <p:sp>
+        <p:nvSpPr>
+          <p:cNvPr id="2" name="Title 1">
+            <a:extLst>
+              <a:ext uri="{FF2B5EF4-FFF2-40B4-BE49-F238E27FC236}">
+                <a16:creationId xmlns:a16="http://schemas.microsoft.com/office/drawing/2014/main" id="{6493471A-CE75-C840-9FBD-AD80FA9014C7}"/>
+              </a:ext>
+            </a:extLst>
+          </p:cNvPr>
+          <p:cNvSpPr>
+            <a:spLocks noGrp="1"/>
+          </p:cNvSpPr>
+          <p:nvPr>
+            <p:ph type="title"/>
+          </p:nvPr>
+        </p:nvSpPr>
+        <p:spPr>
+          <a:xfrm>
+            <a:off x="643467" y="643467"/>
+            <a:ext cx="3363974" cy="1597315"/>
+          </a:xfrm>
+          <a:noFill/>
+          <a:ln w="19050">
+            <a:solidFill>
+              <a:schemeClr val="bg1"/>
+            </a:solidFill>
+          </a:ln>
+        </p:spPr>
+        <p:txBody>
+          <a:bodyPr vert="horz" wrap="square" lIns="91440" tIns="45720" rIns="91440" bIns="45720" rtlCol="0" anchor="ctr">
+            <a:normAutofit/>
+          </a:bodyPr>
+          <a:lstStyle/>
+          <a:p>
+            <a:pPr algn="ctr"/>
+            <a:r>
+              <a:rPr lang="en-US" sz="2800" kern="1200">
+                <a:solidFill>
+                  <a:schemeClr val="bg1"/>
+                </a:solidFill>
+                <a:latin typeface="+mj-lt"/>
+                <a:ea typeface="+mj-ea"/>
+                <a:cs typeface="+mj-cs"/>
+              </a:rPr>
+              <a:t>The Data: Analysis Process</a:t>
+            </a:r>
+          </a:p>
+        </p:txBody>
+      </p:sp>
+      <p:sp>
+        <p:nvSpPr>
+          <p:cNvPr id="4" name="Text Placeholder 3">
+            <a:extLst>
+              <a:ext uri="{FF2B5EF4-FFF2-40B4-BE49-F238E27FC236}">
+                <a16:creationId xmlns:a16="http://schemas.microsoft.com/office/drawing/2014/main" id="{98750AB1-569F-934C-8635-E7A4B21E49F6}"/>
+              </a:ext>
+            </a:extLst>
+          </p:cNvPr>
+          <p:cNvSpPr>
+            <a:spLocks noGrp="1"/>
+          </p:cNvSpPr>
+          <p:nvPr>
+            <p:ph type="body" sz="half" idx="2"/>
+          </p:nvPr>
+        </p:nvSpPr>
+        <p:spPr>
+          <a:xfrm>
+            <a:off x="643468" y="2638044"/>
+            <a:ext cx="3363974" cy="3415622"/>
+          </a:xfrm>
+        </p:spPr>
+        <p:txBody>
+          <a:bodyPr vert="horz" lIns="91440" tIns="45720" rIns="91440" bIns="45720" rtlCol="0">
+            <a:normAutofit/>
+          </a:bodyPr>
+          <a:lstStyle/>
+          <a:p>
+            <a:pPr indent="-228600">
+              <a:buFont typeface="Arial" panose="020B0604020202020204" pitchFamily="34" charset="0"/>
+              <a:buChar char="•"/>
+            </a:pPr>
+            <a:endParaRPr lang="en-US" sz="2000">
+              <a:solidFill>
+                <a:schemeClr val="bg1"/>
+              </a:solidFill>
+            </a:endParaRPr>
+          </a:p>
+          <a:p>
+            <a:pPr indent="-228600">
+              <a:buFont typeface="Arial" panose="020B0604020202020204" pitchFamily="34" charset="0"/>
+              <a:buChar char="•"/>
+            </a:pPr>
+            <a:endParaRPr lang="en-US" sz="2000">
+              <a:solidFill>
+                <a:schemeClr val="bg1"/>
+              </a:solidFill>
+            </a:endParaRPr>
+          </a:p>
+          <a:p>
+            <a:pPr indent="-228600">
+              <a:buFont typeface="Arial" panose="020B0604020202020204" pitchFamily="34" charset="0"/>
+              <a:buChar char="•"/>
+            </a:pPr>
+            <a:endParaRPr lang="en-US" sz="2000">
+              <a:solidFill>
+                <a:schemeClr val="bg1"/>
+              </a:solidFill>
+            </a:endParaRPr>
+          </a:p>
+          <a:p>
+            <a:pPr indent="-228600">
+              <a:buFont typeface="Arial" panose="020B0604020202020204" pitchFamily="34" charset="0"/>
+              <a:buChar char="•"/>
+            </a:pPr>
+            <a:r>
+              <a:rPr lang="en-US" sz="2000">
+                <a:solidFill>
+                  <a:schemeClr val="bg1"/>
+                </a:solidFill>
+              </a:rPr>
+              <a:t>Let us first look at trend in temperature in the past 5 years. </a:t>
+            </a:r>
+          </a:p>
+          <a:p>
+            <a:pPr indent="-228600">
+              <a:buFont typeface="Arial" panose="020B0604020202020204" pitchFamily="34" charset="0"/>
+              <a:buChar char="•"/>
+            </a:pPr>
+            <a:r>
+              <a:rPr lang="en-US" sz="2000">
+                <a:solidFill>
+                  <a:schemeClr val="bg1"/>
+                </a:solidFill>
+              </a:rPr>
+              <a:t>The incomplete line is due to insufficient data that wasn’t recorded from August 2014 to June 2015</a:t>
+            </a:r>
+          </a:p>
+        </p:txBody>
+      </p:sp>
+      <p:pic>
+        <p:nvPicPr>
+          <p:cNvPr id="6" name="Content Placeholder 5" descr="A close up of a map&#10;&#10;Description automatically generated">
+            <a:extLst>
+              <a:ext uri="{FF2B5EF4-FFF2-40B4-BE49-F238E27FC236}">
+                <a16:creationId xmlns:a16="http://schemas.microsoft.com/office/drawing/2014/main" id="{62DE73B5-3C17-9041-8C7D-9D0730F1C488}"/>
+              </a:ext>
+            </a:extLst>
+          </p:cNvPr>
+          <p:cNvPicPr>
+            <a:picLocks noGrp="1" noChangeAspect="1"/>
+          </p:cNvPicPr>
+          <p:nvPr>
+            <p:ph idx="1"/>
+          </p:nvPr>
+        </p:nvPicPr>
+        <p:blipFill>
+          <a:blip r:embed="rId2">
+            <a:extLst>
+              <a:ext uri="{28A0092B-C50C-407E-A947-70E740481C1C}">
+                <a14:useLocalDpi xmlns:a14="http://schemas.microsoft.com/office/drawing/2010/main" val="0"/>
+              </a:ext>
+            </a:extLst>
+          </a:blip>
+          <a:stretch>
+            <a:fillRect/>
+          </a:stretch>
+        </p:blipFill>
+        <p:spPr>
+          <a:xfrm>
+            <a:off x="5297763" y="1262372"/>
+            <a:ext cx="6250769" cy="4172388"/>
+          </a:xfrm>
+          <a:prstGeom prst="rect">
+            <a:avLst/>
+          </a:prstGeom>
+        </p:spPr>
+      </p:pic>
+    </p:spTree>
+    <p:extLst>
+      <p:ext uri="{BB962C8B-B14F-4D97-AF65-F5344CB8AC3E}">
+        <p14:creationId xmlns:p14="http://schemas.microsoft.com/office/powerpoint/2010/main" val="463449078"/>
+      </p:ext>
+    </p:extLst>
+  </p:cSld>
+  <p:clrMapOvr>
+    <a:masterClrMapping/>
+  </p:clrMapOvr>
+</p:sld>
+</file>
+
+<file path=ppt/slides/slide11.xml><?xml version="1.0" encoding="utf-8"?>
+<p:sld xmlns:a="http://schemas.openxmlformats.org/drawingml/2006/main" xmlns:r="http://schemas.openxmlformats.org/officeDocument/2006/relationships" xmlns:p="http://schemas.openxmlformats.org/presentationml/2006/main">
+  <p:cSld>
+    <p:bg>
+      <p:bgPr>
+        <a:solidFill>
+          <a:schemeClr val="bg1"/>
+        </a:solidFill>
+        <a:effectLst/>
+      </p:bgPr>
+    </p:bg>
+    <p:spTree>
+      <p:nvGrpSpPr>
+        <p:cNvPr id="1" name=""/>
+        <p:cNvGrpSpPr/>
+        <p:nvPr/>
+      </p:nvGrpSpPr>
+      <p:grpSpPr>
+        <a:xfrm>
+          <a:off x="0" y="0"/>
+          <a:ext cx="0" cy="0"/>
+          <a:chOff x="0" y="0"/>
+          <a:chExt cx="0" cy="0"/>
+        </a:xfrm>
+      </p:grpSpPr>
+      <p:sp>
+        <p:nvSpPr>
+          <p:cNvPr id="17" name="Rectangle 16">
+            <a:extLst>
+              <a:ext uri="{FF2B5EF4-FFF2-40B4-BE49-F238E27FC236}">
+                <a16:creationId xmlns:a16="http://schemas.microsoft.com/office/drawing/2014/main" id="{F0618178-4B5C-46A4-9E68-052C31FA6E9A}"/>
+              </a:ext>
+              <a:ext uri="{C183D7F6-B498-43B3-948B-1728B52AA6E4}">
+                <adec:decorative xmlns:adec="http://schemas.microsoft.com/office/drawing/2017/decorative" val="1"/>
+              </a:ext>
+            </a:extLst>
+          </p:cNvPr>
+          <p:cNvSpPr>
+            <a:spLocks noGrp="1" noRot="1" noChangeAspect="1" noMove="1" noResize="1" noEditPoints="1" noAdjustHandles="1" noChangeArrowheads="1" noChangeShapeType="1" noTextEdit="1"/>
+          </p:cNvSpPr>
+          <p:nvPr>
+            <p:extLst>
+              <p:ext uri="{386F3935-93C4-4BCD-93E2-E3B085C9AB24}">
+                <p16:designElem xmlns:p16="http://schemas.microsoft.com/office/powerpoint/2015/main" val="1"/>
+              </p:ext>
+            </p:extLst>
+          </p:nvPr>
+        </p:nvSpPr>
+        <p:spPr bwMode="ltGray">
+          <a:xfrm>
+            <a:off x="4708357" y="3509963"/>
+            <a:ext cx="7092215" cy="2967839"/>
+          </a:xfrm>
+          <a:prstGeom prst="rect">
+            <a:avLst/>
+          </a:prstGeom>
+          <a:solidFill>
+            <a:srgbClr val="404040"/>
+          </a:solidFill>
+          <a:ln w="127000" cap="sq" cmpd="thinThick">
+            <a:solidFill>
+              <a:srgbClr val="404040"/>
+            </a:solidFill>
+          </a:ln>
+        </p:spPr>
+        <p:style>
+          <a:lnRef idx="2">
+            <a:schemeClr val="accent1">
+              <a:shade val="50000"/>
+            </a:schemeClr>
+          </a:lnRef>
+          <a:fillRef idx="1">
+            <a:schemeClr val="accent1"/>
+          </a:fillRef>
+          <a:effectRef idx="0">
+            <a:schemeClr val="accent1"/>
+          </a:effectRef>
+          <a:fontRef idx="minor">
+            <a:schemeClr val="lt1"/>
+          </a:fontRef>
+        </p:style>
+        <p:txBody>
+          <a:bodyPr rtlCol="0" anchor="ctr"/>
+          <a:lstStyle/>
+          <a:p>
+            <a:pPr algn="ctr"/>
+            <a:endParaRPr lang="en-US" dirty="0"/>
+          </a:p>
+        </p:txBody>
+      </p:sp>
+      <p:sp>
+        <p:nvSpPr>
+          <p:cNvPr id="2" name="Title 1">
+            <a:extLst>
+              <a:ext uri="{FF2B5EF4-FFF2-40B4-BE49-F238E27FC236}">
+                <a16:creationId xmlns:a16="http://schemas.microsoft.com/office/drawing/2014/main" id="{CA487C24-1972-E540-AD2A-ECCBF3D59679}"/>
+              </a:ext>
+            </a:extLst>
+          </p:cNvPr>
+          <p:cNvSpPr>
+            <a:spLocks noGrp="1"/>
+          </p:cNvSpPr>
+          <p:nvPr>
+            <p:ph type="title"/>
+          </p:nvPr>
+        </p:nvSpPr>
+        <p:spPr>
+          <a:xfrm>
+            <a:off x="5021821" y="3812954"/>
+            <a:ext cx="6465287" cy="1516014"/>
+          </a:xfrm>
+        </p:spPr>
+        <p:txBody>
+          <a:bodyPr vert="horz" lIns="91440" tIns="45720" rIns="91440" bIns="45720" rtlCol="0" anchor="b">
+            <a:normAutofit/>
+          </a:bodyPr>
+          <a:lstStyle/>
+          <a:p>
+            <a:r>
+              <a:rPr lang="en-US" sz="3400">
+                <a:solidFill>
+                  <a:srgbClr val="FFFFFF"/>
+                </a:solidFill>
+              </a:rPr>
+              <a:t>Now let’s take a look at the Trend in 4 Categories of Violent Crimes in the past 5 years</a:t>
+            </a:r>
+          </a:p>
+        </p:txBody>
+      </p:sp>
+      <p:pic>
+        <p:nvPicPr>
+          <p:cNvPr id="12" name="Picture 11" descr="A close up of a map&#10;&#10;Description automatically generated">
+            <a:extLst>
+              <a:ext uri="{FF2B5EF4-FFF2-40B4-BE49-F238E27FC236}">
+                <a16:creationId xmlns:a16="http://schemas.microsoft.com/office/drawing/2014/main" id="{B90A2A23-5A7E-034C-9E0E-F30BE7AB24E1}"/>
+              </a:ext>
+            </a:extLst>
+          </p:cNvPr>
+          <p:cNvPicPr>
+            <a:picLocks noChangeAspect="1"/>
+          </p:cNvPicPr>
+          <p:nvPr/>
+        </p:nvPicPr>
+        <p:blipFill rotWithShape="1">
+          <a:blip r:embed="rId2">
+            <a:extLst>
+              <a:ext uri="{28A0092B-C50C-407E-A947-70E740481C1C}">
+                <a14:useLocalDpi xmlns:a14="http://schemas.microsoft.com/office/drawing/2010/main" val="0"/>
+              </a:ext>
+            </a:extLst>
+          </a:blip>
+          <a:srcRect l="11236" r="9427" b="-1"/>
+          <a:stretch/>
+        </p:blipFill>
+        <p:spPr>
+          <a:xfrm>
+            <a:off x="641434" y="321733"/>
+            <a:ext cx="3512853" cy="2966630"/>
+          </a:xfrm>
+          <a:prstGeom prst="rect">
+            <a:avLst/>
+          </a:prstGeom>
+        </p:spPr>
+      </p:pic>
+      <p:pic>
+        <p:nvPicPr>
+          <p:cNvPr id="10" name="Picture 9" descr="A close up of a map&#10;&#10;Description automatically generated">
+            <a:extLst>
+              <a:ext uri="{FF2B5EF4-FFF2-40B4-BE49-F238E27FC236}">
+                <a16:creationId xmlns:a16="http://schemas.microsoft.com/office/drawing/2014/main" id="{E3013887-FCEE-1B47-97C7-7B010DAB9A3E}"/>
+              </a:ext>
+            </a:extLst>
+          </p:cNvPr>
+          <p:cNvPicPr>
+            <a:picLocks noChangeAspect="1"/>
+          </p:cNvPicPr>
+          <p:nvPr/>
+        </p:nvPicPr>
+        <p:blipFill rotWithShape="1">
+          <a:blip r:embed="rId3">
+            <a:extLst>
+              <a:ext uri="{28A0092B-C50C-407E-A947-70E740481C1C}">
+                <a14:useLocalDpi xmlns:a14="http://schemas.microsoft.com/office/drawing/2010/main" val="0"/>
+              </a:ext>
+            </a:extLst>
+          </a:blip>
+          <a:srcRect l="9933" r="10042" b="4"/>
+          <a:stretch/>
+        </p:blipFill>
+        <p:spPr>
+          <a:xfrm>
+            <a:off x="4638789" y="613847"/>
+            <a:ext cx="2775313" cy="2340843"/>
+          </a:xfrm>
+          <a:prstGeom prst="rect">
+            <a:avLst/>
+          </a:prstGeom>
+        </p:spPr>
+      </p:pic>
+      <p:pic>
+        <p:nvPicPr>
+          <p:cNvPr id="6" name="Content Placeholder 5" descr="A close up of a map&#10;&#10;Description automatically generated">
+            <a:extLst>
+              <a:ext uri="{FF2B5EF4-FFF2-40B4-BE49-F238E27FC236}">
+                <a16:creationId xmlns:a16="http://schemas.microsoft.com/office/drawing/2014/main" id="{B3AFF2DE-74F3-134B-B443-9F66CFCAD5C4}"/>
+              </a:ext>
+            </a:extLst>
+          </p:cNvPr>
+          <p:cNvPicPr>
+            <a:picLocks noGrp="1" noChangeAspect="1"/>
+          </p:cNvPicPr>
+          <p:nvPr>
+            <p:ph sz="half" idx="2"/>
+          </p:nvPr>
+        </p:nvPicPr>
+        <p:blipFill rotWithShape="1">
+          <a:blip r:embed="rId4">
+            <a:extLst>
+              <a:ext uri="{28A0092B-C50C-407E-A947-70E740481C1C}">
+                <a14:useLocalDpi xmlns:a14="http://schemas.microsoft.com/office/drawing/2010/main" val="0"/>
+              </a:ext>
+            </a:extLst>
+          </a:blip>
+          <a:srcRect l="4517" r="3583" b="-1"/>
+          <a:stretch/>
+        </p:blipFill>
+        <p:spPr>
+          <a:xfrm>
+            <a:off x="7666091" y="299363"/>
+            <a:ext cx="4126115" cy="3008188"/>
+          </a:xfrm>
+          <a:prstGeom prst="rect">
+            <a:avLst/>
+          </a:prstGeom>
+        </p:spPr>
+      </p:pic>
+      <p:cxnSp>
+        <p:nvCxnSpPr>
+          <p:cNvPr id="19" name="Straight Connector 18">
+            <a:extLst>
+              <a:ext uri="{FF2B5EF4-FFF2-40B4-BE49-F238E27FC236}">
+                <a16:creationId xmlns:a16="http://schemas.microsoft.com/office/drawing/2014/main" id="{936FD40B-09C1-46D7-9E32-CC9BD7629FD2}"/>
+              </a:ext>
+              <a:ext uri="{C183D7F6-B498-43B3-948B-1728B52AA6E4}">
+                <adec:decorative xmlns:adec="http://schemas.microsoft.com/office/drawing/2017/decorative" val="1"/>
+              </a:ext>
+            </a:extLst>
+          </p:cNvPr>
+          <p:cNvCxnSpPr>
+            <a:cxnSpLocks noGrp="1" noRot="1" noChangeAspect="1" noMove="1" noResize="1" noEditPoints="1" noAdjustHandles="1" noChangeArrowheads="1" noChangeShapeType="1"/>
+          </p:cNvCxnSpPr>
+          <p:nvPr>
+            <p:extLst>
+              <p:ext uri="{386F3935-93C4-4BCD-93E2-E3B085C9AB24}">
+                <p16:designElem xmlns:p16="http://schemas.microsoft.com/office/powerpoint/2015/main" val="1"/>
+              </p:ext>
+            </p:extLst>
+          </p:nvPr>
+        </p:nvCxnSpPr>
+        <p:spPr>
+          <a:xfrm>
+            <a:off x="5138287" y="5443086"/>
+            <a:ext cx="6400800" cy="0"/>
+          </a:xfrm>
+          <a:prstGeom prst="line">
+            <a:avLst/>
+          </a:prstGeom>
+          <a:ln w="22225">
+            <a:solidFill>
+              <a:srgbClr val="D9D9D9"/>
+            </a:solidFill>
+          </a:ln>
+        </p:spPr>
+        <p:style>
+          <a:lnRef idx="1">
+            <a:schemeClr val="accent1"/>
+          </a:lnRef>
+          <a:fillRef idx="0">
+            <a:schemeClr val="accent1"/>
+          </a:fillRef>
+          <a:effectRef idx="0">
+            <a:schemeClr val="accent1"/>
+          </a:effectRef>
+          <a:fontRef idx="minor">
+            <a:schemeClr val="tx1"/>
+          </a:fontRef>
+        </p:style>
+      </p:cxnSp>
+      <p:pic>
+        <p:nvPicPr>
+          <p:cNvPr id="8" name="Content Placeholder 7" descr="A close up of a map&#10;&#10;Description automatically generated">
+            <a:extLst>
+              <a:ext uri="{FF2B5EF4-FFF2-40B4-BE49-F238E27FC236}">
+                <a16:creationId xmlns:a16="http://schemas.microsoft.com/office/drawing/2014/main" id="{E9C18C6C-C551-4048-8E1E-706174493C32}"/>
+              </a:ext>
+            </a:extLst>
+          </p:cNvPr>
+          <p:cNvPicPr>
+            <a:picLocks noGrp="1" noChangeAspect="1"/>
+          </p:cNvPicPr>
+          <p:nvPr>
+            <p:ph sz="half" idx="1"/>
+          </p:nvPr>
+        </p:nvPicPr>
+        <p:blipFill rotWithShape="1">
+          <a:blip r:embed="rId5">
+            <a:extLst>
+              <a:ext uri="{28A0092B-C50C-407E-A947-70E740481C1C}">
+                <a14:useLocalDpi xmlns:a14="http://schemas.microsoft.com/office/drawing/2010/main" val="0"/>
+              </a:ext>
+            </a:extLst>
+          </a:blip>
+          <a:srcRect l="1741" r="5475" b="-4"/>
+          <a:stretch/>
+        </p:blipFill>
+        <p:spPr>
+          <a:xfrm>
+            <a:off x="317635" y="3509433"/>
+            <a:ext cx="4160452" cy="3026833"/>
+          </a:xfrm>
+          <a:prstGeom prst="rect">
+            <a:avLst/>
+          </a:prstGeom>
+        </p:spPr>
+      </p:pic>
+    </p:spTree>
+    <p:extLst>
+      <p:ext uri="{BB962C8B-B14F-4D97-AF65-F5344CB8AC3E}">
+        <p14:creationId xmlns:p14="http://schemas.microsoft.com/office/powerpoint/2010/main" val="1401208564"/>
+      </p:ext>
+    </p:extLst>
+  </p:cSld>
+  <p:clrMapOvr>
+    <a:masterClrMapping/>
+  </p:clrMapOvr>
+</p:sld>
+</file>
+
+<file path=ppt/slides/slide12.xml><?xml version="1.0" encoding="utf-8"?>
+<p:sld xmlns:a="http://schemas.openxmlformats.org/drawingml/2006/main" xmlns:r="http://schemas.openxmlformats.org/officeDocument/2006/relationships" xmlns:p="http://schemas.openxmlformats.org/presentationml/2006/main">
+  <p:cSld>
+    <p:bg>
+      <p:bgPr>
+        <a:solidFill>
+          <a:schemeClr val="bg1"/>
+        </a:solidFill>
+        <a:effectLst/>
+      </p:bgPr>
+    </p:bg>
+    <p:spTree>
+      <p:nvGrpSpPr>
+        <p:cNvPr id="1" name=""/>
+        <p:cNvGrpSpPr/>
+        <p:nvPr/>
+      </p:nvGrpSpPr>
+      <p:grpSpPr>
+        <a:xfrm>
+          <a:off x="0" y="0"/>
+          <a:ext cx="0" cy="0"/>
+          <a:chOff x="0" y="0"/>
+          <a:chExt cx="0" cy="0"/>
+        </a:xfrm>
+      </p:grpSpPr>
+      <p:sp>
+        <p:nvSpPr>
+          <p:cNvPr id="15" name="Rectangle 14">
+            <a:extLst>
+              <a:ext uri="{FF2B5EF4-FFF2-40B4-BE49-F238E27FC236}">
+                <a16:creationId xmlns:a16="http://schemas.microsoft.com/office/drawing/2014/main" id="{928F64C6-FE22-4FC1-A763-DFCC514811BD}"/>
+              </a:ext>
+              <a:ext uri="{C183D7F6-B498-43B3-948B-1728B52AA6E4}">
+                <adec:decorative xmlns:adec="http://schemas.microsoft.com/office/drawing/2017/decorative" val="1"/>
+              </a:ext>
+            </a:extLst>
+          </p:cNvPr>
+          <p:cNvSpPr>
+            <a:spLocks noGrp="1" noRot="1" noChangeAspect="1" noMove="1" noResize="1" noEditPoints="1" noAdjustHandles="1" noChangeArrowheads="1" noChangeShapeType="1" noTextEdit="1"/>
+          </p:cNvSpPr>
+          <p:nvPr>
+            <p:extLst>
+              <p:ext uri="{386F3935-93C4-4BCD-93E2-E3B085C9AB24}">
+                <p16:designElem xmlns:p16="http://schemas.microsoft.com/office/powerpoint/2015/main" val="1"/>
+              </p:ext>
+            </p:extLst>
+          </p:nvPr>
+        </p:nvSpPr>
+        <p:spPr bwMode="ltGray">
+          <a:xfrm>
+            <a:off x="4708357" y="3509963"/>
+            <a:ext cx="7092215" cy="2967839"/>
+          </a:xfrm>
+          <a:prstGeom prst="rect">
+            <a:avLst/>
+          </a:prstGeom>
+          <a:solidFill>
+            <a:srgbClr val="404040"/>
+          </a:solidFill>
+          <a:ln w="127000" cap="sq" cmpd="thinThick">
+            <a:solidFill>
+              <a:srgbClr val="404040"/>
+            </a:solidFill>
+          </a:ln>
+        </p:spPr>
+        <p:style>
+          <a:lnRef idx="2">
+            <a:schemeClr val="accent1">
+              <a:shade val="50000"/>
+            </a:schemeClr>
+          </a:lnRef>
+          <a:fillRef idx="1">
+            <a:schemeClr val="accent1"/>
+          </a:fillRef>
+          <a:effectRef idx="0">
+            <a:schemeClr val="accent1"/>
+          </a:effectRef>
+          <a:fontRef idx="minor">
+            <a:schemeClr val="lt1"/>
+          </a:fontRef>
+        </p:style>
+        <p:txBody>
+          <a:bodyPr rtlCol="0" anchor="ctr"/>
+          <a:lstStyle/>
+          <a:p>
+            <a:pPr algn="ctr"/>
+            <a:endParaRPr lang="en-US" dirty="0"/>
+          </a:p>
+        </p:txBody>
+      </p:sp>
+      <p:sp>
+        <p:nvSpPr>
+          <p:cNvPr id="2" name="Title 1">
+            <a:extLst>
+              <a:ext uri="{FF2B5EF4-FFF2-40B4-BE49-F238E27FC236}">
+                <a16:creationId xmlns:a16="http://schemas.microsoft.com/office/drawing/2014/main" id="{8A248E08-59D4-254D-AB8C-721B57F8222C}"/>
+              </a:ext>
+            </a:extLst>
+          </p:cNvPr>
+          <p:cNvSpPr>
+            <a:spLocks noGrp="1"/>
+          </p:cNvSpPr>
+          <p:nvPr>
+            <p:ph type="title"/>
+          </p:nvPr>
+        </p:nvSpPr>
+        <p:spPr>
+          <a:xfrm>
+            <a:off x="5021821" y="3812954"/>
+            <a:ext cx="6465287" cy="1516014"/>
+          </a:xfrm>
+        </p:spPr>
+        <p:txBody>
+          <a:bodyPr vert="horz" lIns="91440" tIns="45720" rIns="91440" bIns="45720" rtlCol="0" anchor="b">
+            <a:normAutofit/>
+          </a:bodyPr>
+          <a:lstStyle/>
+          <a:p>
+            <a:r>
+              <a:rPr lang="en-US" sz="3400" kern="1200" dirty="0">
+                <a:solidFill>
+                  <a:srgbClr val="FFFFFF"/>
+                </a:solidFill>
+                <a:latin typeface="+mj-lt"/>
+                <a:ea typeface="+mj-ea"/>
+                <a:cs typeface="+mj-cs"/>
+              </a:rPr>
+              <a:t>Does a hot summer mean more crime? </a:t>
+            </a:r>
+            <a:br>
+              <a:rPr lang="en-US" sz="3400" kern="1200" dirty="0">
+                <a:solidFill>
+                  <a:srgbClr val="FFFFFF"/>
+                </a:solidFill>
+                <a:latin typeface="+mj-lt"/>
+                <a:ea typeface="+mj-ea"/>
+                <a:cs typeface="+mj-cs"/>
+              </a:rPr>
+            </a:br>
+            <a:r>
+              <a:rPr lang="en-US" sz="3400" kern="1200" dirty="0">
+                <a:solidFill>
+                  <a:srgbClr val="FFFFFF"/>
+                </a:solidFill>
+                <a:latin typeface="+mj-lt"/>
+                <a:ea typeface="+mj-ea"/>
+                <a:cs typeface="+mj-cs"/>
+              </a:rPr>
+              <a:t>Here's what the data shows: </a:t>
+            </a:r>
+          </a:p>
+        </p:txBody>
+      </p:sp>
+      <p:pic>
+        <p:nvPicPr>
+          <p:cNvPr id="4" name="Picture 3">
+            <a:extLst>
+              <a:ext uri="{FF2B5EF4-FFF2-40B4-BE49-F238E27FC236}">
+                <a16:creationId xmlns:a16="http://schemas.microsoft.com/office/drawing/2014/main" id="{FD4C3B98-FC5F-6541-8DB6-FD4645C56E7F}"/>
+              </a:ext>
+            </a:extLst>
+          </p:cNvPr>
+          <p:cNvPicPr>
+            <a:picLocks noChangeAspect="1"/>
+          </p:cNvPicPr>
+          <p:nvPr/>
+        </p:nvPicPr>
+        <p:blipFill rotWithShape="1">
+          <a:blip r:embed="rId2">
+            <a:extLst>
+              <a:ext uri="{28A0092B-C50C-407E-A947-70E740481C1C}">
+                <a14:useLocalDpi xmlns:a14="http://schemas.microsoft.com/office/drawing/2010/main" val="0"/>
+              </a:ext>
+            </a:extLst>
+          </a:blip>
+          <a:srcRect l="732" r="3941" b="1"/>
+          <a:stretch/>
+        </p:blipFill>
+        <p:spPr>
+          <a:xfrm>
+            <a:off x="317635" y="321733"/>
+            <a:ext cx="4151681" cy="3026834"/>
+          </a:xfrm>
+          <a:prstGeom prst="rect">
+            <a:avLst/>
+          </a:prstGeom>
+        </p:spPr>
+      </p:pic>
+      <p:pic>
+        <p:nvPicPr>
+          <p:cNvPr id="6" name="Picture 5">
+            <a:extLst>
+              <a:ext uri="{FF2B5EF4-FFF2-40B4-BE49-F238E27FC236}">
+                <a16:creationId xmlns:a16="http://schemas.microsoft.com/office/drawing/2014/main" id="{7E3EA373-6999-7340-AE4E-FF7B33ED253C}"/>
+              </a:ext>
+            </a:extLst>
+          </p:cNvPr>
+          <p:cNvPicPr>
+            <a:picLocks noChangeAspect="1"/>
+          </p:cNvPicPr>
+          <p:nvPr/>
+        </p:nvPicPr>
+        <p:blipFill rotWithShape="1">
+          <a:blip r:embed="rId3">
+            <a:extLst>
+              <a:ext uri="{28A0092B-C50C-407E-A947-70E740481C1C}">
+                <a14:useLocalDpi xmlns:a14="http://schemas.microsoft.com/office/drawing/2010/main" val="0"/>
+              </a:ext>
+            </a:extLst>
+          </a:blip>
+          <a:srcRect l="4174" r="4833" b="2"/>
+          <a:stretch/>
+        </p:blipFill>
+        <p:spPr>
+          <a:xfrm>
+            <a:off x="4638955" y="321733"/>
+            <a:ext cx="3539976" cy="2985818"/>
+          </a:xfrm>
+          <a:prstGeom prst="rect">
+            <a:avLst/>
+          </a:prstGeom>
+        </p:spPr>
+      </p:pic>
+      <p:pic>
+        <p:nvPicPr>
+          <p:cNvPr id="10" name="Picture 9">
+            <a:extLst>
+              <a:ext uri="{FF2B5EF4-FFF2-40B4-BE49-F238E27FC236}">
+                <a16:creationId xmlns:a16="http://schemas.microsoft.com/office/drawing/2014/main" id="{DE0774BC-F85D-2F48-8755-66DE8B41944D}"/>
+              </a:ext>
+            </a:extLst>
+          </p:cNvPr>
+          <p:cNvPicPr>
+            <a:picLocks noChangeAspect="1"/>
+          </p:cNvPicPr>
+          <p:nvPr/>
+        </p:nvPicPr>
+        <p:blipFill rotWithShape="1">
+          <a:blip r:embed="rId4">
+            <a:extLst>
+              <a:ext uri="{28A0092B-C50C-407E-A947-70E740481C1C}">
+                <a14:useLocalDpi xmlns:a14="http://schemas.microsoft.com/office/drawing/2010/main" val="0"/>
+              </a:ext>
+            </a:extLst>
+          </a:blip>
+          <a:srcRect r="229" b="2"/>
+          <a:stretch/>
+        </p:blipFill>
+        <p:spPr>
+          <a:xfrm>
+            <a:off x="8348570" y="321734"/>
+            <a:ext cx="3535590" cy="2985818"/>
+          </a:xfrm>
+          <a:prstGeom prst="rect">
+            <a:avLst/>
+          </a:prstGeom>
+        </p:spPr>
+      </p:pic>
+      <p:cxnSp>
+        <p:nvCxnSpPr>
+          <p:cNvPr id="17" name="Straight Connector 16">
+            <a:extLst>
+              <a:ext uri="{FF2B5EF4-FFF2-40B4-BE49-F238E27FC236}">
+                <a16:creationId xmlns:a16="http://schemas.microsoft.com/office/drawing/2014/main" id="{5C34627B-48E6-4F4D-B843-97717A86B490}"/>
+              </a:ext>
+              <a:ext uri="{C183D7F6-B498-43B3-948B-1728B52AA6E4}">
+                <adec:decorative xmlns:adec="http://schemas.microsoft.com/office/drawing/2017/decorative" val="1"/>
+              </a:ext>
+            </a:extLst>
+          </p:cNvPr>
+          <p:cNvCxnSpPr>
+            <a:cxnSpLocks noGrp="1" noRot="1" noChangeAspect="1" noMove="1" noResize="1" noEditPoints="1" noAdjustHandles="1" noChangeArrowheads="1" noChangeShapeType="1"/>
+          </p:cNvCxnSpPr>
+          <p:nvPr>
+            <p:extLst>
+              <p:ext uri="{386F3935-93C4-4BCD-93E2-E3B085C9AB24}">
+                <p16:designElem xmlns:p16="http://schemas.microsoft.com/office/powerpoint/2015/main" val="1"/>
+              </p:ext>
+            </p:extLst>
+          </p:nvPr>
+        </p:nvCxnSpPr>
+        <p:spPr>
+          <a:xfrm>
+            <a:off x="5138287" y="5443086"/>
+            <a:ext cx="6400800" cy="0"/>
+          </a:xfrm>
+          <a:prstGeom prst="line">
+            <a:avLst/>
+          </a:prstGeom>
+          <a:ln w="22225">
+            <a:solidFill>
+              <a:srgbClr val="D9D9D9"/>
+            </a:solidFill>
+          </a:ln>
+        </p:spPr>
+        <p:style>
+          <a:lnRef idx="1">
+            <a:schemeClr val="accent1"/>
+          </a:lnRef>
+          <a:fillRef idx="0">
+            <a:schemeClr val="accent1"/>
+          </a:fillRef>
+          <a:effectRef idx="0">
+            <a:schemeClr val="accent1"/>
+          </a:effectRef>
+          <a:fontRef idx="minor">
+            <a:schemeClr val="tx1"/>
+          </a:fontRef>
+        </p:style>
+      </p:cxnSp>
+      <p:pic>
+        <p:nvPicPr>
+          <p:cNvPr id="8" name="Picture 7">
+            <a:extLst>
+              <a:ext uri="{FF2B5EF4-FFF2-40B4-BE49-F238E27FC236}">
+                <a16:creationId xmlns:a16="http://schemas.microsoft.com/office/drawing/2014/main" id="{5BEBFBA0-D56F-B947-9923-E7CC05B024FD}"/>
+              </a:ext>
+            </a:extLst>
+          </p:cNvPr>
+          <p:cNvPicPr>
+            <a:picLocks noChangeAspect="1"/>
+          </p:cNvPicPr>
+          <p:nvPr/>
+        </p:nvPicPr>
+        <p:blipFill rotWithShape="1">
+          <a:blip r:embed="rId5">
+            <a:extLst>
+              <a:ext uri="{28A0092B-C50C-407E-A947-70E740481C1C}">
+                <a14:useLocalDpi xmlns:a14="http://schemas.microsoft.com/office/drawing/2010/main" val="0"/>
+              </a:ext>
+            </a:extLst>
+          </a:blip>
+          <a:srcRect t="9831" r="-5" b="2822"/>
+          <a:stretch/>
+        </p:blipFill>
+        <p:spPr>
+          <a:xfrm>
+            <a:off x="317635" y="3509433"/>
+            <a:ext cx="4160452" cy="3026833"/>
+          </a:xfrm>
+          <a:prstGeom prst="rect">
+            <a:avLst/>
+          </a:prstGeom>
+        </p:spPr>
+      </p:pic>
+    </p:spTree>
+    <p:extLst>
+      <p:ext uri="{BB962C8B-B14F-4D97-AF65-F5344CB8AC3E}">
+        <p14:creationId xmlns:p14="http://schemas.microsoft.com/office/powerpoint/2010/main" val="2868352188"/>
+      </p:ext>
+    </p:extLst>
+  </p:cSld>
+  <p:clrMapOvr>
+    <a:masterClrMapping/>
+  </p:clrMapOvr>
+</p:sld>
+</file>
+
+<file path=ppt/slides/slide13.xml><?xml version="1.0" encoding="utf-8"?>
+<p:sld xmlns:a="http://schemas.openxmlformats.org/drawingml/2006/main" xmlns:r="http://schemas.openxmlformats.org/officeDocument/2006/relationships" xmlns:p="http://schemas.openxmlformats.org/presentationml/2006/main">
+  <p:cSld>
+    <p:bg>
+      <p:bgPr>
+        <a:solidFill>
+          <a:schemeClr val="bg1"/>
+        </a:solidFill>
+        <a:effectLst/>
+      </p:bgPr>
+    </p:bg>
+    <p:spTree>
+      <p:nvGrpSpPr>
+        <p:cNvPr id="1" name=""/>
+        <p:cNvGrpSpPr/>
+        <p:nvPr/>
+      </p:nvGrpSpPr>
+      <p:grpSpPr>
+        <a:xfrm>
+          <a:off x="0" y="0"/>
+          <a:ext cx="0" cy="0"/>
+          <a:chOff x="0" y="0"/>
+          <a:chExt cx="0" cy="0"/>
+        </a:xfrm>
+      </p:grpSpPr>
+      <p:sp>
+        <p:nvSpPr>
           <p:cNvPr id="2" name="Title 1">
             <a:extLst>
               <a:ext uri="{FF2B5EF4-FFF2-40B4-BE49-F238E27FC236}">
@@ -3877,7 +4856,7 @@
 </p:sld>
 </file>
 
-<file path=ppt/slides/slide11.xml><?xml version="1.0" encoding="utf-8"?>
+<file path=ppt/slides/slide14.xml><?xml version="1.0" encoding="utf-8"?>
 <p:sld xmlns:a="http://schemas.openxmlformats.org/drawingml/2006/main" xmlns:r="http://schemas.openxmlformats.org/officeDocument/2006/relationships" xmlns:p="http://schemas.openxmlformats.org/presentationml/2006/main">
   <p:cSld>
     <p:spTree>
@@ -4186,6 +5165,92 @@
     <p:extLst>
       <p:ext uri="{BB962C8B-B14F-4D97-AF65-F5344CB8AC3E}">
         <p14:creationId xmlns:p14="http://schemas.microsoft.com/office/powerpoint/2010/main" val="918526572"/>
+      </p:ext>
+    </p:extLst>
+  </p:cSld>
+  <p:clrMapOvr>
+    <a:masterClrMapping/>
+  </p:clrMapOvr>
+</p:sld>
+</file>
+
+<file path=ppt/slides/slide15.xml><?xml version="1.0" encoding="utf-8"?>
+<p:sld xmlns:a="http://schemas.openxmlformats.org/drawingml/2006/main" xmlns:r="http://schemas.openxmlformats.org/officeDocument/2006/relationships" xmlns:p="http://schemas.openxmlformats.org/presentationml/2006/main">
+  <p:cSld>
+    <p:spTree>
+      <p:nvGrpSpPr>
+        <p:cNvPr id="1" name=""/>
+        <p:cNvGrpSpPr/>
+        <p:nvPr/>
+      </p:nvGrpSpPr>
+      <p:grpSpPr>
+        <a:xfrm>
+          <a:off x="0" y="0"/>
+          <a:ext cx="0" cy="0"/>
+          <a:chOff x="0" y="0"/>
+          <a:chExt cx="0" cy="0"/>
+        </a:xfrm>
+      </p:grpSpPr>
+      <p:sp>
+        <p:nvSpPr>
+          <p:cNvPr id="2" name="Title 1">
+            <a:extLst>
+              <a:ext uri="{FF2B5EF4-FFF2-40B4-BE49-F238E27FC236}">
+                <a16:creationId xmlns:a16="http://schemas.microsoft.com/office/drawing/2014/main" id="{33EA19B7-68FD-0E4C-A29C-AD7437514EDA}"/>
+              </a:ext>
+            </a:extLst>
+          </p:cNvPr>
+          <p:cNvSpPr>
+            <a:spLocks noGrp="1"/>
+          </p:cNvSpPr>
+          <p:nvPr>
+            <p:ph type="title"/>
+          </p:nvPr>
+        </p:nvSpPr>
+        <p:spPr/>
+        <p:txBody>
+          <a:bodyPr>
+            <a:normAutofit/>
+          </a:bodyPr>
+          <a:lstStyle/>
+          <a:p>
+            <a:pPr algn="ctr"/>
+            <a:r>
+              <a:rPr lang="en-US" sz="2400" dirty="0"/>
+              <a:t>Discuss the implications of your findings. This is where you get to have an open-ended discussion about what your findings "mean".</a:t>
+            </a:r>
+          </a:p>
+        </p:txBody>
+      </p:sp>
+      <p:sp>
+        <p:nvSpPr>
+          <p:cNvPr id="3" name="Content Placeholder 2">
+            <a:extLst>
+              <a:ext uri="{FF2B5EF4-FFF2-40B4-BE49-F238E27FC236}">
+                <a16:creationId xmlns:a16="http://schemas.microsoft.com/office/drawing/2014/main" id="{B24B9234-FC84-3048-916A-ED4CFEA49595}"/>
+              </a:ext>
+            </a:extLst>
+          </p:cNvPr>
+          <p:cNvSpPr>
+            <a:spLocks noGrp="1"/>
+          </p:cNvSpPr>
+          <p:nvPr>
+            <p:ph idx="1"/>
+          </p:nvPr>
+        </p:nvSpPr>
+        <p:spPr/>
+        <p:txBody>
+          <a:bodyPr/>
+          <a:lstStyle/>
+          <a:p>
+            <a:endParaRPr lang="en-US" dirty="0"/>
+          </a:p>
+        </p:txBody>
+      </p:sp>
+    </p:spTree>
+    <p:extLst>
+      <p:ext uri="{BB962C8B-B14F-4D97-AF65-F5344CB8AC3E}">
+        <p14:creationId xmlns:p14="http://schemas.microsoft.com/office/powerpoint/2010/main" val="2008184770"/>
       </p:ext>
     </p:extLst>
   </p:cSld>

--- a/Weather_vs_Crime.pptx
+++ b/Weather_vs_Crime.pptx
@@ -5243,6 +5243,24 @@
           <a:bodyPr/>
           <a:lstStyle/>
           <a:p>
+            <a:pPr algn="ctr"/>
+            <a:r>
+              <a:rPr lang="en-US" sz="3200" dirty="0"/>
+              <a:t>If I had two more weeks…</a:t>
+            </a:r>
+          </a:p>
+          <a:p>
+            <a:pPr algn="ctr"/>
+            <a:endParaRPr lang="en-US" dirty="0"/>
+          </a:p>
+          <a:p>
+            <a:pPr marL="285750" indent="-285750"/>
+            <a:r>
+              <a:rPr lang="en-US" dirty="0"/>
+              <a:t>I think if I could research how to manipulate file and variable names, I could probably loop datamining CPD crime based on the year of the csv file</a:t>
+            </a:r>
+          </a:p>
+          <a:p>
             <a:endParaRPr lang="en-US" dirty="0"/>
           </a:p>
         </p:txBody>
@@ -5667,7 +5685,7 @@
           <a:p>
             <a:r>
               <a:rPr lang="en-US" dirty="0"/>
-              <a:t>Chicago Data Portal</a:t>
+              <a:t>CPD Data Portal</a:t>
             </a:r>
           </a:p>
           <a:p>
@@ -7389,38 +7407,6 @@
               <a:t>Another example is breaking down the Date into Month, Day and Year so grouping and visualization wasn’t limited to one specific variable (YYYY/MM/DD)</a:t>
             </a:r>
           </a:p>
-          <a:p>
-            <a:pPr marL="742950" lvl="1" indent="-285750">
-              <a:buFont typeface="Arial" panose="020B0604020202020204" pitchFamily="34" charset="0"/>
-              <a:buChar char="•"/>
-            </a:pPr>
-            <a:endParaRPr lang="en-US" dirty="0"/>
-          </a:p>
-          <a:p>
-            <a:pPr marL="285750" indent="-285750">
-              <a:buFont typeface="Arial" panose="020B0604020202020204" pitchFamily="34" charset="0"/>
-              <a:buChar char="•"/>
-            </a:pPr>
-            <a:r>
-              <a:rPr lang="en-US" dirty="0"/>
-              <a:t>Another issue we had was missing data from </a:t>
-            </a:r>
-            <a:r>
-              <a:rPr lang="en-US" dirty="0" err="1"/>
-              <a:t>OpenWeatherMap</a:t>
-            </a:r>
-            <a:endParaRPr lang="en-US" dirty="0"/>
-          </a:p>
-          <a:p>
-            <a:pPr marL="742950" lvl="1" indent="-285750">
-              <a:buFont typeface="Arial" panose="020B0604020202020204" pitchFamily="34" charset="0"/>
-              <a:buChar char="•"/>
-            </a:pPr>
-            <a:r>
-              <a:rPr lang="en-US" dirty="0"/>
-              <a:t>There was a large gap of missing weather data that made us drop all crime incidents between 08-2014 to 06-2015</a:t>
-            </a:r>
-          </a:p>
         </p:txBody>
       </p:sp>
       <p:pic>
@@ -7459,68 +7445,6 @@
           </a:prstGeom>
         </p:spPr>
       </p:pic>
-      <p:sp>
-        <p:nvSpPr>
-          <p:cNvPr id="7" name="TextBox 6">
-            <a:extLst>
-              <a:ext uri="{FF2B5EF4-FFF2-40B4-BE49-F238E27FC236}">
-                <a16:creationId xmlns:a16="http://schemas.microsoft.com/office/drawing/2014/main" id="{074FDC2A-B5EB-4B8B-9F42-EB80B6D0D17C}"/>
-              </a:ext>
-            </a:extLst>
-          </p:cNvPr>
-          <p:cNvSpPr txBox="1"/>
-          <p:nvPr/>
-        </p:nvSpPr>
-        <p:spPr>
-          <a:xfrm>
-            <a:off x="6096000" y="4689764"/>
-            <a:ext cx="5595644" cy="1538883"/>
-          </a:xfrm>
-          <a:prstGeom prst="rect">
-            <a:avLst/>
-          </a:prstGeom>
-          <a:noFill/>
-        </p:spPr>
-        <p:txBody>
-          <a:bodyPr wrap="square" rtlCol="0">
-            <a:spAutoFit/>
-          </a:bodyPr>
-          <a:lstStyle/>
-          <a:p>
-            <a:pPr algn="ctr"/>
-            <a:r>
-              <a:rPr lang="en-US" sz="1600" dirty="0"/>
-              <a:t>If I had two more weeks…</a:t>
-            </a:r>
-          </a:p>
-          <a:p>
-            <a:pPr algn="ctr"/>
-            <a:endParaRPr lang="en-US" dirty="0"/>
-          </a:p>
-          <a:p>
-            <a:pPr marL="285750" indent="-285750">
-              <a:buFont typeface="Arial" panose="020B0604020202020204" pitchFamily="34" charset="0"/>
-              <a:buChar char="•"/>
-            </a:pPr>
-            <a:r>
-              <a:rPr lang="en-US" sz="1400" dirty="0"/>
-              <a:t>I think if I could research how to manipulate file and variable names, I could probably loop datamining CPD crime based </a:t>
-            </a:r>
-            <a:r>
-              <a:rPr lang="en-US" sz="1400"/>
-              <a:t>on the year of the csv file</a:t>
-            </a:r>
-            <a:endParaRPr lang="en-US" sz="1400" dirty="0"/>
-          </a:p>
-          <a:p>
-            <a:pPr marL="285750" indent="-285750">
-              <a:buFont typeface="Arial" panose="020B0604020202020204" pitchFamily="34" charset="0"/>
-              <a:buChar char="•"/>
-            </a:pPr>
-            <a:endParaRPr lang="en-US" dirty="0"/>
-          </a:p>
-        </p:txBody>
-      </p:sp>
     </p:spTree>
     <p:extLst>
       <p:ext uri="{BB962C8B-B14F-4D97-AF65-F5344CB8AC3E}">
